--- a/ДИПЛОМ/ДИПЛОМ.2.0/Призентация.pptx
+++ b/ДИПЛОМ/ДИПЛОМ.2.0/Призентация.pptx
@@ -1,21 +1,34 @@
 
 <file path=ppt/presentation.xml><?xml version="1.0" encoding="utf-8"?>
-<p:presentation xmlns:a="http://schemas.openxmlformats.org/drawingml/2006/main" xmlns:r="http://schemas.openxmlformats.org/officeDocument/2006/relationships" xmlns:p="http://schemas.openxmlformats.org/presentationml/2006/main" showSpecialPlsOnTitleSld="0" saveSubsetFonts="1">
+<p:presentation xmlns:a="http://schemas.openxmlformats.org/drawingml/2006/main" xmlns:r="http://schemas.openxmlformats.org/officeDocument/2006/relationships" xmlns:p="http://schemas.openxmlformats.org/presentationml/2006/main" saveSubsetFonts="1">
   <p:sldMasterIdLst>
     <p:sldMasterId id="2147484066" r:id="rId1"/>
   </p:sldMasterIdLst>
   <p:notesMasterIdLst>
-    <p:notesMasterId r:id="rId10"/>
+    <p:notesMasterId r:id="rId20"/>
   </p:notesMasterIdLst>
+  <p:handoutMasterIdLst>
+    <p:handoutMasterId r:id="rId21"/>
+  </p:handoutMasterIdLst>
   <p:sldIdLst>
     <p:sldId id="256" r:id="rId2"/>
-    <p:sldId id="265" r:id="rId3"/>
+    <p:sldId id="281" r:id="rId3"/>
     <p:sldId id="257" r:id="rId4"/>
     <p:sldId id="266" r:id="rId5"/>
     <p:sldId id="267" r:id="rId6"/>
     <p:sldId id="268" r:id="rId7"/>
     <p:sldId id="269" r:id="rId8"/>
     <p:sldId id="270" r:id="rId9"/>
+    <p:sldId id="272" r:id="rId10"/>
+    <p:sldId id="273" r:id="rId11"/>
+    <p:sldId id="274" r:id="rId12"/>
+    <p:sldId id="275" r:id="rId13"/>
+    <p:sldId id="276" r:id="rId14"/>
+    <p:sldId id="277" r:id="rId15"/>
+    <p:sldId id="278" r:id="rId16"/>
+    <p:sldId id="279" r:id="rId17"/>
+    <p:sldId id="280" r:id="rId18"/>
+    <p:sldId id="271" r:id="rId19"/>
   </p:sldIdLst>
   <p:sldSz cx="12192000" cy="6858000"/>
   <p:notesSz cx="6858000" cy="9144000"/>
@@ -114,7 +127,178 @@
       </a:defRPr>
     </a:lvl9pPr>
   </p:defaultTextStyle>
+  <p:extLst>
+    <p:ext uri="{EFAFB233-063F-42B5-8137-9DF3F51BA10A}">
+      <p15:sldGuideLst xmlns:p15="http://schemas.microsoft.com/office/powerpoint/2012/main"/>
+    </p:ext>
+  </p:extLst>
 </p:presentation>
+</file>
+
+<file path=ppt/handoutMasters/handoutMaster1.xml><?xml version="1.0" encoding="utf-8"?>
+<p:handoutMaster xmlns:a="http://schemas.openxmlformats.org/drawingml/2006/main" xmlns:r="http://schemas.openxmlformats.org/officeDocument/2006/relationships" xmlns:p="http://schemas.openxmlformats.org/presentationml/2006/main">
+  <p:cSld>
+    <p:bg>
+      <p:bgRef idx="1001">
+        <a:schemeClr val="bg1"/>
+      </p:bgRef>
+    </p:bg>
+    <p:spTree>
+      <p:nvGrpSpPr>
+        <p:cNvPr id="1" name=""/>
+        <p:cNvGrpSpPr/>
+        <p:nvPr/>
+      </p:nvGrpSpPr>
+      <p:grpSpPr>
+        <a:xfrm>
+          <a:off x="0" y="0"/>
+          <a:ext cx="0" cy="0"/>
+          <a:chOff x="0" y="0"/>
+          <a:chExt cx="0" cy="0"/>
+        </a:xfrm>
+      </p:grpSpPr>
+      <p:sp>
+        <p:nvSpPr>
+          <p:cNvPr id="2" name="Верхний колонтитул 1"/>
+          <p:cNvSpPr>
+            <a:spLocks noGrp="1"/>
+          </p:cNvSpPr>
+          <p:nvPr>
+            <p:ph type="hdr" sz="quarter"/>
+          </p:nvPr>
+        </p:nvSpPr>
+        <p:spPr>
+          <a:xfrm>
+            <a:off x="0" y="0"/>
+            <a:ext cx="2971800" cy="458788"/>
+          </a:xfrm>
+          <a:prstGeom prst="rect">
+            <a:avLst/>
+          </a:prstGeom>
+        </p:spPr>
+        <p:txBody>
+          <a:bodyPr vert="horz" lIns="91440" tIns="45720" rIns="91440" bIns="45720" rtlCol="0"/>
+          <a:lstStyle>
+            <a:lvl1pPr algn="l">
+              <a:defRPr sz="1200"/>
+            </a:lvl1pPr>
+          </a:lstStyle>
+          <a:p>
+            <a:endParaRPr lang="ru-RU"/>
+          </a:p>
+        </p:txBody>
+      </p:sp>
+      <p:sp>
+        <p:nvSpPr>
+          <p:cNvPr id="3" name="Дата 2"/>
+          <p:cNvSpPr>
+            <a:spLocks noGrp="1"/>
+          </p:cNvSpPr>
+          <p:nvPr>
+            <p:ph type="dt" sz="quarter" idx="1"/>
+          </p:nvPr>
+        </p:nvSpPr>
+        <p:spPr>
+          <a:xfrm>
+            <a:off x="3884613" y="0"/>
+            <a:ext cx="2971800" cy="458788"/>
+          </a:xfrm>
+          <a:prstGeom prst="rect">
+            <a:avLst/>
+          </a:prstGeom>
+        </p:spPr>
+        <p:txBody>
+          <a:bodyPr vert="horz" lIns="91440" tIns="45720" rIns="91440" bIns="45720" rtlCol="0"/>
+          <a:lstStyle>
+            <a:lvl1pPr algn="r">
+              <a:defRPr sz="1200"/>
+            </a:lvl1pPr>
+          </a:lstStyle>
+          <a:p>
+            <a:fld id="{4532BAFA-1DAA-49DA-9140-552917FE4CA4}" type="datetimeFigureOut">
+              <a:rPr lang="ru-RU" smtClean="0"/>
+              <a:t>01.06.2025</a:t>
+            </a:fld>
+            <a:endParaRPr lang="ru-RU"/>
+          </a:p>
+        </p:txBody>
+      </p:sp>
+      <p:sp>
+        <p:nvSpPr>
+          <p:cNvPr id="4" name="Нижний колонтитул 3"/>
+          <p:cNvSpPr>
+            <a:spLocks noGrp="1"/>
+          </p:cNvSpPr>
+          <p:nvPr>
+            <p:ph type="ftr" sz="quarter" idx="2"/>
+          </p:nvPr>
+        </p:nvSpPr>
+        <p:spPr>
+          <a:xfrm>
+            <a:off x="0" y="8685213"/>
+            <a:ext cx="2971800" cy="458787"/>
+          </a:xfrm>
+          <a:prstGeom prst="rect">
+            <a:avLst/>
+          </a:prstGeom>
+        </p:spPr>
+        <p:txBody>
+          <a:bodyPr vert="horz" lIns="91440" tIns="45720" rIns="91440" bIns="45720" rtlCol="0" anchor="b"/>
+          <a:lstStyle>
+            <a:lvl1pPr algn="l">
+              <a:defRPr sz="1200"/>
+            </a:lvl1pPr>
+          </a:lstStyle>
+          <a:p>
+            <a:endParaRPr lang="ru-RU"/>
+          </a:p>
+        </p:txBody>
+      </p:sp>
+      <p:sp>
+        <p:nvSpPr>
+          <p:cNvPr id="5" name="Номер слайда 4"/>
+          <p:cNvSpPr>
+            <a:spLocks noGrp="1"/>
+          </p:cNvSpPr>
+          <p:nvPr>
+            <p:ph type="sldNum" sz="quarter" idx="3"/>
+          </p:nvPr>
+        </p:nvSpPr>
+        <p:spPr>
+          <a:xfrm>
+            <a:off x="3884613" y="8685213"/>
+            <a:ext cx="2971800" cy="458787"/>
+          </a:xfrm>
+          <a:prstGeom prst="rect">
+            <a:avLst/>
+          </a:prstGeom>
+        </p:spPr>
+        <p:txBody>
+          <a:bodyPr vert="horz" lIns="91440" tIns="45720" rIns="91440" bIns="45720" rtlCol="0" anchor="b"/>
+          <a:lstStyle>
+            <a:lvl1pPr algn="r">
+              <a:defRPr sz="1200"/>
+            </a:lvl1pPr>
+          </a:lstStyle>
+          <a:p>
+            <a:fld id="{07406DF1-FB3A-465E-BC9B-A75313A13218}" type="slidenum">
+              <a:rPr lang="ru-RU" smtClean="0"/>
+              <a:t>‹#›</a:t>
+            </a:fld>
+            <a:endParaRPr lang="ru-RU"/>
+          </a:p>
+        </p:txBody>
+      </p:sp>
+    </p:spTree>
+    <p:extLst>
+      <p:ext uri="{BB962C8B-B14F-4D97-AF65-F5344CB8AC3E}">
+        <p14:creationId xmlns:p14="http://schemas.microsoft.com/office/powerpoint/2010/main" val="3103891152"/>
+      </p:ext>
+    </p:extLst>
+  </p:cSld>
+  <p:clrMap bg1="lt1" tx1="dk1" bg2="lt2" tx2="dk2" accent1="accent1" accent2="accent2" accent3="accent3" accent4="accent4" accent5="accent5" accent6="accent6" hlink="hlink" folHlink="folHlink"/>
+  <p:hf sldNum="0" hdr="0" ftr="0" dt="0"/>
+</p:handoutMaster>
 </file>
 
 <file path=ppt/notesMasters/notesMaster1.xml><?xml version="1.0" encoding="utf-8"?>
@@ -372,6 +556,7 @@
     </p:extLst>
   </p:cSld>
   <p:clrMap bg1="lt1" tx1="dk1" bg2="lt2" tx2="dk2" accent1="accent1" accent2="accent2" accent3="accent3" accent4="accent4" accent5="accent5" accent6="accent6" hlink="hlink" folHlink="folHlink"/>
+  <p:hf sldNum="0" hdr="0" ftr="0" dt="0"/>
   <p:notesStyle>
     <a:lvl1pPr marL="0" algn="l" defTabSz="914400" rtl="0" eaLnBrk="1" latinLnBrk="0" hangingPunct="1">
       <a:defRPr sz="1200" kern="1200">
@@ -1187,7 +1372,7 @@
           <a:bodyPr/>
           <a:lstStyle/>
           <a:p>
-            <a:fld id="{82B54A05-68DC-4516-A3F5-9B09B14A5FDB}" type="datetime1">
+            <a:fld id="{EB206AE8-C309-4DAC-9F3D-A218AFED9DE0}" type="datetime1">
               <a:rPr lang="ru-RU" smtClean="0"/>
               <a:t>01.06.2025</a:t>
             </a:fld>
@@ -1438,7 +1623,7 @@
           <a:bodyPr/>
           <a:lstStyle/>
           <a:p>
-            <a:fld id="{4C1A444B-172B-4A69-99FE-B2E39C1EAC53}" type="datetime1">
+            <a:fld id="{425FB888-68D7-4033-98BB-03E5784BE9BB}" type="datetime1">
               <a:rPr lang="ru-RU" smtClean="0"/>
               <a:t>01.06.2025</a:t>
             </a:fld>
@@ -1752,7 +1937,7 @@
           <a:bodyPr/>
           <a:lstStyle/>
           <a:p>
-            <a:fld id="{50113480-BB7B-4ED8-B389-77E1C5D5DF0D}" type="datetime1">
+            <a:fld id="{A654AADF-09C0-4E37-A643-87A6465DA60B}" type="datetime1">
               <a:rPr lang="ru-RU" smtClean="0"/>
               <a:t>01.06.2025</a:t>
             </a:fld>
@@ -2093,7 +2278,7 @@
           <a:bodyPr/>
           <a:lstStyle/>
           <a:p>
-            <a:fld id="{45E72B68-C2F3-4490-AA27-8FE1D9761E11}" type="datetime1">
+            <a:fld id="{416B175A-C788-4510-AA2B-F3FE3E09126F}" type="datetime1">
               <a:rPr lang="ru-RU" smtClean="0"/>
               <a:t>01.06.2025</a:t>
             </a:fld>
@@ -2407,7 +2592,7 @@
           <a:bodyPr/>
           <a:lstStyle/>
           <a:p>
-            <a:fld id="{C60BDAF5-3EA7-49C5-96CF-0696F327D953}" type="datetime1">
+            <a:fld id="{6626988E-7373-4151-B851-18622468C051}" type="datetime1">
               <a:rPr lang="ru-RU" smtClean="0"/>
               <a:t>01.06.2025</a:t>
             </a:fld>
@@ -2800,7 +2985,7 @@
           <a:bodyPr/>
           <a:lstStyle/>
           <a:p>
-            <a:fld id="{79FFE8DA-90D5-4CFD-B026-D6757B9937F0}" type="datetime1">
+            <a:fld id="{54F4833F-E8E4-4BEC-A4EA-B63E60277170}" type="datetime1">
               <a:rPr lang="ru-RU" smtClean="0"/>
               <a:t>01.06.2025</a:t>
             </a:fld>
@@ -2970,7 +3155,7 @@
           <a:bodyPr/>
           <a:lstStyle/>
           <a:p>
-            <a:fld id="{D4893CE6-9B0A-4C18-8035-62A47EC60BB8}" type="datetime1">
+            <a:fld id="{925A5439-378A-4628-88E5-44B1A5115612}" type="datetime1">
               <a:rPr lang="ru-RU" smtClean="0"/>
               <a:t>01.06.2025</a:t>
             </a:fld>
@@ -3150,7 +3335,7 @@
           <a:bodyPr/>
           <a:lstStyle/>
           <a:p>
-            <a:fld id="{5BF02F7D-6DA8-486F-963E-12E90C61A78E}" type="datetime1">
+            <a:fld id="{2422FE69-8F1A-46D4-B4A7-3B7E0DD3F4E3}" type="datetime1">
               <a:rPr lang="ru-RU" smtClean="0"/>
               <a:t>01.06.2025</a:t>
             </a:fld>
@@ -3326,7 +3511,7 @@
           <a:bodyPr/>
           <a:lstStyle/>
           <a:p>
-            <a:fld id="{528C50C4-F4A1-4FA3-ADED-367E5390DEB9}" type="datetime1">
+            <a:fld id="{BABB0E76-6DE3-4AA8-813D-7308F720DA07}" type="datetime1">
               <a:rPr lang="ru-RU" smtClean="0"/>
               <a:t>01.06.2025</a:t>
             </a:fld>
@@ -3573,7 +3758,7 @@
           <a:bodyPr/>
           <a:lstStyle/>
           <a:p>
-            <a:fld id="{10397950-0F44-4DF2-9B5E-E173C40854C5}" type="datetime1">
+            <a:fld id="{13A67319-6A7F-45B3-BD38-B765779075DA}" type="datetime1">
               <a:rPr lang="ru-RU" smtClean="0"/>
               <a:t>01.06.2025</a:t>
             </a:fld>
@@ -3805,7 +3990,7 @@
           <a:bodyPr/>
           <a:lstStyle/>
           <a:p>
-            <a:fld id="{203374BF-877B-4051-AE1E-A088B6D3263D}" type="datetime1">
+            <a:fld id="{95D73D04-339B-4023-8424-2C00CBDAA72B}" type="datetime1">
               <a:rPr lang="ru-RU" smtClean="0"/>
               <a:t>01.06.2025</a:t>
             </a:fld>
@@ -4179,7 +4364,7 @@
           <a:bodyPr/>
           <a:lstStyle/>
           <a:p>
-            <a:fld id="{9D1F403F-522A-46A1-B530-45A750167569}" type="datetime1">
+            <a:fld id="{0410C500-70BD-405A-BDC7-56560974F08A}" type="datetime1">
               <a:rPr lang="ru-RU" smtClean="0"/>
               <a:t>01.06.2025</a:t>
             </a:fld>
@@ -4302,7 +4487,7 @@
           <a:bodyPr/>
           <a:lstStyle/>
           <a:p>
-            <a:fld id="{03E75C85-C859-4A30-B868-B42E204ACFB9}" type="datetime1">
+            <a:fld id="{4035226A-01DE-4644-8BAA-CB0CEACD6CC0}" type="datetime1">
               <a:rPr lang="ru-RU" smtClean="0"/>
               <a:t>01.06.2025</a:t>
             </a:fld>
@@ -4397,7 +4582,7 @@
           <a:bodyPr/>
           <a:lstStyle/>
           <a:p>
-            <a:fld id="{1A452EE8-6ED4-4D5E-8FCE-1748518765B1}" type="datetime1">
+            <a:fld id="{4CFB8BF8-1809-4739-A18F-918E82ADEAFA}" type="datetime1">
               <a:rPr lang="ru-RU" smtClean="0"/>
               <a:t>01.06.2025</a:t>
             </a:fld>
@@ -4652,7 +4837,7 @@
           <a:bodyPr/>
           <a:lstStyle/>
           <a:p>
-            <a:fld id="{24021C12-8C62-437A-AF89-D1BBB6EAFFCF}" type="datetime1">
+            <a:fld id="{CAC87BEF-3478-4FA3-AA8A-3432938AE95F}" type="datetime1">
               <a:rPr lang="ru-RU" smtClean="0"/>
               <a:t>01.06.2025</a:t>
             </a:fld>
@@ -4915,7 +5100,7 @@
           <a:bodyPr/>
           <a:lstStyle/>
           <a:p>
-            <a:fld id="{12793146-027E-4883-8275-5FF85B1B2FF1}" type="datetime1">
+            <a:fld id="{74FD49E8-B7A6-47F0-A3CD-D60CDE7EA765}" type="datetime1">
               <a:rPr lang="ru-RU" smtClean="0"/>
               <a:t>01.06.2025</a:t>
             </a:fld>
@@ -5658,7 +5843,7 @@
             </a:lvl1pPr>
           </a:lstStyle>
           <a:p>
-            <a:fld id="{01EEC10B-3A3B-4607-9872-3B2A030811EE}" type="datetime1">
+            <a:fld id="{04B4D975-EFF1-4168-BCFC-6BDD817C2AD8}" type="datetime1">
               <a:rPr lang="ru-RU" smtClean="0"/>
               <a:t>01.06.2025</a:t>
             </a:fld>
@@ -5768,7 +5953,7 @@
     <p:sldLayoutId id="2147484081" r:id="rId15"/>
     <p:sldLayoutId id="2147484082" r:id="rId16"/>
   </p:sldLayoutIdLst>
-  <p:hf hdr="0" dt="0"/>
+  <p:hf hdr="0" ftr="0" dt="0"/>
   <p:txStyles>
     <p:titleStyle>
       <a:lvl1pPr algn="l" defTabSz="457200" rtl="0" eaLnBrk="1" latinLnBrk="0" hangingPunct="1">
@@ -6425,17 +6610,7 @@
                 <a:latin typeface="Arial" panose="020B0604020202020204" pitchFamily="34" charset="0"/>
                 <a:cs typeface="Arial" panose="020B0604020202020204" pitchFamily="34" charset="0"/>
               </a:rPr>
-              <a:t>	</a:t>
-            </a:r>
-            <a:r>
-              <a:rPr lang="ru-RU" sz="2400" dirty="0">
-                <a:solidFill>
-                  <a:schemeClr val="tx1"/>
-                </a:solidFill>
-                <a:latin typeface="Arial" panose="020B0604020202020204" pitchFamily="34" charset="0"/>
-                <a:cs typeface="Arial" panose="020B0604020202020204" pitchFamily="34" charset="0"/>
-              </a:rPr>
-              <a:t> </a:t>
+              <a:t>	 </a:t>
             </a:r>
             <a:endParaRPr lang="ru-RU" sz="2400" dirty="0" smtClean="0">
               <a:solidFill>
@@ -6517,10 +6692,4559 @@
           </a:p>
         </p:txBody>
       </p:sp>
+      <p:sp>
+        <p:nvSpPr>
+          <p:cNvPr id="3" name="Номер слайда 2"/>
+          <p:cNvSpPr>
+            <a:spLocks noGrp="1"/>
+          </p:cNvSpPr>
+          <p:nvPr>
+            <p:ph type="sldNum" sz="quarter" idx="12"/>
+          </p:nvPr>
+        </p:nvSpPr>
+        <p:spPr/>
+        <p:txBody>
+          <a:bodyPr/>
+          <a:lstStyle/>
+          <a:p>
+            <a:fld id="{1B847153-A715-48D2-911A-C00A5EB4142D}" type="slidenum">
+              <a:rPr lang="ru-RU" smtClean="0"/>
+              <a:t>1</a:t>
+            </a:fld>
+            <a:endParaRPr lang="ru-RU"/>
+          </a:p>
+        </p:txBody>
+      </p:sp>
     </p:spTree>
     <p:extLst>
       <p:ext uri="{BB962C8B-B14F-4D97-AF65-F5344CB8AC3E}">
         <p14:creationId xmlns:p14="http://schemas.microsoft.com/office/powerpoint/2010/main" val="3002254472"/>
+      </p:ext>
+    </p:extLst>
+  </p:cSld>
+  <p:clrMapOvr>
+    <a:masterClrMapping/>
+  </p:clrMapOvr>
+  <p:timing>
+    <p:tnLst>
+      <p:par>
+        <p:cTn id="1" dur="indefinite" restart="never" nodeType="tmRoot"/>
+      </p:par>
+    </p:tnLst>
+  </p:timing>
+</p:sld>
+</file>
+
+<file path=ppt/slides/slide10.xml><?xml version="1.0" encoding="utf-8"?>
+<p:sld xmlns:a="http://schemas.openxmlformats.org/drawingml/2006/main" xmlns:r="http://schemas.openxmlformats.org/officeDocument/2006/relationships" xmlns:p="http://schemas.openxmlformats.org/presentationml/2006/main">
+  <p:cSld>
+    <p:spTree>
+      <p:nvGrpSpPr>
+        <p:cNvPr id="1" name=""/>
+        <p:cNvGrpSpPr/>
+        <p:nvPr/>
+      </p:nvGrpSpPr>
+      <p:grpSpPr>
+        <a:xfrm>
+          <a:off x="0" y="0"/>
+          <a:ext cx="0" cy="0"/>
+          <a:chOff x="0" y="0"/>
+          <a:chExt cx="0" cy="0"/>
+        </a:xfrm>
+      </p:grpSpPr>
+      <p:sp>
+        <p:nvSpPr>
+          <p:cNvPr id="2" name="Заголовок 1"/>
+          <p:cNvSpPr>
+            <a:spLocks noGrp="1"/>
+          </p:cNvSpPr>
+          <p:nvPr>
+            <p:ph type="title"/>
+          </p:nvPr>
+        </p:nvSpPr>
+        <p:spPr>
+          <a:xfrm>
+            <a:off x="483769" y="346201"/>
+            <a:ext cx="9250539" cy="617220"/>
+          </a:xfrm>
+        </p:spPr>
+        <p:txBody>
+          <a:bodyPr>
+            <a:noAutofit/>
+          </a:bodyPr>
+          <a:lstStyle/>
+          <a:p>
+            <a:r>
+              <a:rPr lang="ru-RU" sz="3100" dirty="0" smtClean="0">
+                <a:solidFill>
+                  <a:schemeClr val="tx1"/>
+                </a:solidFill>
+                <a:latin typeface="Arial" panose="020B0604020202020204" pitchFamily="34" charset="0"/>
+                <a:cs typeface="Arial" panose="020B0604020202020204" pitchFamily="34" charset="0"/>
+              </a:rPr>
+              <a:t>Проектирование программного модуля</a:t>
+            </a:r>
+            <a:endParaRPr lang="ru-RU" sz="3100" dirty="0">
+              <a:solidFill>
+                <a:schemeClr val="tx1"/>
+              </a:solidFill>
+              <a:latin typeface="Arial" panose="020B0604020202020204" pitchFamily="34" charset="0"/>
+              <a:cs typeface="Arial" panose="020B0604020202020204" pitchFamily="34" charset="0"/>
+            </a:endParaRPr>
+          </a:p>
+        </p:txBody>
+      </p:sp>
+      <p:sp>
+        <p:nvSpPr>
+          <p:cNvPr id="3" name="Объект 2"/>
+          <p:cNvSpPr>
+            <a:spLocks noGrp="1"/>
+          </p:cNvSpPr>
+          <p:nvPr>
+            <p:ph idx="1"/>
+          </p:nvPr>
+        </p:nvSpPr>
+        <p:spPr>
+          <a:xfrm>
+            <a:off x="483769" y="1119658"/>
+            <a:ext cx="8596668" cy="4951702"/>
+          </a:xfrm>
+        </p:spPr>
+        <p:txBody>
+          <a:bodyPr/>
+          <a:lstStyle/>
+          <a:p>
+            <a:pPr marL="0" indent="450850">
+              <a:buNone/>
+            </a:pPr>
+            <a:r>
+              <a:rPr lang="ru-RU" sz="2400" dirty="0">
+                <a:solidFill>
+                  <a:schemeClr val="tx1"/>
+                </a:solidFill>
+                <a:latin typeface="Arial" panose="020B0604020202020204" pitchFamily="34" charset="0"/>
+                <a:cs typeface="Arial" panose="020B0604020202020204" pitchFamily="34" charset="0"/>
+              </a:rPr>
+              <a:t>Задача программного модуля - систематизировать поступающие обращения клиентов и оптимизировать процесс их обработки.</a:t>
+            </a:r>
+          </a:p>
+          <a:p>
+            <a:pPr marL="0" indent="0">
+              <a:buNone/>
+            </a:pPr>
+            <a:r>
+              <a:rPr lang="ru-RU" sz="2400" dirty="0">
+                <a:solidFill>
+                  <a:schemeClr val="tx1"/>
+                </a:solidFill>
+                <a:latin typeface="Arial" panose="020B0604020202020204" pitchFamily="34" charset="0"/>
+                <a:cs typeface="Arial" panose="020B0604020202020204" pitchFamily="34" charset="0"/>
+              </a:rPr>
+              <a:t>Сущности программного модуля</a:t>
+            </a:r>
+            <a:r>
+              <a:rPr lang="en-US" sz="2400" dirty="0">
+                <a:solidFill>
+                  <a:schemeClr val="tx1"/>
+                </a:solidFill>
+                <a:latin typeface="Arial" panose="020B0604020202020204" pitchFamily="34" charset="0"/>
+                <a:cs typeface="Arial" panose="020B0604020202020204" pitchFamily="34" charset="0"/>
+              </a:rPr>
+              <a:t>:</a:t>
+            </a:r>
+            <a:endParaRPr lang="ru-RU" sz="2400" dirty="0">
+              <a:solidFill>
+                <a:schemeClr val="tx1"/>
+              </a:solidFill>
+              <a:latin typeface="Arial" panose="020B0604020202020204" pitchFamily="34" charset="0"/>
+              <a:cs typeface="Arial" panose="020B0604020202020204" pitchFamily="34" charset="0"/>
+            </a:endParaRPr>
+          </a:p>
+          <a:p>
+            <a:pPr lvl="0"/>
+            <a:r>
+              <a:rPr lang="ru-RU" sz="2400" dirty="0">
+                <a:solidFill>
+                  <a:schemeClr val="tx1"/>
+                </a:solidFill>
+                <a:latin typeface="Arial" panose="020B0604020202020204" pitchFamily="34" charset="0"/>
+                <a:cs typeface="Arial" panose="020B0604020202020204" pitchFamily="34" charset="0"/>
+              </a:rPr>
+              <a:t>клиент</a:t>
+            </a:r>
+            <a:r>
+              <a:rPr lang="en-US" sz="2400" dirty="0">
+                <a:solidFill>
+                  <a:schemeClr val="tx1"/>
+                </a:solidFill>
+                <a:latin typeface="Arial" panose="020B0604020202020204" pitchFamily="34" charset="0"/>
+                <a:cs typeface="Arial" panose="020B0604020202020204" pitchFamily="34" charset="0"/>
+              </a:rPr>
+              <a:t>;</a:t>
+            </a:r>
+            <a:endParaRPr lang="ru-RU" sz="2400" dirty="0">
+              <a:solidFill>
+                <a:schemeClr val="tx1"/>
+              </a:solidFill>
+              <a:latin typeface="Arial" panose="020B0604020202020204" pitchFamily="34" charset="0"/>
+              <a:cs typeface="Arial" panose="020B0604020202020204" pitchFamily="34" charset="0"/>
+            </a:endParaRPr>
+          </a:p>
+          <a:p>
+            <a:pPr lvl="0"/>
+            <a:r>
+              <a:rPr lang="ru-RU" sz="2400" dirty="0">
+                <a:solidFill>
+                  <a:schemeClr val="tx1"/>
+                </a:solidFill>
+                <a:latin typeface="Arial" panose="020B0604020202020204" pitchFamily="34" charset="0"/>
+                <a:cs typeface="Arial" panose="020B0604020202020204" pitchFamily="34" charset="0"/>
+              </a:rPr>
+              <a:t>исполнитель</a:t>
+            </a:r>
+            <a:r>
+              <a:rPr lang="en-US" sz="2400" dirty="0">
+                <a:solidFill>
+                  <a:schemeClr val="tx1"/>
+                </a:solidFill>
+                <a:latin typeface="Arial" panose="020B0604020202020204" pitchFamily="34" charset="0"/>
+                <a:cs typeface="Arial" panose="020B0604020202020204" pitchFamily="34" charset="0"/>
+              </a:rPr>
+              <a:t>;</a:t>
+            </a:r>
+            <a:endParaRPr lang="ru-RU" sz="2400" dirty="0">
+              <a:solidFill>
+                <a:schemeClr val="tx1"/>
+              </a:solidFill>
+              <a:latin typeface="Arial" panose="020B0604020202020204" pitchFamily="34" charset="0"/>
+              <a:cs typeface="Arial" panose="020B0604020202020204" pitchFamily="34" charset="0"/>
+            </a:endParaRPr>
+          </a:p>
+          <a:p>
+            <a:pPr lvl="0"/>
+            <a:r>
+              <a:rPr lang="ru-RU" sz="2400" dirty="0">
+                <a:solidFill>
+                  <a:schemeClr val="tx1"/>
+                </a:solidFill>
+                <a:latin typeface="Arial" panose="020B0604020202020204" pitchFamily="34" charset="0"/>
+                <a:cs typeface="Arial" panose="020B0604020202020204" pitchFamily="34" charset="0"/>
+              </a:rPr>
+              <a:t>обращение (задача</a:t>
+            </a:r>
+            <a:r>
+              <a:rPr lang="en-US" sz="2400" dirty="0">
+                <a:solidFill>
+                  <a:schemeClr val="tx1"/>
+                </a:solidFill>
+                <a:latin typeface="Arial" panose="020B0604020202020204" pitchFamily="34" charset="0"/>
+                <a:cs typeface="Arial" panose="020B0604020202020204" pitchFamily="34" charset="0"/>
+              </a:rPr>
+              <a:t>);</a:t>
+            </a:r>
+            <a:endParaRPr lang="ru-RU" sz="2400" dirty="0">
+              <a:solidFill>
+                <a:schemeClr val="tx1"/>
+              </a:solidFill>
+              <a:latin typeface="Arial" panose="020B0604020202020204" pitchFamily="34" charset="0"/>
+              <a:cs typeface="Arial" panose="020B0604020202020204" pitchFamily="34" charset="0"/>
+            </a:endParaRPr>
+          </a:p>
+          <a:p>
+            <a:pPr lvl="0"/>
+            <a:r>
+              <a:rPr lang="ru-RU" sz="2400" dirty="0">
+                <a:solidFill>
+                  <a:schemeClr val="tx1"/>
+                </a:solidFill>
+                <a:latin typeface="Arial" panose="020B0604020202020204" pitchFamily="34" charset="0"/>
+                <a:cs typeface="Arial" panose="020B0604020202020204" pitchFamily="34" charset="0"/>
+              </a:rPr>
+              <a:t>организация клиента</a:t>
+            </a:r>
+            <a:r>
+              <a:rPr lang="en-US" sz="2400" dirty="0">
+                <a:solidFill>
+                  <a:schemeClr val="tx1"/>
+                </a:solidFill>
+                <a:latin typeface="Arial" panose="020B0604020202020204" pitchFamily="34" charset="0"/>
+                <a:cs typeface="Arial" panose="020B0604020202020204" pitchFamily="34" charset="0"/>
+              </a:rPr>
+              <a:t>.</a:t>
+            </a:r>
+            <a:endParaRPr lang="ru-RU" sz="2400" dirty="0">
+              <a:solidFill>
+                <a:schemeClr val="tx1"/>
+              </a:solidFill>
+              <a:latin typeface="Arial" panose="020B0604020202020204" pitchFamily="34" charset="0"/>
+              <a:cs typeface="Arial" panose="020B0604020202020204" pitchFamily="34" charset="0"/>
+            </a:endParaRPr>
+          </a:p>
+          <a:p>
+            <a:endParaRPr lang="ru-RU" dirty="0"/>
+          </a:p>
+        </p:txBody>
+      </p:sp>
+      <p:sp>
+        <p:nvSpPr>
+          <p:cNvPr id="6" name="Номер слайда 5"/>
+          <p:cNvSpPr>
+            <a:spLocks noGrp="1"/>
+          </p:cNvSpPr>
+          <p:nvPr>
+            <p:ph type="sldNum" sz="quarter" idx="12"/>
+          </p:nvPr>
+        </p:nvSpPr>
+        <p:spPr>
+          <a:xfrm>
+            <a:off x="11100123" y="6473558"/>
+            <a:ext cx="1091878" cy="365125"/>
+          </a:xfrm>
+        </p:spPr>
+        <p:txBody>
+          <a:bodyPr/>
+          <a:lstStyle/>
+          <a:p>
+            <a:fld id="{1B847153-A715-48D2-911A-C00A5EB4142D}" type="slidenum">
+              <a:rPr lang="ru-RU" sz="3600" smtClean="0">
+                <a:solidFill>
+                  <a:schemeClr val="tx1"/>
+                </a:solidFill>
+                <a:latin typeface="Arial" panose="020B0604020202020204" pitchFamily="34" charset="0"/>
+                <a:cs typeface="Arial" panose="020B0604020202020204" pitchFamily="34" charset="0"/>
+              </a:rPr>
+              <a:t>10</a:t>
+            </a:fld>
+            <a:endParaRPr lang="ru-RU" sz="3600" dirty="0">
+              <a:solidFill>
+                <a:schemeClr val="tx1"/>
+              </a:solidFill>
+              <a:latin typeface="Arial" panose="020B0604020202020204" pitchFamily="34" charset="0"/>
+              <a:cs typeface="Arial" panose="020B0604020202020204" pitchFamily="34" charset="0"/>
+            </a:endParaRPr>
+          </a:p>
+        </p:txBody>
+      </p:sp>
+    </p:spTree>
+    <p:extLst>
+      <p:ext uri="{BB962C8B-B14F-4D97-AF65-F5344CB8AC3E}">
+        <p14:creationId xmlns:p14="http://schemas.microsoft.com/office/powerpoint/2010/main" val="98050255"/>
+      </p:ext>
+    </p:extLst>
+  </p:cSld>
+  <p:clrMapOvr>
+    <a:masterClrMapping/>
+  </p:clrMapOvr>
+  <p:timing>
+    <p:tnLst>
+      <p:par>
+        <p:cTn id="1" dur="indefinite" restart="never" nodeType="tmRoot"/>
+      </p:par>
+    </p:tnLst>
+  </p:timing>
+</p:sld>
+</file>
+
+<file path=ppt/slides/slide11.xml><?xml version="1.0" encoding="utf-8"?>
+<p:sld xmlns:a="http://schemas.openxmlformats.org/drawingml/2006/main" xmlns:r="http://schemas.openxmlformats.org/officeDocument/2006/relationships" xmlns:p="http://schemas.openxmlformats.org/presentationml/2006/main">
+  <p:cSld>
+    <p:spTree>
+      <p:nvGrpSpPr>
+        <p:cNvPr id="1" name=""/>
+        <p:cNvGrpSpPr/>
+        <p:nvPr/>
+      </p:nvGrpSpPr>
+      <p:grpSpPr>
+        <a:xfrm>
+          <a:off x="0" y="0"/>
+          <a:ext cx="0" cy="0"/>
+          <a:chOff x="0" y="0"/>
+          <a:chExt cx="0" cy="0"/>
+        </a:xfrm>
+      </p:grpSpPr>
+      <p:sp>
+        <p:nvSpPr>
+          <p:cNvPr id="2" name="Заголовок 1"/>
+          <p:cNvSpPr>
+            <a:spLocks noGrp="1"/>
+          </p:cNvSpPr>
+          <p:nvPr>
+            <p:ph type="title"/>
+          </p:nvPr>
+        </p:nvSpPr>
+        <p:spPr>
+          <a:xfrm>
+            <a:off x="483769" y="346201"/>
+            <a:ext cx="9250539" cy="617220"/>
+          </a:xfrm>
+        </p:spPr>
+        <p:txBody>
+          <a:bodyPr>
+            <a:noAutofit/>
+          </a:bodyPr>
+          <a:lstStyle/>
+          <a:p>
+            <a:r>
+              <a:rPr lang="ru-RU" sz="3100" dirty="0">
+                <a:solidFill>
+                  <a:schemeClr val="tx1"/>
+                </a:solidFill>
+                <a:latin typeface="Arial" panose="020B0604020202020204" pitchFamily="34" charset="0"/>
+                <a:cs typeface="Arial" panose="020B0604020202020204" pitchFamily="34" charset="0"/>
+              </a:rPr>
+              <a:t>Диаграмма вариантов использования ПМ</a:t>
+            </a:r>
+          </a:p>
+        </p:txBody>
+      </p:sp>
+      <p:sp>
+        <p:nvSpPr>
+          <p:cNvPr id="6" name="Номер слайда 5"/>
+          <p:cNvSpPr>
+            <a:spLocks noGrp="1"/>
+          </p:cNvSpPr>
+          <p:nvPr>
+            <p:ph type="sldNum" sz="quarter" idx="12"/>
+          </p:nvPr>
+        </p:nvSpPr>
+        <p:spPr>
+          <a:xfrm>
+            <a:off x="11508661" y="6473558"/>
+            <a:ext cx="683339" cy="365125"/>
+          </a:xfrm>
+        </p:spPr>
+        <p:txBody>
+          <a:bodyPr/>
+          <a:lstStyle/>
+          <a:p>
+            <a:fld id="{1B847153-A715-48D2-911A-C00A5EB4142D}" type="slidenum">
+              <a:rPr lang="ru-RU" sz="3600" smtClean="0">
+                <a:solidFill>
+                  <a:schemeClr val="tx1"/>
+                </a:solidFill>
+                <a:latin typeface="Arial" panose="020B0604020202020204" pitchFamily="34" charset="0"/>
+                <a:cs typeface="Arial" panose="020B0604020202020204" pitchFamily="34" charset="0"/>
+              </a:rPr>
+              <a:t>11</a:t>
+            </a:fld>
+            <a:endParaRPr lang="ru-RU" sz="3600" dirty="0">
+              <a:solidFill>
+                <a:schemeClr val="tx1"/>
+              </a:solidFill>
+              <a:latin typeface="Arial" panose="020B0604020202020204" pitchFamily="34" charset="0"/>
+              <a:cs typeface="Arial" panose="020B0604020202020204" pitchFamily="34" charset="0"/>
+            </a:endParaRPr>
+          </a:p>
+        </p:txBody>
+      </p:sp>
+      <p:pic>
+        <p:nvPicPr>
+          <p:cNvPr id="5" name="Объект 4"/>
+          <p:cNvPicPr>
+            <a:picLocks noGrp="1"/>
+          </p:cNvPicPr>
+          <p:nvPr>
+            <p:ph idx="1"/>
+          </p:nvPr>
+        </p:nvPicPr>
+        <p:blipFill>
+          <a:blip r:embed="rId2"/>
+          <a:stretch>
+            <a:fillRect/>
+          </a:stretch>
+        </p:blipFill>
+        <p:spPr>
+          <a:xfrm>
+            <a:off x="1615471" y="1119188"/>
+            <a:ext cx="6333746" cy="4951412"/>
+          </a:xfrm>
+          <a:prstGeom prst="rect">
+            <a:avLst/>
+          </a:prstGeom>
+        </p:spPr>
+      </p:pic>
+    </p:spTree>
+    <p:extLst>
+      <p:ext uri="{BB962C8B-B14F-4D97-AF65-F5344CB8AC3E}">
+        <p14:creationId xmlns:p14="http://schemas.microsoft.com/office/powerpoint/2010/main" val="2076224271"/>
+      </p:ext>
+    </p:extLst>
+  </p:cSld>
+  <p:clrMapOvr>
+    <a:masterClrMapping/>
+  </p:clrMapOvr>
+  <p:timing>
+    <p:tnLst>
+      <p:par>
+        <p:cTn id="1" dur="indefinite" restart="never" nodeType="tmRoot"/>
+      </p:par>
+    </p:tnLst>
+  </p:timing>
+</p:sld>
+</file>
+
+<file path=ppt/slides/slide12.xml><?xml version="1.0" encoding="utf-8"?>
+<p:sld xmlns:a="http://schemas.openxmlformats.org/drawingml/2006/main" xmlns:r="http://schemas.openxmlformats.org/officeDocument/2006/relationships" xmlns:p="http://schemas.openxmlformats.org/presentationml/2006/main">
+  <p:cSld>
+    <p:spTree>
+      <p:nvGrpSpPr>
+        <p:cNvPr id="1" name=""/>
+        <p:cNvGrpSpPr/>
+        <p:nvPr/>
+      </p:nvGrpSpPr>
+      <p:grpSpPr>
+        <a:xfrm>
+          <a:off x="0" y="0"/>
+          <a:ext cx="0" cy="0"/>
+          <a:chOff x="0" y="0"/>
+          <a:chExt cx="0" cy="0"/>
+        </a:xfrm>
+      </p:grpSpPr>
+      <p:sp>
+        <p:nvSpPr>
+          <p:cNvPr id="2" name="Заголовок 1"/>
+          <p:cNvSpPr>
+            <a:spLocks noGrp="1"/>
+          </p:cNvSpPr>
+          <p:nvPr>
+            <p:ph type="title"/>
+          </p:nvPr>
+        </p:nvSpPr>
+        <p:spPr>
+          <a:xfrm>
+            <a:off x="483769" y="346201"/>
+            <a:ext cx="9250539" cy="617220"/>
+          </a:xfrm>
+        </p:spPr>
+        <p:txBody>
+          <a:bodyPr>
+            <a:noAutofit/>
+          </a:bodyPr>
+          <a:lstStyle/>
+          <a:p>
+            <a:r>
+              <a:rPr lang="ru-RU" sz="3100" dirty="0" smtClean="0">
+                <a:solidFill>
+                  <a:schemeClr val="tx1"/>
+                </a:solidFill>
+                <a:latin typeface="Arial" panose="020B0604020202020204" pitchFamily="34" charset="0"/>
+                <a:cs typeface="Arial" panose="020B0604020202020204" pitchFamily="34" charset="0"/>
+              </a:rPr>
+              <a:t>Диаграмма </a:t>
+            </a:r>
+            <a:r>
+              <a:rPr lang="ru-RU" sz="3100" dirty="0">
+                <a:solidFill>
+                  <a:schemeClr val="tx1"/>
+                </a:solidFill>
+                <a:latin typeface="Arial" panose="020B0604020202020204" pitchFamily="34" charset="0"/>
+                <a:cs typeface="Arial" panose="020B0604020202020204" pitchFamily="34" charset="0"/>
+              </a:rPr>
+              <a:t>классов ПМ</a:t>
+            </a:r>
+          </a:p>
+        </p:txBody>
+      </p:sp>
+      <p:sp>
+        <p:nvSpPr>
+          <p:cNvPr id="6" name="Номер слайда 5"/>
+          <p:cNvSpPr>
+            <a:spLocks noGrp="1"/>
+          </p:cNvSpPr>
+          <p:nvPr>
+            <p:ph type="sldNum" sz="quarter" idx="12"/>
+          </p:nvPr>
+        </p:nvSpPr>
+        <p:spPr>
+          <a:xfrm>
+            <a:off x="10926501" y="6473558"/>
+            <a:ext cx="1265499" cy="365125"/>
+          </a:xfrm>
+        </p:spPr>
+        <p:txBody>
+          <a:bodyPr/>
+          <a:lstStyle/>
+          <a:p>
+            <a:fld id="{1B847153-A715-48D2-911A-C00A5EB4142D}" type="slidenum">
+              <a:rPr lang="ru-RU" sz="3600" smtClean="0">
+                <a:solidFill>
+                  <a:schemeClr val="tx1"/>
+                </a:solidFill>
+                <a:latin typeface="Arial" panose="020B0604020202020204" pitchFamily="34" charset="0"/>
+                <a:cs typeface="Arial" panose="020B0604020202020204" pitchFamily="34" charset="0"/>
+              </a:rPr>
+              <a:t>12</a:t>
+            </a:fld>
+            <a:endParaRPr lang="ru-RU" sz="3600" dirty="0">
+              <a:solidFill>
+                <a:schemeClr val="tx1"/>
+              </a:solidFill>
+              <a:latin typeface="Arial" panose="020B0604020202020204" pitchFamily="34" charset="0"/>
+              <a:cs typeface="Arial" panose="020B0604020202020204" pitchFamily="34" charset="0"/>
+            </a:endParaRPr>
+          </a:p>
+        </p:txBody>
+      </p:sp>
+      <p:pic>
+        <p:nvPicPr>
+          <p:cNvPr id="7" name="Рисунок 6"/>
+          <p:cNvPicPr/>
+          <p:nvPr/>
+        </p:nvPicPr>
+        <p:blipFill>
+          <a:blip r:embed="rId2"/>
+          <a:stretch>
+            <a:fillRect/>
+          </a:stretch>
+        </p:blipFill>
+        <p:spPr>
+          <a:xfrm>
+            <a:off x="2029831" y="963421"/>
+            <a:ext cx="6905823" cy="5749895"/>
+          </a:xfrm>
+          <a:prstGeom prst="rect">
+            <a:avLst/>
+          </a:prstGeom>
+        </p:spPr>
+      </p:pic>
+    </p:spTree>
+    <p:extLst>
+      <p:ext uri="{BB962C8B-B14F-4D97-AF65-F5344CB8AC3E}">
+        <p14:creationId xmlns:p14="http://schemas.microsoft.com/office/powerpoint/2010/main" val="3537630011"/>
+      </p:ext>
+    </p:extLst>
+  </p:cSld>
+  <p:clrMapOvr>
+    <a:masterClrMapping/>
+  </p:clrMapOvr>
+  <p:timing>
+    <p:tnLst>
+      <p:par>
+        <p:cTn id="1" dur="indefinite" restart="never" nodeType="tmRoot"/>
+      </p:par>
+    </p:tnLst>
+  </p:timing>
+</p:sld>
+</file>
+
+<file path=ppt/slides/slide13.xml><?xml version="1.0" encoding="utf-8"?>
+<p:sld xmlns:a="http://schemas.openxmlformats.org/drawingml/2006/main" xmlns:r="http://schemas.openxmlformats.org/officeDocument/2006/relationships" xmlns:p="http://schemas.openxmlformats.org/presentationml/2006/main">
+  <p:cSld>
+    <p:spTree>
+      <p:nvGrpSpPr>
+        <p:cNvPr id="1" name=""/>
+        <p:cNvGrpSpPr/>
+        <p:nvPr/>
+      </p:nvGrpSpPr>
+      <p:grpSpPr>
+        <a:xfrm>
+          <a:off x="0" y="0"/>
+          <a:ext cx="0" cy="0"/>
+          <a:chOff x="0" y="0"/>
+          <a:chExt cx="0" cy="0"/>
+        </a:xfrm>
+      </p:grpSpPr>
+      <p:sp>
+        <p:nvSpPr>
+          <p:cNvPr id="2" name="Заголовок 1"/>
+          <p:cNvSpPr>
+            <a:spLocks noGrp="1"/>
+          </p:cNvSpPr>
+          <p:nvPr>
+            <p:ph type="title"/>
+          </p:nvPr>
+        </p:nvSpPr>
+        <p:spPr>
+          <a:xfrm>
+            <a:off x="483769" y="346201"/>
+            <a:ext cx="9250539" cy="617220"/>
+          </a:xfrm>
+        </p:spPr>
+        <p:txBody>
+          <a:bodyPr>
+            <a:noAutofit/>
+          </a:bodyPr>
+          <a:lstStyle/>
+          <a:p>
+            <a:r>
+              <a:rPr lang="ru-RU" sz="3100" dirty="0">
+                <a:solidFill>
+                  <a:schemeClr val="tx1"/>
+                </a:solidFill>
+                <a:latin typeface="Arial" panose="020B0604020202020204" pitchFamily="34" charset="0"/>
+                <a:cs typeface="Arial" panose="020B0604020202020204" pitchFamily="34" charset="0"/>
+              </a:rPr>
+              <a:t>Диаграммы компонентов </a:t>
+            </a:r>
+            <a:r>
+              <a:rPr lang="ru-RU" sz="3100" dirty="0" smtClean="0">
+                <a:solidFill>
+                  <a:schemeClr val="tx1"/>
+                </a:solidFill>
+                <a:latin typeface="Arial" panose="020B0604020202020204" pitchFamily="34" charset="0"/>
+                <a:cs typeface="Arial" panose="020B0604020202020204" pitchFamily="34" charset="0"/>
+              </a:rPr>
+              <a:t>и </a:t>
+            </a:r>
+            <a:r>
+              <a:rPr lang="ru-RU" sz="3100" dirty="0">
+                <a:solidFill>
+                  <a:schemeClr val="tx1"/>
+                </a:solidFill>
+                <a:latin typeface="Arial" panose="020B0604020202020204" pitchFamily="34" charset="0"/>
+                <a:cs typeface="Arial" panose="020B0604020202020204" pitchFamily="34" charset="0"/>
+              </a:rPr>
+              <a:t>развертывания </a:t>
+            </a:r>
+            <a:r>
+              <a:rPr lang="ru-RU" sz="3100" dirty="0" smtClean="0">
+                <a:solidFill>
+                  <a:schemeClr val="tx1"/>
+                </a:solidFill>
+                <a:latin typeface="Arial" panose="020B0604020202020204" pitchFamily="34" charset="0"/>
+                <a:cs typeface="Arial" panose="020B0604020202020204" pitchFamily="34" charset="0"/>
+              </a:rPr>
+              <a:t>ПМ</a:t>
+            </a:r>
+            <a:endParaRPr lang="ru-RU" sz="3100" dirty="0">
+              <a:solidFill>
+                <a:schemeClr val="tx1"/>
+              </a:solidFill>
+              <a:latin typeface="Arial" panose="020B0604020202020204" pitchFamily="34" charset="0"/>
+              <a:cs typeface="Arial" panose="020B0604020202020204" pitchFamily="34" charset="0"/>
+            </a:endParaRPr>
+          </a:p>
+        </p:txBody>
+      </p:sp>
+      <p:sp>
+        <p:nvSpPr>
+          <p:cNvPr id="6" name="Номер слайда 5"/>
+          <p:cNvSpPr>
+            <a:spLocks noGrp="1"/>
+          </p:cNvSpPr>
+          <p:nvPr>
+            <p:ph type="sldNum" sz="quarter" idx="12"/>
+          </p:nvPr>
+        </p:nvSpPr>
+        <p:spPr>
+          <a:xfrm>
+            <a:off x="10926501" y="6473558"/>
+            <a:ext cx="1265499" cy="365125"/>
+          </a:xfrm>
+        </p:spPr>
+        <p:txBody>
+          <a:bodyPr/>
+          <a:lstStyle/>
+          <a:p>
+            <a:fld id="{1B847153-A715-48D2-911A-C00A5EB4142D}" type="slidenum">
+              <a:rPr lang="ru-RU" sz="3600" smtClean="0">
+                <a:solidFill>
+                  <a:schemeClr val="tx1"/>
+                </a:solidFill>
+                <a:latin typeface="Arial" panose="020B0604020202020204" pitchFamily="34" charset="0"/>
+                <a:cs typeface="Arial" panose="020B0604020202020204" pitchFamily="34" charset="0"/>
+              </a:rPr>
+              <a:t>13</a:t>
+            </a:fld>
+            <a:endParaRPr lang="ru-RU" sz="3600" dirty="0">
+              <a:solidFill>
+                <a:schemeClr val="tx1"/>
+              </a:solidFill>
+              <a:latin typeface="Arial" panose="020B0604020202020204" pitchFamily="34" charset="0"/>
+              <a:cs typeface="Arial" panose="020B0604020202020204" pitchFamily="34" charset="0"/>
+            </a:endParaRPr>
+          </a:p>
+        </p:txBody>
+      </p:sp>
+      <p:pic>
+        <p:nvPicPr>
+          <p:cNvPr id="5" name="Рисунок 4"/>
+          <p:cNvPicPr/>
+          <p:nvPr/>
+        </p:nvPicPr>
+        <p:blipFill>
+          <a:blip r:embed="rId2"/>
+          <a:stretch>
+            <a:fillRect/>
+          </a:stretch>
+        </p:blipFill>
+        <p:spPr>
+          <a:xfrm>
+            <a:off x="926775" y="1423453"/>
+            <a:ext cx="6828263" cy="1609115"/>
+          </a:xfrm>
+          <a:prstGeom prst="rect">
+            <a:avLst/>
+          </a:prstGeom>
+        </p:spPr>
+      </p:pic>
+      <p:pic>
+        <p:nvPicPr>
+          <p:cNvPr id="8" name="Рисунок 7"/>
+          <p:cNvPicPr/>
+          <p:nvPr/>
+        </p:nvPicPr>
+        <p:blipFill rotWithShape="1">
+          <a:blip r:embed="rId3"/>
+          <a:srcRect r="1318"/>
+          <a:stretch/>
+        </p:blipFill>
+        <p:spPr bwMode="auto">
+          <a:xfrm>
+            <a:off x="926775" y="3677794"/>
+            <a:ext cx="7175504" cy="1449792"/>
+          </a:xfrm>
+          <a:prstGeom prst="rect">
+            <a:avLst/>
+          </a:prstGeom>
+          <a:ln>
+            <a:noFill/>
+          </a:ln>
+          <a:extLst>
+            <a:ext uri="{53640926-AAD7-44D8-BBD7-CCE9431645EC}">
+              <a14:shadowObscured xmlns:a14="http://schemas.microsoft.com/office/drawing/2010/main"/>
+            </a:ext>
+          </a:extLst>
+        </p:spPr>
+      </p:pic>
+    </p:spTree>
+    <p:extLst>
+      <p:ext uri="{BB962C8B-B14F-4D97-AF65-F5344CB8AC3E}">
+        <p14:creationId xmlns:p14="http://schemas.microsoft.com/office/powerpoint/2010/main" val="3456961897"/>
+      </p:ext>
+    </p:extLst>
+  </p:cSld>
+  <p:clrMapOvr>
+    <a:masterClrMapping/>
+  </p:clrMapOvr>
+  <p:timing>
+    <p:tnLst>
+      <p:par>
+        <p:cTn id="1" dur="indefinite" restart="never" nodeType="tmRoot"/>
+      </p:par>
+    </p:tnLst>
+  </p:timing>
+</p:sld>
+</file>
+
+<file path=ppt/slides/slide14.xml><?xml version="1.0" encoding="utf-8"?>
+<p:sld xmlns:a="http://schemas.openxmlformats.org/drawingml/2006/main" xmlns:r="http://schemas.openxmlformats.org/officeDocument/2006/relationships" xmlns:p="http://schemas.openxmlformats.org/presentationml/2006/main">
+  <p:cSld>
+    <p:spTree>
+      <p:nvGrpSpPr>
+        <p:cNvPr id="1" name=""/>
+        <p:cNvGrpSpPr/>
+        <p:nvPr/>
+      </p:nvGrpSpPr>
+      <p:grpSpPr>
+        <a:xfrm>
+          <a:off x="0" y="0"/>
+          <a:ext cx="0" cy="0"/>
+          <a:chOff x="0" y="0"/>
+          <a:chExt cx="0" cy="0"/>
+        </a:xfrm>
+      </p:grpSpPr>
+      <p:sp>
+        <p:nvSpPr>
+          <p:cNvPr id="2" name="Заголовок 1"/>
+          <p:cNvSpPr>
+            <a:spLocks noGrp="1"/>
+          </p:cNvSpPr>
+          <p:nvPr>
+            <p:ph type="title"/>
+          </p:nvPr>
+        </p:nvSpPr>
+        <p:spPr>
+          <a:xfrm>
+            <a:off x="483769" y="346201"/>
+            <a:ext cx="9250539" cy="617220"/>
+          </a:xfrm>
+        </p:spPr>
+        <p:txBody>
+          <a:bodyPr>
+            <a:noAutofit/>
+          </a:bodyPr>
+          <a:lstStyle/>
+          <a:p>
+            <a:r>
+              <a:rPr lang="ru-RU" sz="3100" dirty="0">
+                <a:solidFill>
+                  <a:schemeClr val="tx1"/>
+                </a:solidFill>
+                <a:latin typeface="Arial" panose="020B0604020202020204" pitchFamily="34" charset="0"/>
+                <a:cs typeface="Arial" panose="020B0604020202020204" pitchFamily="34" charset="0"/>
+              </a:rPr>
+              <a:t>Выбор языка и среды разработки </a:t>
+            </a:r>
+            <a:r>
+              <a:rPr lang="en-US" sz="3100" dirty="0" smtClean="0">
+                <a:solidFill>
+                  <a:schemeClr val="tx1"/>
+                </a:solidFill>
+                <a:latin typeface="Arial" panose="020B0604020202020204" pitchFamily="34" charset="0"/>
+                <a:cs typeface="Arial" panose="020B0604020202020204" pitchFamily="34" charset="0"/>
+              </a:rPr>
+              <a:t/>
+            </a:r>
+            <a:br>
+              <a:rPr lang="en-US" sz="3100" dirty="0" smtClean="0">
+                <a:solidFill>
+                  <a:schemeClr val="tx1"/>
+                </a:solidFill>
+                <a:latin typeface="Arial" panose="020B0604020202020204" pitchFamily="34" charset="0"/>
+                <a:cs typeface="Arial" panose="020B0604020202020204" pitchFamily="34" charset="0"/>
+              </a:rPr>
+            </a:br>
+            <a:r>
+              <a:rPr lang="ru-RU" sz="3100" dirty="0" smtClean="0">
+                <a:solidFill>
+                  <a:schemeClr val="tx1"/>
+                </a:solidFill>
+                <a:latin typeface="Arial" panose="020B0604020202020204" pitchFamily="34" charset="0"/>
+                <a:cs typeface="Arial" panose="020B0604020202020204" pitchFamily="34" charset="0"/>
+              </a:rPr>
+              <a:t>программного </a:t>
+            </a:r>
+            <a:r>
+              <a:rPr lang="ru-RU" sz="3100" dirty="0">
+                <a:solidFill>
+                  <a:schemeClr val="tx1"/>
+                </a:solidFill>
+                <a:latin typeface="Arial" panose="020B0604020202020204" pitchFamily="34" charset="0"/>
+                <a:cs typeface="Arial" panose="020B0604020202020204" pitchFamily="34" charset="0"/>
+              </a:rPr>
+              <a:t>модуля</a:t>
+            </a:r>
+          </a:p>
+        </p:txBody>
+      </p:sp>
+      <p:sp>
+        <p:nvSpPr>
+          <p:cNvPr id="6" name="Номер слайда 5"/>
+          <p:cNvSpPr>
+            <a:spLocks noGrp="1"/>
+          </p:cNvSpPr>
+          <p:nvPr>
+            <p:ph type="sldNum" sz="quarter" idx="12"/>
+          </p:nvPr>
+        </p:nvSpPr>
+        <p:spPr>
+          <a:xfrm>
+            <a:off x="10926501" y="6473558"/>
+            <a:ext cx="1265499" cy="365125"/>
+          </a:xfrm>
+        </p:spPr>
+        <p:txBody>
+          <a:bodyPr/>
+          <a:lstStyle/>
+          <a:p>
+            <a:fld id="{1B847153-A715-48D2-911A-C00A5EB4142D}" type="slidenum">
+              <a:rPr lang="ru-RU" sz="3600" smtClean="0">
+                <a:solidFill>
+                  <a:schemeClr val="tx1"/>
+                </a:solidFill>
+                <a:latin typeface="Arial" panose="020B0604020202020204" pitchFamily="34" charset="0"/>
+                <a:cs typeface="Arial" panose="020B0604020202020204" pitchFamily="34" charset="0"/>
+              </a:rPr>
+              <a:t>14</a:t>
+            </a:fld>
+            <a:endParaRPr lang="ru-RU" sz="3600" dirty="0">
+              <a:solidFill>
+                <a:schemeClr val="tx1"/>
+              </a:solidFill>
+              <a:latin typeface="Arial" panose="020B0604020202020204" pitchFamily="34" charset="0"/>
+              <a:cs typeface="Arial" panose="020B0604020202020204" pitchFamily="34" charset="0"/>
+            </a:endParaRPr>
+          </a:p>
+        </p:txBody>
+      </p:sp>
+      <p:graphicFrame>
+        <p:nvGraphicFramePr>
+          <p:cNvPr id="3" name="Таблица 2"/>
+          <p:cNvGraphicFramePr>
+            <a:graphicFrameLocks noGrp="1"/>
+          </p:cNvGraphicFramePr>
+          <p:nvPr>
+            <p:extLst>
+              <p:ext uri="{D42A27DB-BD31-4B8C-83A1-F6EECF244321}">
+                <p14:modId xmlns:p14="http://schemas.microsoft.com/office/powerpoint/2010/main" val="3935201303"/>
+              </p:ext>
+            </p:extLst>
+          </p:nvPr>
+        </p:nvGraphicFramePr>
+        <p:xfrm>
+          <a:off x="483769" y="1462608"/>
+          <a:ext cx="5672332" cy="1600200"/>
+        </p:xfrm>
+        <a:graphic>
+          <a:graphicData uri="http://schemas.openxmlformats.org/drawingml/2006/table">
+            <a:tbl>
+              <a:tblPr firstRow="1" firstCol="1" bandRow="1">
+                <a:tableStyleId>{9D7B26C5-4107-4FEC-AEDC-1716B250A1EF}</a:tableStyleId>
+              </a:tblPr>
+              <a:tblGrid>
+                <a:gridCol w="1229554">
+                  <a:extLst>
+                    <a:ext uri="{9D8B030D-6E8A-4147-A177-3AD203B41FA5}">
+                      <a16:colId xmlns:a16="http://schemas.microsoft.com/office/drawing/2014/main" val="2260937745"/>
+                    </a:ext>
+                  </a:extLst>
+                </a:gridCol>
+                <a:gridCol w="2052949">
+                  <a:extLst>
+                    <a:ext uri="{9D8B030D-6E8A-4147-A177-3AD203B41FA5}">
+                      <a16:colId xmlns:a16="http://schemas.microsoft.com/office/drawing/2014/main" val="2864657835"/>
+                    </a:ext>
+                  </a:extLst>
+                </a:gridCol>
+                <a:gridCol w="1162431">
+                  <a:extLst>
+                    <a:ext uri="{9D8B030D-6E8A-4147-A177-3AD203B41FA5}">
+                      <a16:colId xmlns:a16="http://schemas.microsoft.com/office/drawing/2014/main" val="2557522426"/>
+                    </a:ext>
+                  </a:extLst>
+                </a:gridCol>
+                <a:gridCol w="1227398">
+                  <a:extLst>
+                    <a:ext uri="{9D8B030D-6E8A-4147-A177-3AD203B41FA5}">
+                      <a16:colId xmlns:a16="http://schemas.microsoft.com/office/drawing/2014/main" val="138826694"/>
+                    </a:ext>
+                  </a:extLst>
+                </a:gridCol>
+              </a:tblGrid>
+              <a:tr h="0">
+                <a:tc>
+                  <a:txBody>
+                    <a:bodyPr/>
+                    <a:lstStyle/>
+                    <a:p>
+                      <a:pPr algn="just">
+                        <a:lnSpc>
+                          <a:spcPct val="150000"/>
+                        </a:lnSpc>
+                        <a:spcAft>
+                          <a:spcPts val="0"/>
+                        </a:spcAft>
+                      </a:pPr>
+                      <a:r>
+                        <a:rPr lang="ru-RU" sz="1400" b="0" dirty="0">
+                          <a:effectLst/>
+                          <a:latin typeface="Arial" panose="020B0604020202020204" pitchFamily="34" charset="0"/>
+                          <a:cs typeface="Arial" panose="020B0604020202020204" pitchFamily="34" charset="0"/>
+                        </a:rPr>
+                        <a:t>Фреймворк</a:t>
+                      </a:r>
+                      <a:endParaRPr lang="ru-RU" sz="1400" b="0" dirty="0">
+                        <a:effectLst/>
+                        <a:latin typeface="Arial" panose="020B0604020202020204" pitchFamily="34" charset="0"/>
+                        <a:ea typeface="Times New Roman" panose="02020603050405020304" pitchFamily="18" charset="0"/>
+                        <a:cs typeface="Arial" panose="020B0604020202020204" pitchFamily="34" charset="0"/>
+                      </a:endParaRPr>
+                    </a:p>
+                  </a:txBody>
+                  <a:tcPr marL="68580" marR="68580" marT="0" marB="0"/>
+                </a:tc>
+                <a:tc>
+                  <a:txBody>
+                    <a:bodyPr/>
+                    <a:lstStyle/>
+                    <a:p>
+                      <a:pPr algn="just">
+                        <a:lnSpc>
+                          <a:spcPct val="150000"/>
+                        </a:lnSpc>
+                        <a:spcAft>
+                          <a:spcPts val="0"/>
+                        </a:spcAft>
+                      </a:pPr>
+                      <a:r>
+                        <a:rPr lang="ru-RU" sz="1400" b="0">
+                          <a:effectLst/>
+                          <a:latin typeface="Arial" panose="020B0604020202020204" pitchFamily="34" charset="0"/>
+                          <a:cs typeface="Arial" panose="020B0604020202020204" pitchFamily="34" charset="0"/>
+                        </a:rPr>
+                        <a:t>Производительность</a:t>
+                      </a:r>
+                      <a:endParaRPr lang="ru-RU" sz="1400" b="0">
+                        <a:effectLst/>
+                        <a:latin typeface="Arial" panose="020B0604020202020204" pitchFamily="34" charset="0"/>
+                        <a:ea typeface="Times New Roman" panose="02020603050405020304" pitchFamily="18" charset="0"/>
+                        <a:cs typeface="Arial" panose="020B0604020202020204" pitchFamily="34" charset="0"/>
+                      </a:endParaRPr>
+                    </a:p>
+                  </a:txBody>
+                  <a:tcPr marL="68580" marR="68580" marT="0" marB="0"/>
+                </a:tc>
+                <a:tc>
+                  <a:txBody>
+                    <a:bodyPr/>
+                    <a:lstStyle/>
+                    <a:p>
+                      <a:pPr algn="just">
+                        <a:lnSpc>
+                          <a:spcPct val="150000"/>
+                        </a:lnSpc>
+                        <a:spcAft>
+                          <a:spcPts val="0"/>
+                        </a:spcAft>
+                      </a:pPr>
+                      <a:r>
+                        <a:rPr lang="ru-RU" sz="1400" b="0">
+                          <a:effectLst/>
+                          <a:latin typeface="Arial" panose="020B0604020202020204" pitchFamily="34" charset="0"/>
+                          <a:cs typeface="Arial" panose="020B0604020202020204" pitchFamily="34" charset="0"/>
+                        </a:rPr>
+                        <a:t>Сложность</a:t>
+                      </a:r>
+                      <a:endParaRPr lang="ru-RU" sz="1400" b="0">
+                        <a:effectLst/>
+                        <a:latin typeface="Arial" panose="020B0604020202020204" pitchFamily="34" charset="0"/>
+                        <a:ea typeface="Times New Roman" panose="02020603050405020304" pitchFamily="18" charset="0"/>
+                        <a:cs typeface="Arial" panose="020B0604020202020204" pitchFamily="34" charset="0"/>
+                      </a:endParaRPr>
+                    </a:p>
+                  </a:txBody>
+                  <a:tcPr marL="68580" marR="68580" marT="0" marB="0"/>
+                </a:tc>
+                <a:tc>
+                  <a:txBody>
+                    <a:bodyPr/>
+                    <a:lstStyle/>
+                    <a:p>
+                      <a:pPr algn="just">
+                        <a:lnSpc>
+                          <a:spcPct val="150000"/>
+                        </a:lnSpc>
+                        <a:spcAft>
+                          <a:spcPts val="0"/>
+                        </a:spcAft>
+                      </a:pPr>
+                      <a:r>
+                        <a:rPr lang="ru-RU" sz="1400" b="0">
+                          <a:effectLst/>
+                          <a:latin typeface="Arial" panose="020B0604020202020204" pitchFamily="34" charset="0"/>
+                          <a:cs typeface="Arial" panose="020B0604020202020204" pitchFamily="34" charset="0"/>
+                        </a:rPr>
+                        <a:t>Комьюнити</a:t>
+                      </a:r>
+                      <a:endParaRPr lang="ru-RU" sz="1400" b="0">
+                        <a:effectLst/>
+                        <a:latin typeface="Arial" panose="020B0604020202020204" pitchFamily="34" charset="0"/>
+                        <a:ea typeface="Times New Roman" panose="02020603050405020304" pitchFamily="18" charset="0"/>
+                        <a:cs typeface="Arial" panose="020B0604020202020204" pitchFamily="34" charset="0"/>
+                      </a:endParaRPr>
+                    </a:p>
+                  </a:txBody>
+                  <a:tcPr marL="68580" marR="68580" marT="0" marB="0"/>
+                </a:tc>
+                <a:extLst>
+                  <a:ext uri="{0D108BD9-81ED-4DB2-BD59-A6C34878D82A}">
+                    <a16:rowId xmlns:a16="http://schemas.microsoft.com/office/drawing/2014/main" val="3260564465"/>
+                  </a:ext>
+                </a:extLst>
+              </a:tr>
+              <a:tr h="0">
+                <a:tc>
+                  <a:txBody>
+                    <a:bodyPr/>
+                    <a:lstStyle/>
+                    <a:p>
+                      <a:pPr algn="just">
+                        <a:lnSpc>
+                          <a:spcPct val="150000"/>
+                        </a:lnSpc>
+                        <a:spcAft>
+                          <a:spcPts val="0"/>
+                        </a:spcAft>
+                      </a:pPr>
+                      <a:r>
+                        <a:rPr lang="en-US" sz="1400" b="0">
+                          <a:effectLst/>
+                          <a:latin typeface="Arial" panose="020B0604020202020204" pitchFamily="34" charset="0"/>
+                          <a:cs typeface="Arial" panose="020B0604020202020204" pitchFamily="34" charset="0"/>
+                        </a:rPr>
+                        <a:t>Angular</a:t>
+                      </a:r>
+                      <a:endParaRPr lang="ru-RU" sz="1400" b="0">
+                        <a:effectLst/>
+                        <a:latin typeface="Arial" panose="020B0604020202020204" pitchFamily="34" charset="0"/>
+                        <a:ea typeface="Times New Roman" panose="02020603050405020304" pitchFamily="18" charset="0"/>
+                        <a:cs typeface="Arial" panose="020B0604020202020204" pitchFamily="34" charset="0"/>
+                      </a:endParaRPr>
+                    </a:p>
+                  </a:txBody>
+                  <a:tcPr marL="68580" marR="68580" marT="0" marB="0"/>
+                </a:tc>
+                <a:tc>
+                  <a:txBody>
+                    <a:bodyPr/>
+                    <a:lstStyle/>
+                    <a:p>
+                      <a:pPr algn="just">
+                        <a:lnSpc>
+                          <a:spcPct val="150000"/>
+                        </a:lnSpc>
+                        <a:spcAft>
+                          <a:spcPts val="0"/>
+                        </a:spcAft>
+                      </a:pPr>
+                      <a:r>
+                        <a:rPr lang="ru-RU" sz="1400" b="0" dirty="0">
+                          <a:effectLst/>
+                          <a:latin typeface="Arial" panose="020B0604020202020204" pitchFamily="34" charset="0"/>
+                          <a:cs typeface="Arial" panose="020B0604020202020204" pitchFamily="34" charset="0"/>
+                        </a:rPr>
+                        <a:t>-</a:t>
+                      </a:r>
+                      <a:endParaRPr lang="ru-RU" sz="1400" b="0" dirty="0">
+                        <a:effectLst/>
+                        <a:latin typeface="Arial" panose="020B0604020202020204" pitchFamily="34" charset="0"/>
+                        <a:ea typeface="Times New Roman" panose="02020603050405020304" pitchFamily="18" charset="0"/>
+                        <a:cs typeface="Arial" panose="020B0604020202020204" pitchFamily="34" charset="0"/>
+                      </a:endParaRPr>
+                    </a:p>
+                  </a:txBody>
+                  <a:tcPr marL="68580" marR="68580" marT="0" marB="0"/>
+                </a:tc>
+                <a:tc>
+                  <a:txBody>
+                    <a:bodyPr/>
+                    <a:lstStyle/>
+                    <a:p>
+                      <a:pPr algn="just">
+                        <a:lnSpc>
+                          <a:spcPct val="150000"/>
+                        </a:lnSpc>
+                        <a:spcAft>
+                          <a:spcPts val="0"/>
+                        </a:spcAft>
+                      </a:pPr>
+                      <a:r>
+                        <a:rPr lang="ru-RU" sz="1400" b="0">
+                          <a:effectLst/>
+                          <a:latin typeface="Arial" panose="020B0604020202020204" pitchFamily="34" charset="0"/>
+                          <a:cs typeface="Arial" panose="020B0604020202020204" pitchFamily="34" charset="0"/>
+                        </a:rPr>
+                        <a:t>Сложный</a:t>
+                      </a:r>
+                      <a:endParaRPr lang="ru-RU" sz="1400" b="0">
+                        <a:effectLst/>
+                        <a:latin typeface="Arial" panose="020B0604020202020204" pitchFamily="34" charset="0"/>
+                        <a:ea typeface="Times New Roman" panose="02020603050405020304" pitchFamily="18" charset="0"/>
+                        <a:cs typeface="Arial" panose="020B0604020202020204" pitchFamily="34" charset="0"/>
+                      </a:endParaRPr>
+                    </a:p>
+                  </a:txBody>
+                  <a:tcPr marL="68580" marR="68580" marT="0" marB="0"/>
+                </a:tc>
+                <a:tc>
+                  <a:txBody>
+                    <a:bodyPr/>
+                    <a:lstStyle/>
+                    <a:p>
+                      <a:pPr algn="just">
+                        <a:lnSpc>
+                          <a:spcPct val="150000"/>
+                        </a:lnSpc>
+                        <a:spcAft>
+                          <a:spcPts val="0"/>
+                        </a:spcAft>
+                      </a:pPr>
+                      <a:r>
+                        <a:rPr lang="ru-RU" sz="1400" b="0">
+                          <a:effectLst/>
+                          <a:latin typeface="Arial" panose="020B0604020202020204" pitchFamily="34" charset="0"/>
+                          <a:cs typeface="Arial" panose="020B0604020202020204" pitchFamily="34" charset="0"/>
+                        </a:rPr>
+                        <a:t>+</a:t>
+                      </a:r>
+                      <a:endParaRPr lang="ru-RU" sz="1400" b="0">
+                        <a:effectLst/>
+                        <a:latin typeface="Arial" panose="020B0604020202020204" pitchFamily="34" charset="0"/>
+                        <a:ea typeface="Times New Roman" panose="02020603050405020304" pitchFamily="18" charset="0"/>
+                        <a:cs typeface="Arial" panose="020B0604020202020204" pitchFamily="34" charset="0"/>
+                      </a:endParaRPr>
+                    </a:p>
+                  </a:txBody>
+                  <a:tcPr marL="68580" marR="68580" marT="0" marB="0"/>
+                </a:tc>
+                <a:extLst>
+                  <a:ext uri="{0D108BD9-81ED-4DB2-BD59-A6C34878D82A}">
+                    <a16:rowId xmlns:a16="http://schemas.microsoft.com/office/drawing/2014/main" val="3878929015"/>
+                  </a:ext>
+                </a:extLst>
+              </a:tr>
+              <a:tr h="0">
+                <a:tc>
+                  <a:txBody>
+                    <a:bodyPr/>
+                    <a:lstStyle/>
+                    <a:p>
+                      <a:pPr algn="just">
+                        <a:lnSpc>
+                          <a:spcPct val="150000"/>
+                        </a:lnSpc>
+                        <a:spcAft>
+                          <a:spcPts val="0"/>
+                        </a:spcAft>
+                      </a:pPr>
+                      <a:r>
+                        <a:rPr lang="en-US" sz="1400" b="0">
+                          <a:effectLst/>
+                          <a:latin typeface="Arial" panose="020B0604020202020204" pitchFamily="34" charset="0"/>
+                          <a:cs typeface="Arial" panose="020B0604020202020204" pitchFamily="34" charset="0"/>
+                        </a:rPr>
+                        <a:t>Vue3</a:t>
+                      </a:r>
+                      <a:endParaRPr lang="ru-RU" sz="1400" b="0">
+                        <a:effectLst/>
+                        <a:latin typeface="Arial" panose="020B0604020202020204" pitchFamily="34" charset="0"/>
+                        <a:ea typeface="Times New Roman" panose="02020603050405020304" pitchFamily="18" charset="0"/>
+                        <a:cs typeface="Arial" panose="020B0604020202020204" pitchFamily="34" charset="0"/>
+                      </a:endParaRPr>
+                    </a:p>
+                  </a:txBody>
+                  <a:tcPr marL="68580" marR="68580" marT="0" marB="0"/>
+                </a:tc>
+                <a:tc>
+                  <a:txBody>
+                    <a:bodyPr/>
+                    <a:lstStyle/>
+                    <a:p>
+                      <a:pPr algn="just">
+                        <a:lnSpc>
+                          <a:spcPct val="150000"/>
+                        </a:lnSpc>
+                        <a:spcAft>
+                          <a:spcPts val="0"/>
+                        </a:spcAft>
+                      </a:pPr>
+                      <a:r>
+                        <a:rPr lang="ru-RU" sz="1400" b="0">
+                          <a:effectLst/>
+                          <a:latin typeface="Arial" panose="020B0604020202020204" pitchFamily="34" charset="0"/>
+                          <a:cs typeface="Arial" panose="020B0604020202020204" pitchFamily="34" charset="0"/>
+                        </a:rPr>
+                        <a:t>+</a:t>
+                      </a:r>
+                      <a:endParaRPr lang="ru-RU" sz="1400" b="0">
+                        <a:effectLst/>
+                        <a:latin typeface="Arial" panose="020B0604020202020204" pitchFamily="34" charset="0"/>
+                        <a:ea typeface="Times New Roman" panose="02020603050405020304" pitchFamily="18" charset="0"/>
+                        <a:cs typeface="Arial" panose="020B0604020202020204" pitchFamily="34" charset="0"/>
+                      </a:endParaRPr>
+                    </a:p>
+                  </a:txBody>
+                  <a:tcPr marL="68580" marR="68580" marT="0" marB="0"/>
+                </a:tc>
+                <a:tc>
+                  <a:txBody>
+                    <a:bodyPr/>
+                    <a:lstStyle/>
+                    <a:p>
+                      <a:pPr algn="just">
+                        <a:lnSpc>
+                          <a:spcPct val="150000"/>
+                        </a:lnSpc>
+                        <a:spcAft>
+                          <a:spcPts val="0"/>
+                        </a:spcAft>
+                      </a:pPr>
+                      <a:r>
+                        <a:rPr lang="ru-RU" sz="1400" b="0">
+                          <a:effectLst/>
+                          <a:latin typeface="Arial" panose="020B0604020202020204" pitchFamily="34" charset="0"/>
+                          <a:cs typeface="Arial" panose="020B0604020202020204" pitchFamily="34" charset="0"/>
+                        </a:rPr>
+                        <a:t>Простой</a:t>
+                      </a:r>
+                      <a:endParaRPr lang="ru-RU" sz="1400" b="0">
+                        <a:effectLst/>
+                        <a:latin typeface="Arial" panose="020B0604020202020204" pitchFamily="34" charset="0"/>
+                        <a:ea typeface="Times New Roman" panose="02020603050405020304" pitchFamily="18" charset="0"/>
+                        <a:cs typeface="Arial" panose="020B0604020202020204" pitchFamily="34" charset="0"/>
+                      </a:endParaRPr>
+                    </a:p>
+                  </a:txBody>
+                  <a:tcPr marL="68580" marR="68580" marT="0" marB="0"/>
+                </a:tc>
+                <a:tc>
+                  <a:txBody>
+                    <a:bodyPr/>
+                    <a:lstStyle/>
+                    <a:p>
+                      <a:pPr algn="just">
+                        <a:lnSpc>
+                          <a:spcPct val="150000"/>
+                        </a:lnSpc>
+                        <a:spcAft>
+                          <a:spcPts val="0"/>
+                        </a:spcAft>
+                      </a:pPr>
+                      <a:r>
+                        <a:rPr lang="ru-RU" sz="1400" b="0" dirty="0">
+                          <a:effectLst/>
+                          <a:latin typeface="Arial" panose="020B0604020202020204" pitchFamily="34" charset="0"/>
+                          <a:cs typeface="Arial" panose="020B0604020202020204" pitchFamily="34" charset="0"/>
+                        </a:rPr>
+                        <a:t>-</a:t>
+                      </a:r>
+                      <a:endParaRPr lang="ru-RU" sz="1400" b="0" dirty="0">
+                        <a:effectLst/>
+                        <a:latin typeface="Arial" panose="020B0604020202020204" pitchFamily="34" charset="0"/>
+                        <a:ea typeface="Times New Roman" panose="02020603050405020304" pitchFamily="18" charset="0"/>
+                        <a:cs typeface="Arial" panose="020B0604020202020204" pitchFamily="34" charset="0"/>
+                      </a:endParaRPr>
+                    </a:p>
+                  </a:txBody>
+                  <a:tcPr marL="68580" marR="68580" marT="0" marB="0"/>
+                </a:tc>
+                <a:extLst>
+                  <a:ext uri="{0D108BD9-81ED-4DB2-BD59-A6C34878D82A}">
+                    <a16:rowId xmlns:a16="http://schemas.microsoft.com/office/drawing/2014/main" val="162203690"/>
+                  </a:ext>
+                </a:extLst>
+              </a:tr>
+              <a:tr h="0">
+                <a:tc>
+                  <a:txBody>
+                    <a:bodyPr/>
+                    <a:lstStyle/>
+                    <a:p>
+                      <a:pPr algn="just">
+                        <a:lnSpc>
+                          <a:spcPct val="150000"/>
+                        </a:lnSpc>
+                        <a:spcAft>
+                          <a:spcPts val="0"/>
+                        </a:spcAft>
+                      </a:pPr>
+                      <a:r>
+                        <a:rPr lang="en-US" sz="1400" b="0">
+                          <a:effectLst/>
+                          <a:latin typeface="Arial" panose="020B0604020202020204" pitchFamily="34" charset="0"/>
+                          <a:cs typeface="Arial" panose="020B0604020202020204" pitchFamily="34" charset="0"/>
+                        </a:rPr>
+                        <a:t>React</a:t>
+                      </a:r>
+                      <a:endParaRPr lang="ru-RU" sz="1400" b="0">
+                        <a:effectLst/>
+                        <a:latin typeface="Arial" panose="020B0604020202020204" pitchFamily="34" charset="0"/>
+                        <a:ea typeface="Times New Roman" panose="02020603050405020304" pitchFamily="18" charset="0"/>
+                        <a:cs typeface="Arial" panose="020B0604020202020204" pitchFamily="34" charset="0"/>
+                      </a:endParaRPr>
+                    </a:p>
+                  </a:txBody>
+                  <a:tcPr marL="68580" marR="68580" marT="0" marB="0"/>
+                </a:tc>
+                <a:tc>
+                  <a:txBody>
+                    <a:bodyPr/>
+                    <a:lstStyle/>
+                    <a:p>
+                      <a:pPr algn="just">
+                        <a:lnSpc>
+                          <a:spcPct val="150000"/>
+                        </a:lnSpc>
+                        <a:spcAft>
+                          <a:spcPts val="0"/>
+                        </a:spcAft>
+                      </a:pPr>
+                      <a:r>
+                        <a:rPr lang="ru-RU" sz="1400" b="0">
+                          <a:effectLst/>
+                          <a:latin typeface="Arial" panose="020B0604020202020204" pitchFamily="34" charset="0"/>
+                          <a:cs typeface="Arial" panose="020B0604020202020204" pitchFamily="34" charset="0"/>
+                        </a:rPr>
+                        <a:t>+</a:t>
+                      </a:r>
+                      <a:endParaRPr lang="ru-RU" sz="1400" b="0">
+                        <a:effectLst/>
+                        <a:latin typeface="Arial" panose="020B0604020202020204" pitchFamily="34" charset="0"/>
+                        <a:ea typeface="Times New Roman" panose="02020603050405020304" pitchFamily="18" charset="0"/>
+                        <a:cs typeface="Arial" panose="020B0604020202020204" pitchFamily="34" charset="0"/>
+                      </a:endParaRPr>
+                    </a:p>
+                  </a:txBody>
+                  <a:tcPr marL="68580" marR="68580" marT="0" marB="0"/>
+                </a:tc>
+                <a:tc>
+                  <a:txBody>
+                    <a:bodyPr/>
+                    <a:lstStyle/>
+                    <a:p>
+                      <a:pPr algn="just">
+                        <a:lnSpc>
+                          <a:spcPct val="150000"/>
+                        </a:lnSpc>
+                        <a:spcAft>
+                          <a:spcPts val="0"/>
+                        </a:spcAft>
+                      </a:pPr>
+                      <a:r>
+                        <a:rPr lang="ru-RU" sz="1400" b="0">
+                          <a:effectLst/>
+                          <a:latin typeface="Arial" panose="020B0604020202020204" pitchFamily="34" charset="0"/>
+                          <a:cs typeface="Arial" panose="020B0604020202020204" pitchFamily="34" charset="0"/>
+                        </a:rPr>
+                        <a:t>Средней</a:t>
+                      </a:r>
+                      <a:endParaRPr lang="ru-RU" sz="1400" b="0">
+                        <a:effectLst/>
+                        <a:latin typeface="Arial" panose="020B0604020202020204" pitchFamily="34" charset="0"/>
+                        <a:ea typeface="Times New Roman" panose="02020603050405020304" pitchFamily="18" charset="0"/>
+                        <a:cs typeface="Arial" panose="020B0604020202020204" pitchFamily="34" charset="0"/>
+                      </a:endParaRPr>
+                    </a:p>
+                  </a:txBody>
+                  <a:tcPr marL="68580" marR="68580" marT="0" marB="0"/>
+                </a:tc>
+                <a:tc>
+                  <a:txBody>
+                    <a:bodyPr/>
+                    <a:lstStyle/>
+                    <a:p>
+                      <a:pPr algn="just">
+                        <a:lnSpc>
+                          <a:spcPct val="150000"/>
+                        </a:lnSpc>
+                        <a:spcAft>
+                          <a:spcPts val="0"/>
+                        </a:spcAft>
+                      </a:pPr>
+                      <a:r>
+                        <a:rPr lang="ru-RU" sz="1400" b="0">
+                          <a:effectLst/>
+                          <a:latin typeface="Arial" panose="020B0604020202020204" pitchFamily="34" charset="0"/>
+                          <a:cs typeface="Arial" panose="020B0604020202020204" pitchFamily="34" charset="0"/>
+                        </a:rPr>
+                        <a:t>+</a:t>
+                      </a:r>
+                      <a:endParaRPr lang="ru-RU" sz="1400" b="0">
+                        <a:effectLst/>
+                        <a:latin typeface="Arial" panose="020B0604020202020204" pitchFamily="34" charset="0"/>
+                        <a:ea typeface="Times New Roman" panose="02020603050405020304" pitchFamily="18" charset="0"/>
+                        <a:cs typeface="Arial" panose="020B0604020202020204" pitchFamily="34" charset="0"/>
+                      </a:endParaRPr>
+                    </a:p>
+                  </a:txBody>
+                  <a:tcPr marL="68580" marR="68580" marT="0" marB="0"/>
+                </a:tc>
+                <a:extLst>
+                  <a:ext uri="{0D108BD9-81ED-4DB2-BD59-A6C34878D82A}">
+                    <a16:rowId xmlns:a16="http://schemas.microsoft.com/office/drawing/2014/main" val="1773816933"/>
+                  </a:ext>
+                </a:extLst>
+              </a:tr>
+              <a:tr h="0">
+                <a:tc>
+                  <a:txBody>
+                    <a:bodyPr/>
+                    <a:lstStyle/>
+                    <a:p>
+                      <a:pPr algn="just">
+                        <a:lnSpc>
+                          <a:spcPct val="150000"/>
+                        </a:lnSpc>
+                        <a:spcAft>
+                          <a:spcPts val="0"/>
+                        </a:spcAft>
+                      </a:pPr>
+                      <a:r>
+                        <a:rPr lang="en-US" sz="1400" b="0">
+                          <a:effectLst/>
+                          <a:latin typeface="Arial" panose="020B0604020202020204" pitchFamily="34" charset="0"/>
+                          <a:cs typeface="Arial" panose="020B0604020202020204" pitchFamily="34" charset="0"/>
+                        </a:rPr>
+                        <a:t>Svelte</a:t>
+                      </a:r>
+                      <a:endParaRPr lang="ru-RU" sz="1400" b="0">
+                        <a:effectLst/>
+                        <a:latin typeface="Arial" panose="020B0604020202020204" pitchFamily="34" charset="0"/>
+                        <a:ea typeface="Times New Roman" panose="02020603050405020304" pitchFamily="18" charset="0"/>
+                        <a:cs typeface="Arial" panose="020B0604020202020204" pitchFamily="34" charset="0"/>
+                      </a:endParaRPr>
+                    </a:p>
+                  </a:txBody>
+                  <a:tcPr marL="68580" marR="68580" marT="0" marB="0"/>
+                </a:tc>
+                <a:tc>
+                  <a:txBody>
+                    <a:bodyPr/>
+                    <a:lstStyle/>
+                    <a:p>
+                      <a:pPr algn="just">
+                        <a:lnSpc>
+                          <a:spcPct val="150000"/>
+                        </a:lnSpc>
+                        <a:spcAft>
+                          <a:spcPts val="0"/>
+                        </a:spcAft>
+                      </a:pPr>
+                      <a:r>
+                        <a:rPr lang="en-US" sz="1400" b="0">
+                          <a:effectLst/>
+                          <a:latin typeface="Arial" panose="020B0604020202020204" pitchFamily="34" charset="0"/>
+                          <a:cs typeface="Arial" panose="020B0604020202020204" pitchFamily="34" charset="0"/>
+                        </a:rPr>
+                        <a:t>-</a:t>
+                      </a:r>
+                      <a:endParaRPr lang="ru-RU" sz="1400" b="0">
+                        <a:effectLst/>
+                        <a:latin typeface="Arial" panose="020B0604020202020204" pitchFamily="34" charset="0"/>
+                        <a:ea typeface="Times New Roman" panose="02020603050405020304" pitchFamily="18" charset="0"/>
+                        <a:cs typeface="Arial" panose="020B0604020202020204" pitchFamily="34" charset="0"/>
+                      </a:endParaRPr>
+                    </a:p>
+                  </a:txBody>
+                  <a:tcPr marL="68580" marR="68580" marT="0" marB="0"/>
+                </a:tc>
+                <a:tc>
+                  <a:txBody>
+                    <a:bodyPr/>
+                    <a:lstStyle/>
+                    <a:p>
+                      <a:pPr algn="just">
+                        <a:lnSpc>
+                          <a:spcPct val="150000"/>
+                        </a:lnSpc>
+                        <a:spcAft>
+                          <a:spcPts val="0"/>
+                        </a:spcAft>
+                      </a:pPr>
+                      <a:r>
+                        <a:rPr lang="ru-RU" sz="1400" b="0">
+                          <a:effectLst/>
+                          <a:latin typeface="Arial" panose="020B0604020202020204" pitchFamily="34" charset="0"/>
+                          <a:cs typeface="Arial" panose="020B0604020202020204" pitchFamily="34" charset="0"/>
+                        </a:rPr>
+                        <a:t>Простой</a:t>
+                      </a:r>
+                      <a:endParaRPr lang="ru-RU" sz="1400" b="0">
+                        <a:effectLst/>
+                        <a:latin typeface="Arial" panose="020B0604020202020204" pitchFamily="34" charset="0"/>
+                        <a:ea typeface="Times New Roman" panose="02020603050405020304" pitchFamily="18" charset="0"/>
+                        <a:cs typeface="Arial" panose="020B0604020202020204" pitchFamily="34" charset="0"/>
+                      </a:endParaRPr>
+                    </a:p>
+                  </a:txBody>
+                  <a:tcPr marL="68580" marR="68580" marT="0" marB="0"/>
+                </a:tc>
+                <a:tc>
+                  <a:txBody>
+                    <a:bodyPr/>
+                    <a:lstStyle/>
+                    <a:p>
+                      <a:pPr algn="just">
+                        <a:lnSpc>
+                          <a:spcPct val="150000"/>
+                        </a:lnSpc>
+                        <a:spcAft>
+                          <a:spcPts val="0"/>
+                        </a:spcAft>
+                      </a:pPr>
+                      <a:r>
+                        <a:rPr lang="ru-RU" sz="1400" b="0" dirty="0">
+                          <a:effectLst/>
+                          <a:latin typeface="Arial" panose="020B0604020202020204" pitchFamily="34" charset="0"/>
+                          <a:cs typeface="Arial" panose="020B0604020202020204" pitchFamily="34" charset="0"/>
+                        </a:rPr>
+                        <a:t>-</a:t>
+                      </a:r>
+                      <a:endParaRPr lang="ru-RU" sz="1400" b="0" dirty="0">
+                        <a:effectLst/>
+                        <a:latin typeface="Arial" panose="020B0604020202020204" pitchFamily="34" charset="0"/>
+                        <a:ea typeface="Times New Roman" panose="02020603050405020304" pitchFamily="18" charset="0"/>
+                        <a:cs typeface="Arial" panose="020B0604020202020204" pitchFamily="34" charset="0"/>
+                      </a:endParaRPr>
+                    </a:p>
+                  </a:txBody>
+                  <a:tcPr marL="68580" marR="68580" marT="0" marB="0"/>
+                </a:tc>
+                <a:extLst>
+                  <a:ext uri="{0D108BD9-81ED-4DB2-BD59-A6C34878D82A}">
+                    <a16:rowId xmlns:a16="http://schemas.microsoft.com/office/drawing/2014/main" val="2169622429"/>
+                  </a:ext>
+                </a:extLst>
+              </a:tr>
+            </a:tbl>
+          </a:graphicData>
+        </a:graphic>
+      </p:graphicFrame>
+      <p:graphicFrame>
+        <p:nvGraphicFramePr>
+          <p:cNvPr id="4" name="Таблица 3"/>
+          <p:cNvGraphicFramePr>
+            <a:graphicFrameLocks noGrp="1"/>
+          </p:cNvGraphicFramePr>
+          <p:nvPr>
+            <p:extLst>
+              <p:ext uri="{D42A27DB-BD31-4B8C-83A1-F6EECF244321}">
+                <p14:modId xmlns:p14="http://schemas.microsoft.com/office/powerpoint/2010/main" val="240374313"/>
+              </p:ext>
+            </p:extLst>
+          </p:nvPr>
+        </p:nvGraphicFramePr>
+        <p:xfrm>
+          <a:off x="6600423" y="2478329"/>
+          <a:ext cx="4357337" cy="1403248"/>
+        </p:xfrm>
+        <a:graphic>
+          <a:graphicData uri="http://schemas.openxmlformats.org/drawingml/2006/table">
+            <a:tbl>
+              <a:tblPr firstRow="1" firstCol="1" bandRow="1">
+                <a:tableStyleId>{9D7B26C5-4107-4FEC-AEDC-1716B250A1EF}</a:tableStyleId>
+              </a:tblPr>
+              <a:tblGrid>
+                <a:gridCol w="1258570">
+                  <a:extLst>
+                    <a:ext uri="{9D8B030D-6E8A-4147-A177-3AD203B41FA5}">
+                      <a16:colId xmlns:a16="http://schemas.microsoft.com/office/drawing/2014/main" val="1501555969"/>
+                    </a:ext>
+                  </a:extLst>
+                </a:gridCol>
+                <a:gridCol w="1057466">
+                  <a:extLst>
+                    <a:ext uri="{9D8B030D-6E8A-4147-A177-3AD203B41FA5}">
+                      <a16:colId xmlns:a16="http://schemas.microsoft.com/office/drawing/2014/main" val="1787793149"/>
+                    </a:ext>
+                  </a:extLst>
+                </a:gridCol>
+                <a:gridCol w="1068946">
+                  <a:extLst>
+                    <a:ext uri="{9D8B030D-6E8A-4147-A177-3AD203B41FA5}">
+                      <a16:colId xmlns:a16="http://schemas.microsoft.com/office/drawing/2014/main" val="398576812"/>
+                    </a:ext>
+                  </a:extLst>
+                </a:gridCol>
+                <a:gridCol w="972355">
+                  <a:extLst>
+                    <a:ext uri="{9D8B030D-6E8A-4147-A177-3AD203B41FA5}">
+                      <a16:colId xmlns:a16="http://schemas.microsoft.com/office/drawing/2014/main" val="3652604523"/>
+                    </a:ext>
+                  </a:extLst>
+                </a:gridCol>
+              </a:tblGrid>
+              <a:tr h="350812">
+                <a:tc>
+                  <a:txBody>
+                    <a:bodyPr/>
+                    <a:lstStyle/>
+                    <a:p>
+                      <a:pPr algn="just">
+                        <a:lnSpc>
+                          <a:spcPct val="150000"/>
+                        </a:lnSpc>
+                        <a:spcAft>
+                          <a:spcPts val="0"/>
+                        </a:spcAft>
+                      </a:pPr>
+                      <a:r>
+                        <a:rPr lang="ru-RU" sz="1400" b="0" dirty="0">
+                          <a:effectLst/>
+                        </a:rPr>
+                        <a:t>Название</a:t>
+                      </a:r>
+                      <a:endParaRPr lang="ru-RU" sz="1400" b="0" dirty="0">
+                        <a:effectLst/>
+                        <a:latin typeface="Times New Roman" panose="02020603050405020304" pitchFamily="18" charset="0"/>
+                        <a:ea typeface="Times New Roman" panose="02020603050405020304" pitchFamily="18" charset="0"/>
+                        <a:cs typeface="Times New Roman" panose="02020603050405020304" pitchFamily="18" charset="0"/>
+                      </a:endParaRPr>
+                    </a:p>
+                  </a:txBody>
+                  <a:tcPr marL="68580" marR="68580" marT="0" marB="0"/>
+                </a:tc>
+                <a:tc>
+                  <a:txBody>
+                    <a:bodyPr/>
+                    <a:lstStyle/>
+                    <a:p>
+                      <a:pPr algn="just">
+                        <a:lnSpc>
+                          <a:spcPct val="150000"/>
+                        </a:lnSpc>
+                        <a:spcAft>
+                          <a:spcPts val="0"/>
+                        </a:spcAft>
+                      </a:pPr>
+                      <a:r>
+                        <a:rPr lang="ru-RU" sz="1400" b="0" dirty="0">
+                          <a:effectLst/>
+                        </a:rPr>
+                        <a:t>Платность</a:t>
+                      </a:r>
+                      <a:endParaRPr lang="ru-RU" sz="1400" b="0" dirty="0">
+                        <a:effectLst/>
+                        <a:latin typeface="Times New Roman" panose="02020603050405020304" pitchFamily="18" charset="0"/>
+                        <a:ea typeface="Times New Roman" panose="02020603050405020304" pitchFamily="18" charset="0"/>
+                        <a:cs typeface="Times New Roman" panose="02020603050405020304" pitchFamily="18" charset="0"/>
+                      </a:endParaRPr>
+                    </a:p>
+                  </a:txBody>
+                  <a:tcPr marL="68580" marR="68580" marT="0" marB="0"/>
+                </a:tc>
+                <a:tc>
+                  <a:txBody>
+                    <a:bodyPr/>
+                    <a:lstStyle/>
+                    <a:p>
+                      <a:pPr algn="just">
+                        <a:lnSpc>
+                          <a:spcPct val="150000"/>
+                        </a:lnSpc>
+                        <a:spcAft>
+                          <a:spcPts val="0"/>
+                        </a:spcAft>
+                      </a:pPr>
+                      <a:r>
+                        <a:rPr lang="ru-RU" sz="1400" b="0" dirty="0">
+                          <a:effectLst/>
+                        </a:rPr>
+                        <a:t>Удобность </a:t>
+                      </a:r>
+                      <a:endParaRPr lang="ru-RU" sz="1400" b="0" dirty="0">
+                        <a:effectLst/>
+                        <a:latin typeface="Times New Roman" panose="02020603050405020304" pitchFamily="18" charset="0"/>
+                        <a:ea typeface="Times New Roman" panose="02020603050405020304" pitchFamily="18" charset="0"/>
+                        <a:cs typeface="Times New Roman" panose="02020603050405020304" pitchFamily="18" charset="0"/>
+                      </a:endParaRPr>
+                    </a:p>
+                  </a:txBody>
+                  <a:tcPr marL="68580" marR="68580" marT="0" marB="0"/>
+                </a:tc>
+                <a:tc>
+                  <a:txBody>
+                    <a:bodyPr/>
+                    <a:lstStyle/>
+                    <a:p>
+                      <a:pPr algn="just">
+                        <a:lnSpc>
+                          <a:spcPct val="150000"/>
+                        </a:lnSpc>
+                        <a:spcAft>
+                          <a:spcPts val="0"/>
+                        </a:spcAft>
+                      </a:pPr>
+                      <a:r>
+                        <a:rPr lang="ru-RU" sz="1400" b="0">
+                          <a:effectLst/>
+                        </a:rPr>
+                        <a:t>Быстрота</a:t>
+                      </a:r>
+                      <a:endParaRPr lang="ru-RU" sz="1400" b="0">
+                        <a:effectLst/>
+                        <a:latin typeface="Times New Roman" panose="02020603050405020304" pitchFamily="18" charset="0"/>
+                        <a:ea typeface="Times New Roman" panose="02020603050405020304" pitchFamily="18" charset="0"/>
+                        <a:cs typeface="Times New Roman" panose="02020603050405020304" pitchFamily="18" charset="0"/>
+                      </a:endParaRPr>
+                    </a:p>
+                  </a:txBody>
+                  <a:tcPr marL="68580" marR="68580" marT="0" marB="0"/>
+                </a:tc>
+                <a:extLst>
+                  <a:ext uri="{0D108BD9-81ED-4DB2-BD59-A6C34878D82A}">
+                    <a16:rowId xmlns:a16="http://schemas.microsoft.com/office/drawing/2014/main" val="1977963859"/>
+                  </a:ext>
+                </a:extLst>
+              </a:tr>
+              <a:tr h="350812">
+                <a:tc>
+                  <a:txBody>
+                    <a:bodyPr/>
+                    <a:lstStyle/>
+                    <a:p>
+                      <a:pPr algn="just">
+                        <a:lnSpc>
+                          <a:spcPct val="150000"/>
+                        </a:lnSpc>
+                        <a:spcAft>
+                          <a:spcPts val="0"/>
+                        </a:spcAft>
+                      </a:pPr>
+                      <a:r>
+                        <a:rPr lang="en-US" sz="1400" b="0" dirty="0">
+                          <a:effectLst/>
+                        </a:rPr>
+                        <a:t>VS </a:t>
+                      </a:r>
+                      <a:r>
+                        <a:rPr lang="ru-RU" sz="1400" b="0" dirty="0" err="1">
+                          <a:effectLst/>
+                        </a:rPr>
+                        <a:t>code</a:t>
+                      </a:r>
+                      <a:endParaRPr lang="ru-RU" sz="1400" b="0" dirty="0">
+                        <a:effectLst/>
+                        <a:latin typeface="Times New Roman" panose="02020603050405020304" pitchFamily="18" charset="0"/>
+                        <a:ea typeface="Times New Roman" panose="02020603050405020304" pitchFamily="18" charset="0"/>
+                        <a:cs typeface="Times New Roman" panose="02020603050405020304" pitchFamily="18" charset="0"/>
+                      </a:endParaRPr>
+                    </a:p>
+                  </a:txBody>
+                  <a:tcPr marL="68580" marR="68580" marT="0" marB="0"/>
+                </a:tc>
+                <a:tc>
+                  <a:txBody>
+                    <a:bodyPr/>
+                    <a:lstStyle/>
+                    <a:p>
+                      <a:pPr algn="just">
+                        <a:lnSpc>
+                          <a:spcPct val="150000"/>
+                        </a:lnSpc>
+                        <a:spcAft>
+                          <a:spcPts val="0"/>
+                        </a:spcAft>
+                      </a:pPr>
+                      <a:r>
+                        <a:rPr lang="en-US" sz="1400" b="0" dirty="0">
+                          <a:effectLst/>
+                        </a:rPr>
+                        <a:t>-</a:t>
+                      </a:r>
+                      <a:endParaRPr lang="ru-RU" sz="1400" b="0" dirty="0">
+                        <a:effectLst/>
+                        <a:latin typeface="Times New Roman" panose="02020603050405020304" pitchFamily="18" charset="0"/>
+                        <a:ea typeface="Times New Roman" panose="02020603050405020304" pitchFamily="18" charset="0"/>
+                        <a:cs typeface="Times New Roman" panose="02020603050405020304" pitchFamily="18" charset="0"/>
+                      </a:endParaRPr>
+                    </a:p>
+                  </a:txBody>
+                  <a:tcPr marL="68580" marR="68580" marT="0" marB="0"/>
+                </a:tc>
+                <a:tc>
+                  <a:txBody>
+                    <a:bodyPr/>
+                    <a:lstStyle/>
+                    <a:p>
+                      <a:pPr algn="just">
+                        <a:lnSpc>
+                          <a:spcPct val="150000"/>
+                        </a:lnSpc>
+                        <a:spcAft>
+                          <a:spcPts val="0"/>
+                        </a:spcAft>
+                      </a:pPr>
+                      <a:r>
+                        <a:rPr lang="en-US" sz="1400" b="0">
+                          <a:effectLst/>
+                        </a:rPr>
+                        <a:t>+</a:t>
+                      </a:r>
+                      <a:endParaRPr lang="ru-RU" sz="1400" b="0">
+                        <a:effectLst/>
+                        <a:latin typeface="Times New Roman" panose="02020603050405020304" pitchFamily="18" charset="0"/>
+                        <a:ea typeface="Times New Roman" panose="02020603050405020304" pitchFamily="18" charset="0"/>
+                        <a:cs typeface="Times New Roman" panose="02020603050405020304" pitchFamily="18" charset="0"/>
+                      </a:endParaRPr>
+                    </a:p>
+                  </a:txBody>
+                  <a:tcPr marL="68580" marR="68580" marT="0" marB="0"/>
+                </a:tc>
+                <a:tc>
+                  <a:txBody>
+                    <a:bodyPr/>
+                    <a:lstStyle/>
+                    <a:p>
+                      <a:pPr algn="just">
+                        <a:lnSpc>
+                          <a:spcPct val="150000"/>
+                        </a:lnSpc>
+                        <a:spcAft>
+                          <a:spcPts val="0"/>
+                        </a:spcAft>
+                      </a:pPr>
+                      <a:r>
+                        <a:rPr lang="ru-RU" sz="1400" b="0">
+                          <a:effectLst/>
+                        </a:rPr>
+                        <a:t>+</a:t>
+                      </a:r>
+                      <a:endParaRPr lang="ru-RU" sz="1400" b="0">
+                        <a:effectLst/>
+                        <a:latin typeface="Times New Roman" panose="02020603050405020304" pitchFamily="18" charset="0"/>
+                        <a:ea typeface="Times New Roman" panose="02020603050405020304" pitchFamily="18" charset="0"/>
+                        <a:cs typeface="Times New Roman" panose="02020603050405020304" pitchFamily="18" charset="0"/>
+                      </a:endParaRPr>
+                    </a:p>
+                  </a:txBody>
+                  <a:tcPr marL="68580" marR="68580" marT="0" marB="0"/>
+                </a:tc>
+                <a:extLst>
+                  <a:ext uri="{0D108BD9-81ED-4DB2-BD59-A6C34878D82A}">
+                    <a16:rowId xmlns:a16="http://schemas.microsoft.com/office/drawing/2014/main" val="3741381139"/>
+                  </a:ext>
+                </a:extLst>
+              </a:tr>
+              <a:tr h="350812">
+                <a:tc>
+                  <a:txBody>
+                    <a:bodyPr/>
+                    <a:lstStyle/>
+                    <a:p>
+                      <a:pPr algn="just">
+                        <a:lnSpc>
+                          <a:spcPct val="150000"/>
+                        </a:lnSpc>
+                        <a:spcAft>
+                          <a:spcPts val="0"/>
+                        </a:spcAft>
+                      </a:pPr>
+                      <a:r>
+                        <a:rPr lang="en-US" sz="1400" b="0">
+                          <a:effectLst/>
+                        </a:rPr>
+                        <a:t>WebStorm</a:t>
+                      </a:r>
+                      <a:endParaRPr lang="ru-RU" sz="1400" b="0">
+                        <a:effectLst/>
+                        <a:latin typeface="Times New Roman" panose="02020603050405020304" pitchFamily="18" charset="0"/>
+                        <a:ea typeface="Times New Roman" panose="02020603050405020304" pitchFamily="18" charset="0"/>
+                        <a:cs typeface="Times New Roman" panose="02020603050405020304" pitchFamily="18" charset="0"/>
+                      </a:endParaRPr>
+                    </a:p>
+                  </a:txBody>
+                  <a:tcPr marL="68580" marR="68580" marT="0" marB="0"/>
+                </a:tc>
+                <a:tc>
+                  <a:txBody>
+                    <a:bodyPr/>
+                    <a:lstStyle/>
+                    <a:p>
+                      <a:pPr algn="just">
+                        <a:lnSpc>
+                          <a:spcPct val="150000"/>
+                        </a:lnSpc>
+                        <a:spcAft>
+                          <a:spcPts val="0"/>
+                        </a:spcAft>
+                      </a:pPr>
+                      <a:r>
+                        <a:rPr lang="en-US" sz="1400" b="0">
+                          <a:effectLst/>
+                        </a:rPr>
+                        <a:t>+</a:t>
+                      </a:r>
+                      <a:endParaRPr lang="ru-RU" sz="1400" b="0">
+                        <a:effectLst/>
+                        <a:latin typeface="Times New Roman" panose="02020603050405020304" pitchFamily="18" charset="0"/>
+                        <a:ea typeface="Times New Roman" panose="02020603050405020304" pitchFamily="18" charset="0"/>
+                        <a:cs typeface="Times New Roman" panose="02020603050405020304" pitchFamily="18" charset="0"/>
+                      </a:endParaRPr>
+                    </a:p>
+                  </a:txBody>
+                  <a:tcPr marL="68580" marR="68580" marT="0" marB="0"/>
+                </a:tc>
+                <a:tc>
+                  <a:txBody>
+                    <a:bodyPr/>
+                    <a:lstStyle/>
+                    <a:p>
+                      <a:pPr algn="just">
+                        <a:lnSpc>
+                          <a:spcPct val="150000"/>
+                        </a:lnSpc>
+                        <a:spcAft>
+                          <a:spcPts val="0"/>
+                        </a:spcAft>
+                      </a:pPr>
+                      <a:r>
+                        <a:rPr lang="ru-RU" sz="1400" b="0">
+                          <a:effectLst/>
+                        </a:rPr>
+                        <a:t>+</a:t>
+                      </a:r>
+                      <a:endParaRPr lang="ru-RU" sz="1400" b="0">
+                        <a:effectLst/>
+                        <a:latin typeface="Times New Roman" panose="02020603050405020304" pitchFamily="18" charset="0"/>
+                        <a:ea typeface="Times New Roman" panose="02020603050405020304" pitchFamily="18" charset="0"/>
+                        <a:cs typeface="Times New Roman" panose="02020603050405020304" pitchFamily="18" charset="0"/>
+                      </a:endParaRPr>
+                    </a:p>
+                  </a:txBody>
+                  <a:tcPr marL="68580" marR="68580" marT="0" marB="0"/>
+                </a:tc>
+                <a:tc>
+                  <a:txBody>
+                    <a:bodyPr/>
+                    <a:lstStyle/>
+                    <a:p>
+                      <a:pPr algn="just">
+                        <a:lnSpc>
+                          <a:spcPct val="150000"/>
+                        </a:lnSpc>
+                        <a:spcAft>
+                          <a:spcPts val="0"/>
+                        </a:spcAft>
+                      </a:pPr>
+                      <a:r>
+                        <a:rPr lang="ru-RU" sz="1400" b="0">
+                          <a:effectLst/>
+                        </a:rPr>
+                        <a:t>-</a:t>
+                      </a:r>
+                      <a:endParaRPr lang="ru-RU" sz="1400" b="0">
+                        <a:effectLst/>
+                        <a:latin typeface="Times New Roman" panose="02020603050405020304" pitchFamily="18" charset="0"/>
+                        <a:ea typeface="Times New Roman" panose="02020603050405020304" pitchFamily="18" charset="0"/>
+                        <a:cs typeface="Times New Roman" panose="02020603050405020304" pitchFamily="18" charset="0"/>
+                      </a:endParaRPr>
+                    </a:p>
+                  </a:txBody>
+                  <a:tcPr marL="68580" marR="68580" marT="0" marB="0"/>
+                </a:tc>
+                <a:extLst>
+                  <a:ext uri="{0D108BD9-81ED-4DB2-BD59-A6C34878D82A}">
+                    <a16:rowId xmlns:a16="http://schemas.microsoft.com/office/drawing/2014/main" val="450851377"/>
+                  </a:ext>
+                </a:extLst>
+              </a:tr>
+              <a:tr h="350812">
+                <a:tc>
+                  <a:txBody>
+                    <a:bodyPr/>
+                    <a:lstStyle/>
+                    <a:p>
+                      <a:pPr algn="just">
+                        <a:lnSpc>
+                          <a:spcPct val="150000"/>
+                        </a:lnSpc>
+                        <a:spcAft>
+                          <a:spcPts val="0"/>
+                        </a:spcAft>
+                      </a:pPr>
+                      <a:r>
+                        <a:rPr lang="en-US" sz="1400" b="0" dirty="0">
+                          <a:effectLst/>
+                        </a:rPr>
+                        <a:t>Sublime Text</a:t>
+                      </a:r>
+                      <a:endParaRPr lang="ru-RU" sz="1400" b="0" dirty="0">
+                        <a:effectLst/>
+                        <a:latin typeface="Times New Roman" panose="02020603050405020304" pitchFamily="18" charset="0"/>
+                        <a:ea typeface="Times New Roman" panose="02020603050405020304" pitchFamily="18" charset="0"/>
+                        <a:cs typeface="Times New Roman" panose="02020603050405020304" pitchFamily="18" charset="0"/>
+                      </a:endParaRPr>
+                    </a:p>
+                  </a:txBody>
+                  <a:tcPr marL="68580" marR="68580" marT="0" marB="0"/>
+                </a:tc>
+                <a:tc>
+                  <a:txBody>
+                    <a:bodyPr/>
+                    <a:lstStyle/>
+                    <a:p>
+                      <a:pPr algn="just">
+                        <a:lnSpc>
+                          <a:spcPct val="150000"/>
+                        </a:lnSpc>
+                        <a:spcAft>
+                          <a:spcPts val="0"/>
+                        </a:spcAft>
+                      </a:pPr>
+                      <a:r>
+                        <a:rPr lang="ru-RU" sz="1400" b="0" dirty="0">
+                          <a:effectLst/>
+                        </a:rPr>
+                        <a:t>-</a:t>
+                      </a:r>
+                      <a:endParaRPr lang="ru-RU" sz="1400" b="0" dirty="0">
+                        <a:effectLst/>
+                        <a:latin typeface="Times New Roman" panose="02020603050405020304" pitchFamily="18" charset="0"/>
+                        <a:ea typeface="Times New Roman" panose="02020603050405020304" pitchFamily="18" charset="0"/>
+                        <a:cs typeface="Times New Roman" panose="02020603050405020304" pitchFamily="18" charset="0"/>
+                      </a:endParaRPr>
+                    </a:p>
+                  </a:txBody>
+                  <a:tcPr marL="68580" marR="68580" marT="0" marB="0"/>
+                </a:tc>
+                <a:tc>
+                  <a:txBody>
+                    <a:bodyPr/>
+                    <a:lstStyle/>
+                    <a:p>
+                      <a:pPr algn="just">
+                        <a:lnSpc>
+                          <a:spcPct val="150000"/>
+                        </a:lnSpc>
+                        <a:spcAft>
+                          <a:spcPts val="0"/>
+                        </a:spcAft>
+                      </a:pPr>
+                      <a:r>
+                        <a:rPr lang="ru-RU" sz="1400" b="0">
+                          <a:effectLst/>
+                        </a:rPr>
+                        <a:t>-</a:t>
+                      </a:r>
+                      <a:endParaRPr lang="ru-RU" sz="1400" b="0">
+                        <a:effectLst/>
+                        <a:latin typeface="Times New Roman" panose="02020603050405020304" pitchFamily="18" charset="0"/>
+                        <a:ea typeface="Times New Roman" panose="02020603050405020304" pitchFamily="18" charset="0"/>
+                        <a:cs typeface="Times New Roman" panose="02020603050405020304" pitchFamily="18" charset="0"/>
+                      </a:endParaRPr>
+                    </a:p>
+                  </a:txBody>
+                  <a:tcPr marL="68580" marR="68580" marT="0" marB="0"/>
+                </a:tc>
+                <a:tc>
+                  <a:txBody>
+                    <a:bodyPr/>
+                    <a:lstStyle/>
+                    <a:p>
+                      <a:pPr algn="just">
+                        <a:lnSpc>
+                          <a:spcPct val="150000"/>
+                        </a:lnSpc>
+                        <a:spcAft>
+                          <a:spcPts val="0"/>
+                        </a:spcAft>
+                      </a:pPr>
+                      <a:r>
+                        <a:rPr lang="ru-RU" sz="1400" b="0" dirty="0">
+                          <a:effectLst/>
+                        </a:rPr>
+                        <a:t>+</a:t>
+                      </a:r>
+                      <a:endParaRPr lang="ru-RU" sz="1400" b="0" dirty="0">
+                        <a:effectLst/>
+                        <a:latin typeface="Times New Roman" panose="02020603050405020304" pitchFamily="18" charset="0"/>
+                        <a:ea typeface="Times New Roman" panose="02020603050405020304" pitchFamily="18" charset="0"/>
+                        <a:cs typeface="Times New Roman" panose="02020603050405020304" pitchFamily="18" charset="0"/>
+                      </a:endParaRPr>
+                    </a:p>
+                  </a:txBody>
+                  <a:tcPr marL="68580" marR="68580" marT="0" marB="0"/>
+                </a:tc>
+                <a:extLst>
+                  <a:ext uri="{0D108BD9-81ED-4DB2-BD59-A6C34878D82A}">
+                    <a16:rowId xmlns:a16="http://schemas.microsoft.com/office/drawing/2014/main" val="1755799492"/>
+                  </a:ext>
+                </a:extLst>
+              </a:tr>
+            </a:tbl>
+          </a:graphicData>
+        </a:graphic>
+      </p:graphicFrame>
+      <p:graphicFrame>
+        <p:nvGraphicFramePr>
+          <p:cNvPr id="7" name="Таблица 6"/>
+          <p:cNvGraphicFramePr>
+            <a:graphicFrameLocks noGrp="1"/>
+          </p:cNvGraphicFramePr>
+          <p:nvPr>
+            <p:extLst>
+              <p:ext uri="{D42A27DB-BD31-4B8C-83A1-F6EECF244321}">
+                <p14:modId xmlns:p14="http://schemas.microsoft.com/office/powerpoint/2010/main" val="2711658405"/>
+              </p:ext>
+            </p:extLst>
+          </p:nvPr>
+        </p:nvGraphicFramePr>
+        <p:xfrm>
+          <a:off x="483769" y="4663964"/>
+          <a:ext cx="6116654" cy="2240280"/>
+        </p:xfrm>
+        <a:graphic>
+          <a:graphicData uri="http://schemas.openxmlformats.org/drawingml/2006/table">
+            <a:tbl>
+              <a:tblPr firstRow="1" firstCol="1" bandRow="1">
+                <a:tableStyleId>{9D7B26C5-4107-4FEC-AEDC-1716B250A1EF}</a:tableStyleId>
+              </a:tblPr>
+              <a:tblGrid>
+                <a:gridCol w="1119651">
+                  <a:extLst>
+                    <a:ext uri="{9D8B030D-6E8A-4147-A177-3AD203B41FA5}">
+                      <a16:colId xmlns:a16="http://schemas.microsoft.com/office/drawing/2014/main" val="2707291412"/>
+                    </a:ext>
+                  </a:extLst>
+                </a:gridCol>
+                <a:gridCol w="1313645">
+                  <a:extLst>
+                    <a:ext uri="{9D8B030D-6E8A-4147-A177-3AD203B41FA5}">
+                      <a16:colId xmlns:a16="http://schemas.microsoft.com/office/drawing/2014/main" val="211389330"/>
+                    </a:ext>
+                  </a:extLst>
+                </a:gridCol>
+                <a:gridCol w="1294327">
+                  <a:extLst>
+                    <a:ext uri="{9D8B030D-6E8A-4147-A177-3AD203B41FA5}">
+                      <a16:colId xmlns:a16="http://schemas.microsoft.com/office/drawing/2014/main" val="1766118575"/>
+                    </a:ext>
+                  </a:extLst>
+                </a:gridCol>
+                <a:gridCol w="901521">
+                  <a:extLst>
+                    <a:ext uri="{9D8B030D-6E8A-4147-A177-3AD203B41FA5}">
+                      <a16:colId xmlns:a16="http://schemas.microsoft.com/office/drawing/2014/main" val="871138561"/>
+                    </a:ext>
+                  </a:extLst>
+                </a:gridCol>
+                <a:gridCol w="1487510">
+                  <a:extLst>
+                    <a:ext uri="{9D8B030D-6E8A-4147-A177-3AD203B41FA5}">
+                      <a16:colId xmlns:a16="http://schemas.microsoft.com/office/drawing/2014/main" val="3325004117"/>
+                    </a:ext>
+                  </a:extLst>
+                </a:gridCol>
+              </a:tblGrid>
+              <a:tr h="0">
+                <a:tc>
+                  <a:txBody>
+                    <a:bodyPr/>
+                    <a:lstStyle/>
+                    <a:p>
+                      <a:pPr>
+                        <a:lnSpc>
+                          <a:spcPct val="150000"/>
+                        </a:lnSpc>
+                        <a:spcAft>
+                          <a:spcPts val="0"/>
+                        </a:spcAft>
+                      </a:pPr>
+                      <a:r>
+                        <a:rPr lang="ru-RU" sz="1400" b="0" dirty="0">
+                          <a:effectLst/>
+                        </a:rPr>
+                        <a:t>СУБД</a:t>
+                      </a:r>
+                      <a:endParaRPr lang="ru-RU" sz="1400" b="0" dirty="0">
+                        <a:effectLst/>
+                        <a:latin typeface="Times New Roman" panose="02020603050405020304" pitchFamily="18" charset="0"/>
+                        <a:ea typeface="Times New Roman" panose="02020603050405020304" pitchFamily="18" charset="0"/>
+                        <a:cs typeface="Times New Roman" panose="02020603050405020304" pitchFamily="18" charset="0"/>
+                      </a:endParaRPr>
+                    </a:p>
+                  </a:txBody>
+                  <a:tcPr marL="68580" marR="68580" marT="0" marB="0"/>
+                </a:tc>
+                <a:tc>
+                  <a:txBody>
+                    <a:bodyPr/>
+                    <a:lstStyle/>
+                    <a:p>
+                      <a:pPr>
+                        <a:lnSpc>
+                          <a:spcPct val="150000"/>
+                        </a:lnSpc>
+                        <a:spcAft>
+                          <a:spcPts val="0"/>
+                        </a:spcAft>
+                      </a:pPr>
+                      <a:r>
+                        <a:rPr lang="ru-RU" sz="1400" b="0" dirty="0">
+                          <a:effectLst/>
+                        </a:rPr>
+                        <a:t>Бесплатность</a:t>
+                      </a:r>
+                      <a:endParaRPr lang="ru-RU" sz="1400" b="0" dirty="0">
+                        <a:effectLst/>
+                        <a:latin typeface="Times New Roman" panose="02020603050405020304" pitchFamily="18" charset="0"/>
+                        <a:ea typeface="Times New Roman" panose="02020603050405020304" pitchFamily="18" charset="0"/>
+                        <a:cs typeface="Times New Roman" panose="02020603050405020304" pitchFamily="18" charset="0"/>
+                      </a:endParaRPr>
+                    </a:p>
+                  </a:txBody>
+                  <a:tcPr marL="68580" marR="68580" marT="0" marB="0"/>
+                </a:tc>
+                <a:tc>
+                  <a:txBody>
+                    <a:bodyPr/>
+                    <a:lstStyle/>
+                    <a:p>
+                      <a:pPr>
+                        <a:lnSpc>
+                          <a:spcPct val="150000"/>
+                        </a:lnSpc>
+                        <a:spcAft>
+                          <a:spcPts val="0"/>
+                        </a:spcAft>
+                      </a:pPr>
+                      <a:r>
+                        <a:rPr lang="ru-RU" sz="1400" b="0" dirty="0">
+                          <a:effectLst/>
+                        </a:rPr>
+                        <a:t>Размер базы</a:t>
+                      </a:r>
+                      <a:endParaRPr lang="ru-RU" sz="1400" b="0" dirty="0">
+                        <a:effectLst/>
+                        <a:latin typeface="Times New Roman" panose="02020603050405020304" pitchFamily="18" charset="0"/>
+                        <a:ea typeface="Times New Roman" panose="02020603050405020304" pitchFamily="18" charset="0"/>
+                        <a:cs typeface="Times New Roman" panose="02020603050405020304" pitchFamily="18" charset="0"/>
+                      </a:endParaRPr>
+                    </a:p>
+                  </a:txBody>
+                  <a:tcPr marL="68580" marR="68580" marT="0" marB="0"/>
+                </a:tc>
+                <a:tc>
+                  <a:txBody>
+                    <a:bodyPr/>
+                    <a:lstStyle/>
+                    <a:p>
+                      <a:pPr>
+                        <a:lnSpc>
+                          <a:spcPct val="150000"/>
+                        </a:lnSpc>
+                        <a:spcAft>
+                          <a:spcPts val="0"/>
+                        </a:spcAft>
+                      </a:pPr>
+                      <a:r>
+                        <a:rPr lang="ru-RU" sz="1400" b="0">
+                          <a:effectLst/>
+                        </a:rPr>
+                        <a:t>Размер таблицы</a:t>
+                      </a:r>
+                      <a:endParaRPr lang="ru-RU" sz="1400" b="0">
+                        <a:effectLst/>
+                        <a:latin typeface="Times New Roman" panose="02020603050405020304" pitchFamily="18" charset="0"/>
+                        <a:ea typeface="Times New Roman" panose="02020603050405020304" pitchFamily="18" charset="0"/>
+                        <a:cs typeface="Times New Roman" panose="02020603050405020304" pitchFamily="18" charset="0"/>
+                      </a:endParaRPr>
+                    </a:p>
+                  </a:txBody>
+                  <a:tcPr marL="68580" marR="68580" marT="0" marB="0"/>
+                </a:tc>
+                <a:tc>
+                  <a:txBody>
+                    <a:bodyPr/>
+                    <a:lstStyle/>
+                    <a:p>
+                      <a:pPr>
+                        <a:lnSpc>
+                          <a:spcPct val="150000"/>
+                        </a:lnSpc>
+                        <a:spcAft>
+                          <a:spcPts val="0"/>
+                        </a:spcAft>
+                      </a:pPr>
+                      <a:r>
+                        <a:rPr lang="ru-RU" sz="1400" b="0" dirty="0">
+                          <a:effectLst/>
+                        </a:rPr>
+                        <a:t>Число пользователей</a:t>
+                      </a:r>
+                      <a:endParaRPr lang="ru-RU" sz="1400" b="0" dirty="0">
+                        <a:effectLst/>
+                        <a:latin typeface="Times New Roman" panose="02020603050405020304" pitchFamily="18" charset="0"/>
+                        <a:ea typeface="Times New Roman" panose="02020603050405020304" pitchFamily="18" charset="0"/>
+                        <a:cs typeface="Times New Roman" panose="02020603050405020304" pitchFamily="18" charset="0"/>
+                      </a:endParaRPr>
+                    </a:p>
+                  </a:txBody>
+                  <a:tcPr marL="68580" marR="68580" marT="0" marB="0"/>
+                </a:tc>
+                <a:extLst>
+                  <a:ext uri="{0D108BD9-81ED-4DB2-BD59-A6C34878D82A}">
+                    <a16:rowId xmlns:a16="http://schemas.microsoft.com/office/drawing/2014/main" val="1441233949"/>
+                  </a:ext>
+                </a:extLst>
+              </a:tr>
+              <a:tr h="0">
+                <a:tc>
+                  <a:txBody>
+                    <a:bodyPr/>
+                    <a:lstStyle/>
+                    <a:p>
+                      <a:pPr>
+                        <a:lnSpc>
+                          <a:spcPct val="150000"/>
+                        </a:lnSpc>
+                        <a:spcAft>
+                          <a:spcPts val="0"/>
+                        </a:spcAft>
+                      </a:pPr>
+                      <a:r>
+                        <a:rPr lang="ru-RU" sz="1400" b="0">
+                          <a:effectLst/>
+                        </a:rPr>
+                        <a:t>HSQLDB</a:t>
+                      </a:r>
+                      <a:endParaRPr lang="ru-RU" sz="1400" b="0">
+                        <a:effectLst/>
+                        <a:latin typeface="Times New Roman" panose="02020603050405020304" pitchFamily="18" charset="0"/>
+                        <a:ea typeface="Times New Roman" panose="02020603050405020304" pitchFamily="18" charset="0"/>
+                        <a:cs typeface="Times New Roman" panose="02020603050405020304" pitchFamily="18" charset="0"/>
+                      </a:endParaRPr>
+                    </a:p>
+                  </a:txBody>
+                  <a:tcPr marL="68580" marR="68580" marT="0" marB="0"/>
+                </a:tc>
+                <a:tc>
+                  <a:txBody>
+                    <a:bodyPr/>
+                    <a:lstStyle/>
+                    <a:p>
+                      <a:pPr>
+                        <a:lnSpc>
+                          <a:spcPct val="150000"/>
+                        </a:lnSpc>
+                        <a:spcAft>
+                          <a:spcPts val="0"/>
+                        </a:spcAft>
+                      </a:pPr>
+                      <a:r>
+                        <a:rPr lang="ru-RU" sz="1400" b="0" dirty="0">
+                          <a:effectLst/>
+                        </a:rPr>
+                        <a:t>нет</a:t>
+                      </a:r>
+                      <a:endParaRPr lang="ru-RU" sz="1400" b="0" dirty="0">
+                        <a:effectLst/>
+                        <a:latin typeface="Times New Roman" panose="02020603050405020304" pitchFamily="18" charset="0"/>
+                        <a:ea typeface="Times New Roman" panose="02020603050405020304" pitchFamily="18" charset="0"/>
+                        <a:cs typeface="Times New Roman" panose="02020603050405020304" pitchFamily="18" charset="0"/>
+                      </a:endParaRPr>
+                    </a:p>
+                  </a:txBody>
+                  <a:tcPr marL="68580" marR="68580" marT="0" marB="0"/>
+                </a:tc>
+                <a:tc>
+                  <a:txBody>
+                    <a:bodyPr/>
+                    <a:lstStyle/>
+                    <a:p>
+                      <a:pPr>
+                        <a:lnSpc>
+                          <a:spcPct val="150000"/>
+                        </a:lnSpc>
+                        <a:spcAft>
+                          <a:spcPts val="0"/>
+                        </a:spcAft>
+                      </a:pPr>
+                      <a:r>
+                        <a:rPr lang="ru-RU" sz="1400" b="0">
+                          <a:effectLst/>
+                        </a:rPr>
+                        <a:t>28 ТB</a:t>
+                      </a:r>
+                      <a:endParaRPr lang="ru-RU" sz="1400" b="0">
+                        <a:effectLst/>
+                        <a:latin typeface="Times New Roman" panose="02020603050405020304" pitchFamily="18" charset="0"/>
+                        <a:ea typeface="Times New Roman" panose="02020603050405020304" pitchFamily="18" charset="0"/>
+                        <a:cs typeface="Times New Roman" panose="02020603050405020304" pitchFamily="18" charset="0"/>
+                      </a:endParaRPr>
+                    </a:p>
+                  </a:txBody>
+                  <a:tcPr marL="68580" marR="68580" marT="0" marB="0"/>
+                </a:tc>
+                <a:tc>
+                  <a:txBody>
+                    <a:bodyPr/>
+                    <a:lstStyle/>
+                    <a:p>
+                      <a:pPr>
+                        <a:lnSpc>
+                          <a:spcPct val="150000"/>
+                        </a:lnSpc>
+                        <a:spcAft>
+                          <a:spcPts val="0"/>
+                        </a:spcAft>
+                      </a:pPr>
+                      <a:r>
+                        <a:rPr lang="ru-RU" sz="1400" b="0">
+                          <a:effectLst/>
+                        </a:rPr>
+                        <a:t>120 GB</a:t>
+                      </a:r>
+                      <a:endParaRPr lang="ru-RU" sz="1400" b="0">
+                        <a:effectLst/>
+                        <a:latin typeface="Times New Roman" panose="02020603050405020304" pitchFamily="18" charset="0"/>
+                        <a:ea typeface="Times New Roman" panose="02020603050405020304" pitchFamily="18" charset="0"/>
+                        <a:cs typeface="Times New Roman" panose="02020603050405020304" pitchFamily="18" charset="0"/>
+                      </a:endParaRPr>
+                    </a:p>
+                  </a:txBody>
+                  <a:tcPr marL="68580" marR="68580" marT="0" marB="0"/>
+                </a:tc>
+                <a:tc>
+                  <a:txBody>
+                    <a:bodyPr/>
+                    <a:lstStyle/>
+                    <a:p>
+                      <a:pPr>
+                        <a:lnSpc>
+                          <a:spcPct val="150000"/>
+                        </a:lnSpc>
+                        <a:spcAft>
+                          <a:spcPts val="0"/>
+                        </a:spcAft>
+                      </a:pPr>
+                      <a:r>
+                        <a:rPr lang="ru-RU" sz="1400" b="0">
+                          <a:effectLst/>
+                        </a:rPr>
+                        <a:t>Не ограничено</a:t>
+                      </a:r>
+                      <a:endParaRPr lang="ru-RU" sz="1400" b="0">
+                        <a:effectLst/>
+                        <a:latin typeface="Times New Roman" panose="02020603050405020304" pitchFamily="18" charset="0"/>
+                        <a:ea typeface="Times New Roman" panose="02020603050405020304" pitchFamily="18" charset="0"/>
+                        <a:cs typeface="Times New Roman" panose="02020603050405020304" pitchFamily="18" charset="0"/>
+                      </a:endParaRPr>
+                    </a:p>
+                  </a:txBody>
+                  <a:tcPr marL="68580" marR="68580" marT="0" marB="0"/>
+                </a:tc>
+                <a:extLst>
+                  <a:ext uri="{0D108BD9-81ED-4DB2-BD59-A6C34878D82A}">
+                    <a16:rowId xmlns:a16="http://schemas.microsoft.com/office/drawing/2014/main" val="321270962"/>
+                  </a:ext>
+                </a:extLst>
+              </a:tr>
+              <a:tr h="0">
+                <a:tc>
+                  <a:txBody>
+                    <a:bodyPr/>
+                    <a:lstStyle/>
+                    <a:p>
+                      <a:pPr>
+                        <a:lnSpc>
+                          <a:spcPct val="150000"/>
+                        </a:lnSpc>
+                        <a:spcAft>
+                          <a:spcPts val="0"/>
+                        </a:spcAft>
+                      </a:pPr>
+                      <a:r>
+                        <a:rPr lang="ru-RU" sz="1400" b="0">
+                          <a:effectLst/>
+                        </a:rPr>
+                        <a:t>Microsoft SQL Server</a:t>
+                      </a:r>
+                      <a:endParaRPr lang="ru-RU" sz="1400" b="0">
+                        <a:effectLst/>
+                        <a:latin typeface="Times New Roman" panose="02020603050405020304" pitchFamily="18" charset="0"/>
+                        <a:ea typeface="Times New Roman" panose="02020603050405020304" pitchFamily="18" charset="0"/>
+                        <a:cs typeface="Times New Roman" panose="02020603050405020304" pitchFamily="18" charset="0"/>
+                      </a:endParaRPr>
+                    </a:p>
+                  </a:txBody>
+                  <a:tcPr marL="68580" marR="68580" marT="0" marB="0"/>
+                </a:tc>
+                <a:tc>
+                  <a:txBody>
+                    <a:bodyPr/>
+                    <a:lstStyle/>
+                    <a:p>
+                      <a:pPr>
+                        <a:lnSpc>
+                          <a:spcPct val="150000"/>
+                        </a:lnSpc>
+                        <a:spcAft>
+                          <a:spcPts val="0"/>
+                        </a:spcAft>
+                      </a:pPr>
+                      <a:r>
+                        <a:rPr lang="ru-RU" sz="1400" b="0" dirty="0">
+                          <a:effectLst/>
+                        </a:rPr>
+                        <a:t>нет</a:t>
+                      </a:r>
+                      <a:endParaRPr lang="ru-RU" sz="1400" b="0" dirty="0">
+                        <a:effectLst/>
+                        <a:latin typeface="Times New Roman" panose="02020603050405020304" pitchFamily="18" charset="0"/>
+                        <a:ea typeface="Times New Roman" panose="02020603050405020304" pitchFamily="18" charset="0"/>
+                        <a:cs typeface="Times New Roman" panose="02020603050405020304" pitchFamily="18" charset="0"/>
+                      </a:endParaRPr>
+                    </a:p>
+                  </a:txBody>
+                  <a:tcPr marL="68580" marR="68580" marT="0" marB="0"/>
+                </a:tc>
+                <a:tc>
+                  <a:txBody>
+                    <a:bodyPr/>
+                    <a:lstStyle/>
+                    <a:p>
+                      <a:pPr>
+                        <a:lnSpc>
+                          <a:spcPct val="150000"/>
+                        </a:lnSpc>
+                        <a:spcAft>
+                          <a:spcPts val="0"/>
+                        </a:spcAft>
+                      </a:pPr>
+                      <a:r>
+                        <a:rPr lang="ru-RU" sz="1400" b="0">
+                          <a:effectLst/>
+                        </a:rPr>
+                        <a:t>16 ТВ</a:t>
+                      </a:r>
+                      <a:endParaRPr lang="ru-RU" sz="1400" b="0">
+                        <a:effectLst/>
+                        <a:latin typeface="Times New Roman" panose="02020603050405020304" pitchFamily="18" charset="0"/>
+                        <a:ea typeface="Times New Roman" panose="02020603050405020304" pitchFamily="18" charset="0"/>
+                        <a:cs typeface="Times New Roman" panose="02020603050405020304" pitchFamily="18" charset="0"/>
+                      </a:endParaRPr>
+                    </a:p>
+                  </a:txBody>
+                  <a:tcPr marL="68580" marR="68580" marT="0" marB="0"/>
+                </a:tc>
+                <a:tc>
+                  <a:txBody>
+                    <a:bodyPr/>
+                    <a:lstStyle/>
+                    <a:p>
+                      <a:pPr>
+                        <a:lnSpc>
+                          <a:spcPct val="150000"/>
+                        </a:lnSpc>
+                        <a:spcAft>
+                          <a:spcPts val="0"/>
+                        </a:spcAft>
+                      </a:pPr>
+                      <a:r>
+                        <a:rPr lang="ru-RU" sz="1400" b="0">
+                          <a:effectLst/>
+                        </a:rPr>
+                        <a:t>532 GB</a:t>
+                      </a:r>
+                      <a:endParaRPr lang="ru-RU" sz="1400" b="0">
+                        <a:effectLst/>
+                        <a:latin typeface="Times New Roman" panose="02020603050405020304" pitchFamily="18" charset="0"/>
+                        <a:ea typeface="Times New Roman" panose="02020603050405020304" pitchFamily="18" charset="0"/>
+                        <a:cs typeface="Times New Roman" panose="02020603050405020304" pitchFamily="18" charset="0"/>
+                      </a:endParaRPr>
+                    </a:p>
+                  </a:txBody>
+                  <a:tcPr marL="68580" marR="68580" marT="0" marB="0"/>
+                </a:tc>
+                <a:tc>
+                  <a:txBody>
+                    <a:bodyPr/>
+                    <a:lstStyle/>
+                    <a:p>
+                      <a:pPr>
+                        <a:lnSpc>
+                          <a:spcPct val="150000"/>
+                        </a:lnSpc>
+                        <a:spcAft>
+                          <a:spcPts val="0"/>
+                        </a:spcAft>
+                      </a:pPr>
+                      <a:r>
+                        <a:rPr lang="ru-RU" sz="1400" b="0">
+                          <a:effectLst/>
+                        </a:rPr>
+                        <a:t>Не ограничено</a:t>
+                      </a:r>
+                      <a:endParaRPr lang="ru-RU" sz="1400" b="0">
+                        <a:effectLst/>
+                        <a:latin typeface="Times New Roman" panose="02020603050405020304" pitchFamily="18" charset="0"/>
+                        <a:ea typeface="Times New Roman" panose="02020603050405020304" pitchFamily="18" charset="0"/>
+                        <a:cs typeface="Times New Roman" panose="02020603050405020304" pitchFamily="18" charset="0"/>
+                      </a:endParaRPr>
+                    </a:p>
+                  </a:txBody>
+                  <a:tcPr marL="68580" marR="68580" marT="0" marB="0"/>
+                </a:tc>
+                <a:extLst>
+                  <a:ext uri="{0D108BD9-81ED-4DB2-BD59-A6C34878D82A}">
+                    <a16:rowId xmlns:a16="http://schemas.microsoft.com/office/drawing/2014/main" val="3802029344"/>
+                  </a:ext>
+                </a:extLst>
+              </a:tr>
+              <a:tr h="0">
+                <a:tc>
+                  <a:txBody>
+                    <a:bodyPr/>
+                    <a:lstStyle/>
+                    <a:p>
+                      <a:pPr>
+                        <a:lnSpc>
+                          <a:spcPct val="150000"/>
+                        </a:lnSpc>
+                        <a:spcAft>
+                          <a:spcPts val="0"/>
+                        </a:spcAft>
+                      </a:pPr>
+                      <a:r>
+                        <a:rPr lang="ru-RU" sz="1400" b="0">
+                          <a:effectLst/>
+                        </a:rPr>
+                        <a:t>MySQL</a:t>
+                      </a:r>
+                      <a:endParaRPr lang="ru-RU" sz="1400" b="0">
+                        <a:effectLst/>
+                        <a:latin typeface="Times New Roman" panose="02020603050405020304" pitchFamily="18" charset="0"/>
+                        <a:ea typeface="Times New Roman" panose="02020603050405020304" pitchFamily="18" charset="0"/>
+                        <a:cs typeface="Times New Roman" panose="02020603050405020304" pitchFamily="18" charset="0"/>
+                      </a:endParaRPr>
+                    </a:p>
+                  </a:txBody>
+                  <a:tcPr marL="68580" marR="68580" marT="0" marB="0"/>
+                </a:tc>
+                <a:tc>
+                  <a:txBody>
+                    <a:bodyPr/>
+                    <a:lstStyle/>
+                    <a:p>
+                      <a:pPr>
+                        <a:lnSpc>
+                          <a:spcPct val="150000"/>
+                        </a:lnSpc>
+                        <a:spcAft>
+                          <a:spcPts val="0"/>
+                        </a:spcAft>
+                      </a:pPr>
+                      <a:r>
+                        <a:rPr lang="ru-RU" sz="1400" b="0">
+                          <a:effectLst/>
+                        </a:rPr>
+                        <a:t>да</a:t>
+                      </a:r>
+                      <a:endParaRPr lang="ru-RU" sz="1400" b="0">
+                        <a:effectLst/>
+                        <a:latin typeface="Times New Roman" panose="02020603050405020304" pitchFamily="18" charset="0"/>
+                        <a:ea typeface="Times New Roman" panose="02020603050405020304" pitchFamily="18" charset="0"/>
+                        <a:cs typeface="Times New Roman" panose="02020603050405020304" pitchFamily="18" charset="0"/>
+                      </a:endParaRPr>
+                    </a:p>
+                  </a:txBody>
+                  <a:tcPr marL="68580" marR="68580" marT="0" marB="0"/>
+                </a:tc>
+                <a:tc>
+                  <a:txBody>
+                    <a:bodyPr/>
+                    <a:lstStyle/>
+                    <a:p>
+                      <a:pPr>
+                        <a:lnSpc>
+                          <a:spcPct val="150000"/>
+                        </a:lnSpc>
+                        <a:spcAft>
+                          <a:spcPts val="0"/>
+                        </a:spcAft>
+                      </a:pPr>
+                      <a:r>
+                        <a:rPr lang="ru-RU" sz="1400" b="0">
+                          <a:effectLst/>
+                        </a:rPr>
+                        <a:t>256 TB</a:t>
+                      </a:r>
+                      <a:endParaRPr lang="ru-RU" sz="1400" b="0">
+                        <a:effectLst/>
+                        <a:latin typeface="Times New Roman" panose="02020603050405020304" pitchFamily="18" charset="0"/>
+                        <a:ea typeface="Times New Roman" panose="02020603050405020304" pitchFamily="18" charset="0"/>
+                        <a:cs typeface="Times New Roman" panose="02020603050405020304" pitchFamily="18" charset="0"/>
+                      </a:endParaRPr>
+                    </a:p>
+                  </a:txBody>
+                  <a:tcPr marL="68580" marR="68580" marT="0" marB="0"/>
+                </a:tc>
+                <a:tc>
+                  <a:txBody>
+                    <a:bodyPr/>
+                    <a:lstStyle/>
+                    <a:p>
+                      <a:pPr>
+                        <a:lnSpc>
+                          <a:spcPct val="150000"/>
+                        </a:lnSpc>
+                        <a:spcAft>
+                          <a:spcPts val="0"/>
+                        </a:spcAft>
+                      </a:pPr>
+                      <a:r>
+                        <a:rPr lang="ru-RU" sz="1400" b="0">
+                          <a:effectLst/>
+                        </a:rPr>
+                        <a:t>256 ТB</a:t>
+                      </a:r>
+                      <a:endParaRPr lang="ru-RU" sz="1400" b="0">
+                        <a:effectLst/>
+                        <a:latin typeface="Times New Roman" panose="02020603050405020304" pitchFamily="18" charset="0"/>
+                        <a:ea typeface="Times New Roman" panose="02020603050405020304" pitchFamily="18" charset="0"/>
+                        <a:cs typeface="Times New Roman" panose="02020603050405020304" pitchFamily="18" charset="0"/>
+                      </a:endParaRPr>
+                    </a:p>
+                  </a:txBody>
+                  <a:tcPr marL="68580" marR="68580" marT="0" marB="0"/>
+                </a:tc>
+                <a:tc>
+                  <a:txBody>
+                    <a:bodyPr/>
+                    <a:lstStyle/>
+                    <a:p>
+                      <a:pPr>
+                        <a:lnSpc>
+                          <a:spcPct val="150000"/>
+                        </a:lnSpc>
+                        <a:spcAft>
+                          <a:spcPts val="0"/>
+                        </a:spcAft>
+                      </a:pPr>
+                      <a:r>
+                        <a:rPr lang="ru-RU" sz="1400" b="0">
+                          <a:effectLst/>
+                        </a:rPr>
+                        <a:t>Не ограничено</a:t>
+                      </a:r>
+                      <a:endParaRPr lang="ru-RU" sz="1400" b="0">
+                        <a:effectLst/>
+                        <a:latin typeface="Times New Roman" panose="02020603050405020304" pitchFamily="18" charset="0"/>
+                        <a:ea typeface="Times New Roman" panose="02020603050405020304" pitchFamily="18" charset="0"/>
+                        <a:cs typeface="Times New Roman" panose="02020603050405020304" pitchFamily="18" charset="0"/>
+                      </a:endParaRPr>
+                    </a:p>
+                  </a:txBody>
+                  <a:tcPr marL="68580" marR="68580" marT="0" marB="0"/>
+                </a:tc>
+                <a:extLst>
+                  <a:ext uri="{0D108BD9-81ED-4DB2-BD59-A6C34878D82A}">
+                    <a16:rowId xmlns:a16="http://schemas.microsoft.com/office/drawing/2014/main" val="4132132501"/>
+                  </a:ext>
+                </a:extLst>
+              </a:tr>
+              <a:tr h="0">
+                <a:tc>
+                  <a:txBody>
+                    <a:bodyPr/>
+                    <a:lstStyle/>
+                    <a:p>
+                      <a:pPr>
+                        <a:lnSpc>
+                          <a:spcPct val="150000"/>
+                        </a:lnSpc>
+                        <a:spcAft>
+                          <a:spcPts val="0"/>
+                        </a:spcAft>
+                      </a:pPr>
+                      <a:r>
+                        <a:rPr lang="ru-RU" sz="1400" b="0">
+                          <a:effectLst/>
+                        </a:rPr>
+                        <a:t>PostgreSQL</a:t>
+                      </a:r>
+                      <a:endParaRPr lang="ru-RU" sz="1400" b="0">
+                        <a:effectLst/>
+                        <a:latin typeface="Times New Roman" panose="02020603050405020304" pitchFamily="18" charset="0"/>
+                        <a:ea typeface="Times New Roman" panose="02020603050405020304" pitchFamily="18" charset="0"/>
+                        <a:cs typeface="Times New Roman" panose="02020603050405020304" pitchFamily="18" charset="0"/>
+                      </a:endParaRPr>
+                    </a:p>
+                  </a:txBody>
+                  <a:tcPr marL="68580" marR="68580" marT="0" marB="0"/>
+                </a:tc>
+                <a:tc>
+                  <a:txBody>
+                    <a:bodyPr/>
+                    <a:lstStyle/>
+                    <a:p>
+                      <a:pPr>
+                        <a:lnSpc>
+                          <a:spcPct val="150000"/>
+                        </a:lnSpc>
+                        <a:spcAft>
+                          <a:spcPts val="0"/>
+                        </a:spcAft>
+                      </a:pPr>
+                      <a:r>
+                        <a:rPr lang="ru-RU" sz="1400" b="0">
+                          <a:effectLst/>
+                        </a:rPr>
+                        <a:t>да</a:t>
+                      </a:r>
+                      <a:endParaRPr lang="ru-RU" sz="1400" b="0">
+                        <a:effectLst/>
+                        <a:latin typeface="Times New Roman" panose="02020603050405020304" pitchFamily="18" charset="0"/>
+                        <a:ea typeface="Times New Roman" panose="02020603050405020304" pitchFamily="18" charset="0"/>
+                        <a:cs typeface="Times New Roman" panose="02020603050405020304" pitchFamily="18" charset="0"/>
+                      </a:endParaRPr>
+                    </a:p>
+                  </a:txBody>
+                  <a:tcPr marL="68580" marR="68580" marT="0" marB="0"/>
+                </a:tc>
+                <a:tc>
+                  <a:txBody>
+                    <a:bodyPr/>
+                    <a:lstStyle/>
+                    <a:p>
+                      <a:pPr>
+                        <a:lnSpc>
+                          <a:spcPct val="150000"/>
+                        </a:lnSpc>
+                        <a:spcAft>
+                          <a:spcPts val="0"/>
+                        </a:spcAft>
+                      </a:pPr>
+                      <a:r>
+                        <a:rPr lang="ru-RU" sz="1400" b="0" dirty="0">
+                          <a:effectLst/>
+                        </a:rPr>
+                        <a:t>Неограничен</a:t>
+                      </a:r>
+                      <a:endParaRPr lang="ru-RU" sz="1400" b="0" dirty="0">
+                        <a:effectLst/>
+                        <a:latin typeface="Times New Roman" panose="02020603050405020304" pitchFamily="18" charset="0"/>
+                        <a:ea typeface="Times New Roman" panose="02020603050405020304" pitchFamily="18" charset="0"/>
+                        <a:cs typeface="Times New Roman" panose="02020603050405020304" pitchFamily="18" charset="0"/>
+                      </a:endParaRPr>
+                    </a:p>
+                  </a:txBody>
+                  <a:tcPr marL="68580" marR="68580" marT="0" marB="0"/>
+                </a:tc>
+                <a:tc>
+                  <a:txBody>
+                    <a:bodyPr/>
+                    <a:lstStyle/>
+                    <a:p>
+                      <a:pPr>
+                        <a:lnSpc>
+                          <a:spcPct val="150000"/>
+                        </a:lnSpc>
+                        <a:spcAft>
+                          <a:spcPts val="0"/>
+                        </a:spcAft>
+                      </a:pPr>
+                      <a:r>
+                        <a:rPr lang="ru-RU" sz="1400" b="0">
+                          <a:effectLst/>
+                        </a:rPr>
+                        <a:t>32 TB</a:t>
+                      </a:r>
+                      <a:endParaRPr lang="ru-RU" sz="1400" b="0">
+                        <a:effectLst/>
+                        <a:latin typeface="Times New Roman" panose="02020603050405020304" pitchFamily="18" charset="0"/>
+                        <a:ea typeface="Times New Roman" panose="02020603050405020304" pitchFamily="18" charset="0"/>
+                        <a:cs typeface="Times New Roman" panose="02020603050405020304" pitchFamily="18" charset="0"/>
+                      </a:endParaRPr>
+                    </a:p>
+                  </a:txBody>
+                  <a:tcPr marL="68580" marR="68580" marT="0" marB="0"/>
+                </a:tc>
+                <a:tc>
+                  <a:txBody>
+                    <a:bodyPr/>
+                    <a:lstStyle/>
+                    <a:p>
+                      <a:pPr>
+                        <a:lnSpc>
+                          <a:spcPct val="150000"/>
+                        </a:lnSpc>
+                        <a:spcAft>
+                          <a:spcPts val="0"/>
+                        </a:spcAft>
+                      </a:pPr>
+                      <a:r>
+                        <a:rPr lang="ru-RU" sz="1400" b="0" dirty="0">
+                          <a:effectLst/>
+                        </a:rPr>
+                        <a:t>Не ограничено</a:t>
+                      </a:r>
+                      <a:endParaRPr lang="ru-RU" sz="1400" b="0" dirty="0">
+                        <a:effectLst/>
+                        <a:latin typeface="Times New Roman" panose="02020603050405020304" pitchFamily="18" charset="0"/>
+                        <a:ea typeface="Times New Roman" panose="02020603050405020304" pitchFamily="18" charset="0"/>
+                        <a:cs typeface="Times New Roman" panose="02020603050405020304" pitchFamily="18" charset="0"/>
+                      </a:endParaRPr>
+                    </a:p>
+                  </a:txBody>
+                  <a:tcPr marL="68580" marR="68580" marT="0" marB="0"/>
+                </a:tc>
+                <a:extLst>
+                  <a:ext uri="{0D108BD9-81ED-4DB2-BD59-A6C34878D82A}">
+                    <a16:rowId xmlns:a16="http://schemas.microsoft.com/office/drawing/2014/main" val="2458050566"/>
+                  </a:ext>
+                </a:extLst>
+              </a:tr>
+            </a:tbl>
+          </a:graphicData>
+        </a:graphic>
+      </p:graphicFrame>
+      <p:graphicFrame>
+        <p:nvGraphicFramePr>
+          <p:cNvPr id="9" name="Таблица 8"/>
+          <p:cNvGraphicFramePr>
+            <a:graphicFrameLocks noGrp="1"/>
+          </p:cNvGraphicFramePr>
+          <p:nvPr>
+            <p:extLst>
+              <p:ext uri="{D42A27DB-BD31-4B8C-83A1-F6EECF244321}">
+                <p14:modId xmlns:p14="http://schemas.microsoft.com/office/powerpoint/2010/main" val="2270681067"/>
+              </p:ext>
+            </p:extLst>
+          </p:nvPr>
+        </p:nvGraphicFramePr>
+        <p:xfrm>
+          <a:off x="483769" y="3069298"/>
+          <a:ext cx="5806210" cy="1412008"/>
+        </p:xfrm>
+        <a:graphic>
+          <a:graphicData uri="http://schemas.openxmlformats.org/drawingml/2006/table">
+            <a:tbl>
+              <a:tblPr firstRow="1" firstCol="1" bandRow="1">
+                <a:tableStyleId>{9D7B26C5-4107-4FEC-AEDC-1716B250A1EF}</a:tableStyleId>
+              </a:tblPr>
+              <a:tblGrid>
+                <a:gridCol w="1174350">
+                  <a:extLst>
+                    <a:ext uri="{9D8B030D-6E8A-4147-A177-3AD203B41FA5}">
+                      <a16:colId xmlns:a16="http://schemas.microsoft.com/office/drawing/2014/main" val="3666936290"/>
+                    </a:ext>
+                  </a:extLst>
+                </a:gridCol>
+                <a:gridCol w="1167443">
+                  <a:extLst>
+                    <a:ext uri="{9D8B030D-6E8A-4147-A177-3AD203B41FA5}">
+                      <a16:colId xmlns:a16="http://schemas.microsoft.com/office/drawing/2014/main" val="50630716"/>
+                    </a:ext>
+                  </a:extLst>
+                </a:gridCol>
+                <a:gridCol w="1448873">
+                  <a:extLst>
+                    <a:ext uri="{9D8B030D-6E8A-4147-A177-3AD203B41FA5}">
+                      <a16:colId xmlns:a16="http://schemas.microsoft.com/office/drawing/2014/main" val="2238558438"/>
+                    </a:ext>
+                  </a:extLst>
+                </a:gridCol>
+                <a:gridCol w="2015544">
+                  <a:extLst>
+                    <a:ext uri="{9D8B030D-6E8A-4147-A177-3AD203B41FA5}">
+                      <a16:colId xmlns:a16="http://schemas.microsoft.com/office/drawing/2014/main" val="1269672150"/>
+                    </a:ext>
+                  </a:extLst>
+                </a:gridCol>
+              </a:tblGrid>
+              <a:tr h="353644">
+                <a:tc>
+                  <a:txBody>
+                    <a:bodyPr/>
+                    <a:lstStyle/>
+                    <a:p>
+                      <a:pPr algn="just">
+                        <a:lnSpc>
+                          <a:spcPct val="150000"/>
+                        </a:lnSpc>
+                        <a:spcAft>
+                          <a:spcPts val="0"/>
+                        </a:spcAft>
+                      </a:pPr>
+                      <a:r>
+                        <a:rPr lang="ru-RU" sz="1400" b="0" dirty="0">
+                          <a:effectLst/>
+                          <a:latin typeface="Arial" panose="020B0604020202020204" pitchFamily="34" charset="0"/>
+                          <a:cs typeface="Arial" panose="020B0604020202020204" pitchFamily="34" charset="0"/>
+                        </a:rPr>
+                        <a:t>Фреймворк</a:t>
+                      </a:r>
+                      <a:endParaRPr lang="ru-RU" sz="1400" b="0" dirty="0">
+                        <a:effectLst/>
+                        <a:latin typeface="Arial" panose="020B0604020202020204" pitchFamily="34" charset="0"/>
+                        <a:ea typeface="Times New Roman" panose="02020603050405020304" pitchFamily="18" charset="0"/>
+                        <a:cs typeface="Arial" panose="020B0604020202020204" pitchFamily="34" charset="0"/>
+                      </a:endParaRPr>
+                    </a:p>
+                  </a:txBody>
+                  <a:tcPr marL="68580" marR="68580" marT="0" marB="0"/>
+                </a:tc>
+                <a:tc>
+                  <a:txBody>
+                    <a:bodyPr/>
+                    <a:lstStyle/>
+                    <a:p>
+                      <a:pPr algn="just">
+                        <a:lnSpc>
+                          <a:spcPct val="150000"/>
+                        </a:lnSpc>
+                        <a:spcAft>
+                          <a:spcPts val="0"/>
+                        </a:spcAft>
+                      </a:pPr>
+                      <a:r>
+                        <a:rPr lang="ru-RU" sz="1400" b="0" dirty="0">
+                          <a:effectLst/>
+                          <a:latin typeface="Arial" panose="020B0604020202020204" pitchFamily="34" charset="0"/>
+                          <a:cs typeface="Arial" panose="020B0604020202020204" pitchFamily="34" charset="0"/>
+                        </a:rPr>
+                        <a:t>Сложность</a:t>
+                      </a:r>
+                      <a:endParaRPr lang="ru-RU" sz="1400" b="0" dirty="0">
+                        <a:effectLst/>
+                        <a:latin typeface="Arial" panose="020B0604020202020204" pitchFamily="34" charset="0"/>
+                        <a:ea typeface="Times New Roman" panose="02020603050405020304" pitchFamily="18" charset="0"/>
+                        <a:cs typeface="Arial" panose="020B0604020202020204" pitchFamily="34" charset="0"/>
+                      </a:endParaRPr>
+                    </a:p>
+                  </a:txBody>
+                  <a:tcPr marL="68580" marR="68580" marT="0" marB="0"/>
+                </a:tc>
+                <a:tc>
+                  <a:txBody>
+                    <a:bodyPr/>
+                    <a:lstStyle/>
+                    <a:p>
+                      <a:pPr algn="just">
+                        <a:lnSpc>
+                          <a:spcPct val="150000"/>
+                        </a:lnSpc>
+                        <a:spcAft>
+                          <a:spcPts val="0"/>
+                        </a:spcAft>
+                      </a:pPr>
+                      <a:r>
+                        <a:rPr lang="ru-RU" sz="1400" b="0" dirty="0">
+                          <a:effectLst/>
+                          <a:latin typeface="Arial" panose="020B0604020202020204" pitchFamily="34" charset="0"/>
+                          <a:cs typeface="Arial" panose="020B0604020202020204" pitchFamily="34" charset="0"/>
+                        </a:rPr>
+                        <a:t>Документация</a:t>
+                      </a:r>
+                      <a:endParaRPr lang="ru-RU" sz="1400" b="0" dirty="0">
+                        <a:effectLst/>
+                        <a:latin typeface="Arial" panose="020B0604020202020204" pitchFamily="34" charset="0"/>
+                        <a:ea typeface="Times New Roman" panose="02020603050405020304" pitchFamily="18" charset="0"/>
+                        <a:cs typeface="Arial" panose="020B0604020202020204" pitchFamily="34" charset="0"/>
+                      </a:endParaRPr>
+                    </a:p>
+                  </a:txBody>
+                  <a:tcPr marL="68580" marR="68580" marT="0" marB="0"/>
+                </a:tc>
+                <a:tc>
+                  <a:txBody>
+                    <a:bodyPr/>
+                    <a:lstStyle/>
+                    <a:p>
+                      <a:pPr algn="just">
+                        <a:lnSpc>
+                          <a:spcPct val="150000"/>
+                        </a:lnSpc>
+                        <a:spcAft>
+                          <a:spcPts val="0"/>
+                        </a:spcAft>
+                      </a:pPr>
+                      <a:r>
+                        <a:rPr lang="ru-RU" sz="1400" b="0" dirty="0">
+                          <a:effectLst/>
+                          <a:latin typeface="Arial" panose="020B0604020202020204" pitchFamily="34" charset="0"/>
+                          <a:cs typeface="Arial" panose="020B0604020202020204" pitchFamily="34" charset="0"/>
+                        </a:rPr>
+                        <a:t>Производительность</a:t>
+                      </a:r>
+                      <a:endParaRPr lang="ru-RU" sz="1400" b="0" dirty="0">
+                        <a:effectLst/>
+                        <a:latin typeface="Arial" panose="020B0604020202020204" pitchFamily="34" charset="0"/>
+                        <a:ea typeface="Times New Roman" panose="02020603050405020304" pitchFamily="18" charset="0"/>
+                        <a:cs typeface="Arial" panose="020B0604020202020204" pitchFamily="34" charset="0"/>
+                      </a:endParaRPr>
+                    </a:p>
+                  </a:txBody>
+                  <a:tcPr marL="68580" marR="68580" marT="0" marB="0"/>
+                </a:tc>
+                <a:extLst>
+                  <a:ext uri="{0D108BD9-81ED-4DB2-BD59-A6C34878D82A}">
+                    <a16:rowId xmlns:a16="http://schemas.microsoft.com/office/drawing/2014/main" val="2828998848"/>
+                  </a:ext>
+                </a:extLst>
+              </a:tr>
+              <a:tr h="352788">
+                <a:tc>
+                  <a:txBody>
+                    <a:bodyPr/>
+                    <a:lstStyle/>
+                    <a:p>
+                      <a:pPr algn="just">
+                        <a:lnSpc>
+                          <a:spcPct val="150000"/>
+                        </a:lnSpc>
+                        <a:spcAft>
+                          <a:spcPts val="0"/>
+                        </a:spcAft>
+                      </a:pPr>
+                      <a:r>
+                        <a:rPr lang="en-US" sz="1400" b="0" dirty="0" smtClean="0">
+                          <a:effectLst/>
+                          <a:latin typeface="Arial" panose="020B0604020202020204" pitchFamily="34" charset="0"/>
+                          <a:cs typeface="Arial" panose="020B0604020202020204" pitchFamily="34" charset="0"/>
+                        </a:rPr>
+                        <a:t>Nest</a:t>
+                      </a:r>
+                      <a:endParaRPr lang="ru-RU" sz="1400" b="0" dirty="0">
+                        <a:effectLst/>
+                        <a:latin typeface="Arial" panose="020B0604020202020204" pitchFamily="34" charset="0"/>
+                        <a:ea typeface="Times New Roman" panose="02020603050405020304" pitchFamily="18" charset="0"/>
+                        <a:cs typeface="Arial" panose="020B0604020202020204" pitchFamily="34" charset="0"/>
+                      </a:endParaRPr>
+                    </a:p>
+                  </a:txBody>
+                  <a:tcPr marL="68580" marR="68580" marT="0" marB="0"/>
+                </a:tc>
+                <a:tc>
+                  <a:txBody>
+                    <a:bodyPr/>
+                    <a:lstStyle/>
+                    <a:p>
+                      <a:pPr algn="just">
+                        <a:lnSpc>
+                          <a:spcPct val="150000"/>
+                        </a:lnSpc>
+                        <a:spcAft>
+                          <a:spcPts val="0"/>
+                        </a:spcAft>
+                      </a:pPr>
+                      <a:r>
+                        <a:rPr lang="ru-RU" sz="1400" b="0">
+                          <a:effectLst/>
+                          <a:latin typeface="Arial" panose="020B0604020202020204" pitchFamily="34" charset="0"/>
+                          <a:cs typeface="Arial" panose="020B0604020202020204" pitchFamily="34" charset="0"/>
+                        </a:rPr>
+                        <a:t>Средний</a:t>
+                      </a:r>
+                      <a:endParaRPr lang="ru-RU" sz="1400" b="0">
+                        <a:effectLst/>
+                        <a:latin typeface="Arial" panose="020B0604020202020204" pitchFamily="34" charset="0"/>
+                        <a:ea typeface="Times New Roman" panose="02020603050405020304" pitchFamily="18" charset="0"/>
+                        <a:cs typeface="Arial" panose="020B0604020202020204" pitchFamily="34" charset="0"/>
+                      </a:endParaRPr>
+                    </a:p>
+                  </a:txBody>
+                  <a:tcPr marL="68580" marR="68580" marT="0" marB="0"/>
+                </a:tc>
+                <a:tc>
+                  <a:txBody>
+                    <a:bodyPr/>
+                    <a:lstStyle/>
+                    <a:p>
+                      <a:pPr algn="just">
+                        <a:lnSpc>
+                          <a:spcPct val="150000"/>
+                        </a:lnSpc>
+                        <a:spcAft>
+                          <a:spcPts val="0"/>
+                        </a:spcAft>
+                      </a:pPr>
+                      <a:r>
+                        <a:rPr lang="ru-RU" sz="1400" b="0" dirty="0">
+                          <a:effectLst/>
+                          <a:latin typeface="Arial" panose="020B0604020202020204" pitchFamily="34" charset="0"/>
+                          <a:cs typeface="Arial" panose="020B0604020202020204" pitchFamily="34" charset="0"/>
+                        </a:rPr>
+                        <a:t>+</a:t>
+                      </a:r>
+                      <a:endParaRPr lang="ru-RU" sz="1400" b="0" dirty="0">
+                        <a:effectLst/>
+                        <a:latin typeface="Arial" panose="020B0604020202020204" pitchFamily="34" charset="0"/>
+                        <a:ea typeface="Times New Roman" panose="02020603050405020304" pitchFamily="18" charset="0"/>
+                        <a:cs typeface="Arial" panose="020B0604020202020204" pitchFamily="34" charset="0"/>
+                      </a:endParaRPr>
+                    </a:p>
+                  </a:txBody>
+                  <a:tcPr marL="68580" marR="68580" marT="0" marB="0"/>
+                </a:tc>
+                <a:tc>
+                  <a:txBody>
+                    <a:bodyPr/>
+                    <a:lstStyle/>
+                    <a:p>
+                      <a:pPr algn="just">
+                        <a:lnSpc>
+                          <a:spcPct val="150000"/>
+                        </a:lnSpc>
+                        <a:spcAft>
+                          <a:spcPts val="0"/>
+                        </a:spcAft>
+                      </a:pPr>
+                      <a:r>
+                        <a:rPr lang="ru-RU" sz="1400" b="0" dirty="0">
+                          <a:effectLst/>
+                          <a:latin typeface="Arial" panose="020B0604020202020204" pitchFamily="34" charset="0"/>
+                          <a:cs typeface="Arial" panose="020B0604020202020204" pitchFamily="34" charset="0"/>
+                        </a:rPr>
+                        <a:t>+</a:t>
+                      </a:r>
+                      <a:endParaRPr lang="ru-RU" sz="1400" b="0" dirty="0">
+                        <a:effectLst/>
+                        <a:latin typeface="Arial" panose="020B0604020202020204" pitchFamily="34" charset="0"/>
+                        <a:ea typeface="Times New Roman" panose="02020603050405020304" pitchFamily="18" charset="0"/>
+                        <a:cs typeface="Arial" panose="020B0604020202020204" pitchFamily="34" charset="0"/>
+                      </a:endParaRPr>
+                    </a:p>
+                  </a:txBody>
+                  <a:tcPr marL="68580" marR="68580" marT="0" marB="0"/>
+                </a:tc>
+                <a:extLst>
+                  <a:ext uri="{0D108BD9-81ED-4DB2-BD59-A6C34878D82A}">
+                    <a16:rowId xmlns:a16="http://schemas.microsoft.com/office/drawing/2014/main" val="3755999673"/>
+                  </a:ext>
+                </a:extLst>
+              </a:tr>
+              <a:tr h="352788">
+                <a:tc>
+                  <a:txBody>
+                    <a:bodyPr/>
+                    <a:lstStyle/>
+                    <a:p>
+                      <a:pPr algn="just">
+                        <a:lnSpc>
+                          <a:spcPct val="150000"/>
+                        </a:lnSpc>
+                        <a:spcAft>
+                          <a:spcPts val="0"/>
+                        </a:spcAft>
+                      </a:pPr>
+                      <a:r>
+                        <a:rPr lang="en-US" sz="1400" b="0" dirty="0" smtClean="0">
+                          <a:effectLst/>
+                          <a:latin typeface="Arial" panose="020B0604020202020204" pitchFamily="34" charset="0"/>
+                          <a:cs typeface="Arial" panose="020B0604020202020204" pitchFamily="34" charset="0"/>
+                        </a:rPr>
+                        <a:t>Django</a:t>
+                      </a:r>
+                      <a:endParaRPr lang="ru-RU" sz="1400" b="0" dirty="0">
+                        <a:effectLst/>
+                        <a:latin typeface="Arial" panose="020B0604020202020204" pitchFamily="34" charset="0"/>
+                        <a:ea typeface="Times New Roman" panose="02020603050405020304" pitchFamily="18" charset="0"/>
+                        <a:cs typeface="Arial" panose="020B0604020202020204" pitchFamily="34" charset="0"/>
+                      </a:endParaRPr>
+                    </a:p>
+                  </a:txBody>
+                  <a:tcPr marL="68580" marR="68580" marT="0" marB="0"/>
+                </a:tc>
+                <a:tc>
+                  <a:txBody>
+                    <a:bodyPr/>
+                    <a:lstStyle/>
+                    <a:p>
+                      <a:pPr algn="just">
+                        <a:lnSpc>
+                          <a:spcPct val="150000"/>
+                        </a:lnSpc>
+                        <a:spcAft>
+                          <a:spcPts val="0"/>
+                        </a:spcAft>
+                      </a:pPr>
+                      <a:r>
+                        <a:rPr lang="ru-RU" sz="1400" b="0" dirty="0">
+                          <a:effectLst/>
+                          <a:latin typeface="Arial" panose="020B0604020202020204" pitchFamily="34" charset="0"/>
+                          <a:cs typeface="Arial" panose="020B0604020202020204" pitchFamily="34" charset="0"/>
+                        </a:rPr>
+                        <a:t>Легкий</a:t>
+                      </a:r>
+                      <a:endParaRPr lang="ru-RU" sz="1400" b="0" dirty="0">
+                        <a:effectLst/>
+                        <a:latin typeface="Arial" panose="020B0604020202020204" pitchFamily="34" charset="0"/>
+                        <a:ea typeface="Times New Roman" panose="02020603050405020304" pitchFamily="18" charset="0"/>
+                        <a:cs typeface="Arial" panose="020B0604020202020204" pitchFamily="34" charset="0"/>
+                      </a:endParaRPr>
+                    </a:p>
+                  </a:txBody>
+                  <a:tcPr marL="68580" marR="68580" marT="0" marB="0"/>
+                </a:tc>
+                <a:tc>
+                  <a:txBody>
+                    <a:bodyPr/>
+                    <a:lstStyle/>
+                    <a:p>
+                      <a:pPr algn="just">
+                        <a:lnSpc>
+                          <a:spcPct val="150000"/>
+                        </a:lnSpc>
+                        <a:spcAft>
+                          <a:spcPts val="0"/>
+                        </a:spcAft>
+                      </a:pPr>
+                      <a:r>
+                        <a:rPr lang="ru-RU" sz="1400" b="0">
+                          <a:effectLst/>
+                          <a:latin typeface="Arial" panose="020B0604020202020204" pitchFamily="34" charset="0"/>
+                          <a:cs typeface="Arial" panose="020B0604020202020204" pitchFamily="34" charset="0"/>
+                        </a:rPr>
+                        <a:t>-</a:t>
+                      </a:r>
+                      <a:endParaRPr lang="ru-RU" sz="1400" b="0">
+                        <a:effectLst/>
+                        <a:latin typeface="Arial" panose="020B0604020202020204" pitchFamily="34" charset="0"/>
+                        <a:ea typeface="Times New Roman" panose="02020603050405020304" pitchFamily="18" charset="0"/>
+                        <a:cs typeface="Arial" panose="020B0604020202020204" pitchFamily="34" charset="0"/>
+                      </a:endParaRPr>
+                    </a:p>
+                  </a:txBody>
+                  <a:tcPr marL="68580" marR="68580" marT="0" marB="0"/>
+                </a:tc>
+                <a:tc>
+                  <a:txBody>
+                    <a:bodyPr/>
+                    <a:lstStyle/>
+                    <a:p>
+                      <a:pPr algn="just">
+                        <a:lnSpc>
+                          <a:spcPct val="150000"/>
+                        </a:lnSpc>
+                        <a:spcAft>
+                          <a:spcPts val="0"/>
+                        </a:spcAft>
+                      </a:pPr>
+                      <a:r>
+                        <a:rPr lang="ru-RU" sz="1400" b="0">
+                          <a:effectLst/>
+                          <a:latin typeface="Arial" panose="020B0604020202020204" pitchFamily="34" charset="0"/>
+                          <a:cs typeface="Arial" panose="020B0604020202020204" pitchFamily="34" charset="0"/>
+                        </a:rPr>
+                        <a:t>-</a:t>
+                      </a:r>
+                      <a:endParaRPr lang="ru-RU" sz="1400" b="0">
+                        <a:effectLst/>
+                        <a:latin typeface="Arial" panose="020B0604020202020204" pitchFamily="34" charset="0"/>
+                        <a:ea typeface="Times New Roman" panose="02020603050405020304" pitchFamily="18" charset="0"/>
+                        <a:cs typeface="Arial" panose="020B0604020202020204" pitchFamily="34" charset="0"/>
+                      </a:endParaRPr>
+                    </a:p>
+                  </a:txBody>
+                  <a:tcPr marL="68580" marR="68580" marT="0" marB="0"/>
+                </a:tc>
+                <a:extLst>
+                  <a:ext uri="{0D108BD9-81ED-4DB2-BD59-A6C34878D82A}">
+                    <a16:rowId xmlns:a16="http://schemas.microsoft.com/office/drawing/2014/main" val="1535980815"/>
+                  </a:ext>
+                </a:extLst>
+              </a:tr>
+              <a:tr h="352788">
+                <a:tc>
+                  <a:txBody>
+                    <a:bodyPr/>
+                    <a:lstStyle/>
+                    <a:p>
+                      <a:pPr algn="just">
+                        <a:lnSpc>
+                          <a:spcPct val="150000"/>
+                        </a:lnSpc>
+                        <a:spcAft>
+                          <a:spcPts val="0"/>
+                        </a:spcAft>
+                      </a:pPr>
+                      <a:r>
+                        <a:rPr lang="en-US" sz="1400" b="0" dirty="0" smtClean="0">
+                          <a:effectLst/>
+                          <a:latin typeface="Arial" panose="020B0604020202020204" pitchFamily="34" charset="0"/>
+                          <a:cs typeface="Arial" panose="020B0604020202020204" pitchFamily="34" charset="0"/>
+                        </a:rPr>
+                        <a:t>Spring</a:t>
+                      </a:r>
+                      <a:endParaRPr lang="ru-RU" sz="1400" b="0" dirty="0">
+                        <a:effectLst/>
+                        <a:latin typeface="Arial" panose="020B0604020202020204" pitchFamily="34" charset="0"/>
+                        <a:ea typeface="Times New Roman" panose="02020603050405020304" pitchFamily="18" charset="0"/>
+                        <a:cs typeface="Arial" panose="020B0604020202020204" pitchFamily="34" charset="0"/>
+                      </a:endParaRPr>
+                    </a:p>
+                  </a:txBody>
+                  <a:tcPr marL="68580" marR="68580" marT="0" marB="0"/>
+                </a:tc>
+                <a:tc>
+                  <a:txBody>
+                    <a:bodyPr/>
+                    <a:lstStyle/>
+                    <a:p>
+                      <a:pPr algn="just">
+                        <a:lnSpc>
+                          <a:spcPct val="150000"/>
+                        </a:lnSpc>
+                        <a:spcAft>
+                          <a:spcPts val="0"/>
+                        </a:spcAft>
+                      </a:pPr>
+                      <a:r>
+                        <a:rPr lang="ru-RU" sz="1400" b="0" dirty="0">
+                          <a:effectLst/>
+                          <a:latin typeface="Arial" panose="020B0604020202020204" pitchFamily="34" charset="0"/>
+                          <a:cs typeface="Arial" panose="020B0604020202020204" pitchFamily="34" charset="0"/>
+                        </a:rPr>
+                        <a:t>Сложный</a:t>
+                      </a:r>
+                      <a:endParaRPr lang="ru-RU" sz="1400" b="0" dirty="0">
+                        <a:effectLst/>
+                        <a:latin typeface="Arial" panose="020B0604020202020204" pitchFamily="34" charset="0"/>
+                        <a:ea typeface="Times New Roman" panose="02020603050405020304" pitchFamily="18" charset="0"/>
+                        <a:cs typeface="Arial" panose="020B0604020202020204" pitchFamily="34" charset="0"/>
+                      </a:endParaRPr>
+                    </a:p>
+                  </a:txBody>
+                  <a:tcPr marL="68580" marR="68580" marT="0" marB="0"/>
+                </a:tc>
+                <a:tc>
+                  <a:txBody>
+                    <a:bodyPr/>
+                    <a:lstStyle/>
+                    <a:p>
+                      <a:pPr algn="just">
+                        <a:lnSpc>
+                          <a:spcPct val="150000"/>
+                        </a:lnSpc>
+                        <a:spcAft>
+                          <a:spcPts val="0"/>
+                        </a:spcAft>
+                      </a:pPr>
+                      <a:r>
+                        <a:rPr lang="ru-RU" sz="1400" b="0">
+                          <a:effectLst/>
+                          <a:latin typeface="Arial" panose="020B0604020202020204" pitchFamily="34" charset="0"/>
+                          <a:cs typeface="Arial" panose="020B0604020202020204" pitchFamily="34" charset="0"/>
+                        </a:rPr>
+                        <a:t>-</a:t>
+                      </a:r>
+                      <a:endParaRPr lang="ru-RU" sz="1400" b="0">
+                        <a:effectLst/>
+                        <a:latin typeface="Arial" panose="020B0604020202020204" pitchFamily="34" charset="0"/>
+                        <a:ea typeface="Times New Roman" panose="02020603050405020304" pitchFamily="18" charset="0"/>
+                        <a:cs typeface="Arial" panose="020B0604020202020204" pitchFamily="34" charset="0"/>
+                      </a:endParaRPr>
+                    </a:p>
+                  </a:txBody>
+                  <a:tcPr marL="68580" marR="68580" marT="0" marB="0"/>
+                </a:tc>
+                <a:tc>
+                  <a:txBody>
+                    <a:bodyPr/>
+                    <a:lstStyle/>
+                    <a:p>
+                      <a:pPr algn="just">
+                        <a:lnSpc>
+                          <a:spcPct val="150000"/>
+                        </a:lnSpc>
+                        <a:spcAft>
+                          <a:spcPts val="0"/>
+                        </a:spcAft>
+                      </a:pPr>
+                      <a:r>
+                        <a:rPr lang="ru-RU" sz="1400" b="0" dirty="0">
+                          <a:effectLst/>
+                          <a:latin typeface="Arial" panose="020B0604020202020204" pitchFamily="34" charset="0"/>
+                          <a:cs typeface="Arial" panose="020B0604020202020204" pitchFamily="34" charset="0"/>
+                        </a:rPr>
+                        <a:t>+</a:t>
+                      </a:r>
+                      <a:endParaRPr lang="ru-RU" sz="1400" b="0" dirty="0">
+                        <a:effectLst/>
+                        <a:latin typeface="Arial" panose="020B0604020202020204" pitchFamily="34" charset="0"/>
+                        <a:ea typeface="Times New Roman" panose="02020603050405020304" pitchFamily="18" charset="0"/>
+                        <a:cs typeface="Arial" panose="020B0604020202020204" pitchFamily="34" charset="0"/>
+                      </a:endParaRPr>
+                    </a:p>
+                  </a:txBody>
+                  <a:tcPr marL="68580" marR="68580" marT="0" marB="0"/>
+                </a:tc>
+                <a:extLst>
+                  <a:ext uri="{0D108BD9-81ED-4DB2-BD59-A6C34878D82A}">
+                    <a16:rowId xmlns:a16="http://schemas.microsoft.com/office/drawing/2014/main" val="2955378988"/>
+                  </a:ext>
+                </a:extLst>
+              </a:tr>
+            </a:tbl>
+          </a:graphicData>
+        </a:graphic>
+      </p:graphicFrame>
+    </p:spTree>
+    <p:extLst>
+      <p:ext uri="{BB962C8B-B14F-4D97-AF65-F5344CB8AC3E}">
+        <p14:creationId xmlns:p14="http://schemas.microsoft.com/office/powerpoint/2010/main" val="2508845958"/>
+      </p:ext>
+    </p:extLst>
+  </p:cSld>
+  <p:clrMapOvr>
+    <a:masterClrMapping/>
+  </p:clrMapOvr>
+  <p:timing>
+    <p:tnLst>
+      <p:par>
+        <p:cTn id="1" dur="indefinite" restart="never" nodeType="tmRoot"/>
+      </p:par>
+    </p:tnLst>
+  </p:timing>
+</p:sld>
+</file>
+
+<file path=ppt/slides/slide15.xml><?xml version="1.0" encoding="utf-8"?>
+<p:sld xmlns:a="http://schemas.openxmlformats.org/drawingml/2006/main" xmlns:r="http://schemas.openxmlformats.org/officeDocument/2006/relationships" xmlns:p="http://schemas.openxmlformats.org/presentationml/2006/main">
+  <p:cSld>
+    <p:spTree>
+      <p:nvGrpSpPr>
+        <p:cNvPr id="1" name=""/>
+        <p:cNvGrpSpPr/>
+        <p:nvPr/>
+      </p:nvGrpSpPr>
+      <p:grpSpPr>
+        <a:xfrm>
+          <a:off x="0" y="0"/>
+          <a:ext cx="0" cy="0"/>
+          <a:chOff x="0" y="0"/>
+          <a:chExt cx="0" cy="0"/>
+        </a:xfrm>
+      </p:grpSpPr>
+      <p:sp>
+        <p:nvSpPr>
+          <p:cNvPr id="2" name="Заголовок 1"/>
+          <p:cNvSpPr>
+            <a:spLocks noGrp="1"/>
+          </p:cNvSpPr>
+          <p:nvPr>
+            <p:ph type="title"/>
+          </p:nvPr>
+        </p:nvSpPr>
+        <p:spPr>
+          <a:xfrm>
+            <a:off x="483769" y="346201"/>
+            <a:ext cx="9888955" cy="617220"/>
+          </a:xfrm>
+        </p:spPr>
+        <p:txBody>
+          <a:bodyPr>
+            <a:normAutofit/>
+          </a:bodyPr>
+          <a:lstStyle/>
+          <a:p>
+            <a:r>
+              <a:rPr lang="ru-RU" sz="3100" dirty="0" smtClean="0">
+                <a:solidFill>
+                  <a:schemeClr val="tx1"/>
+                </a:solidFill>
+                <a:latin typeface="Arial" panose="020B0604020202020204" pitchFamily="34" charset="0"/>
+                <a:cs typeface="Arial" panose="020B0604020202020204" pitchFamily="34" charset="0"/>
+              </a:rPr>
+              <a:t>Разработка программного модуля базы данных</a:t>
+            </a:r>
+            <a:endParaRPr lang="ru-RU" sz="3100" dirty="0">
+              <a:solidFill>
+                <a:schemeClr val="tx1"/>
+              </a:solidFill>
+              <a:latin typeface="Arial" panose="020B0604020202020204" pitchFamily="34" charset="0"/>
+              <a:cs typeface="Arial" panose="020B0604020202020204" pitchFamily="34" charset="0"/>
+            </a:endParaRPr>
+          </a:p>
+        </p:txBody>
+      </p:sp>
+      <p:sp>
+        <p:nvSpPr>
+          <p:cNvPr id="6" name="Номер слайда 5"/>
+          <p:cNvSpPr>
+            <a:spLocks noGrp="1"/>
+          </p:cNvSpPr>
+          <p:nvPr>
+            <p:ph type="sldNum" sz="quarter" idx="12"/>
+          </p:nvPr>
+        </p:nvSpPr>
+        <p:spPr>
+          <a:xfrm>
+            <a:off x="11185301" y="6473558"/>
+            <a:ext cx="1006699" cy="365125"/>
+          </a:xfrm>
+        </p:spPr>
+        <p:txBody>
+          <a:bodyPr/>
+          <a:lstStyle/>
+          <a:p>
+            <a:fld id="{1B847153-A715-48D2-911A-C00A5EB4142D}" type="slidenum">
+              <a:rPr lang="ru-RU" sz="3600" smtClean="0">
+                <a:solidFill>
+                  <a:schemeClr val="tx1"/>
+                </a:solidFill>
+                <a:latin typeface="Arial" panose="020B0604020202020204" pitchFamily="34" charset="0"/>
+                <a:cs typeface="Arial" panose="020B0604020202020204" pitchFamily="34" charset="0"/>
+              </a:rPr>
+              <a:t>15</a:t>
+            </a:fld>
+            <a:endParaRPr lang="ru-RU" sz="3600" dirty="0">
+              <a:solidFill>
+                <a:schemeClr val="tx1"/>
+              </a:solidFill>
+              <a:latin typeface="Arial" panose="020B0604020202020204" pitchFamily="34" charset="0"/>
+              <a:cs typeface="Arial" panose="020B0604020202020204" pitchFamily="34" charset="0"/>
+            </a:endParaRPr>
+          </a:p>
+        </p:txBody>
+      </p:sp>
+      <p:pic>
+        <p:nvPicPr>
+          <p:cNvPr id="5" name="Рисунок 4"/>
+          <p:cNvPicPr/>
+          <p:nvPr/>
+        </p:nvPicPr>
+        <p:blipFill>
+          <a:blip r:embed="rId2"/>
+          <a:stretch>
+            <a:fillRect/>
+          </a:stretch>
+        </p:blipFill>
+        <p:spPr>
+          <a:xfrm>
+            <a:off x="1972811" y="1091933"/>
+            <a:ext cx="6910869" cy="4327792"/>
+          </a:xfrm>
+          <a:prstGeom prst="rect">
+            <a:avLst/>
+          </a:prstGeom>
+        </p:spPr>
+      </p:pic>
+    </p:spTree>
+    <p:extLst>
+      <p:ext uri="{BB962C8B-B14F-4D97-AF65-F5344CB8AC3E}">
+        <p14:creationId xmlns:p14="http://schemas.microsoft.com/office/powerpoint/2010/main" val="3565944288"/>
+      </p:ext>
+    </p:extLst>
+  </p:cSld>
+  <p:clrMapOvr>
+    <a:masterClrMapping/>
+  </p:clrMapOvr>
+  <p:timing>
+    <p:tnLst>
+      <p:par>
+        <p:cTn id="1" dur="indefinite" restart="never" nodeType="tmRoot"/>
+      </p:par>
+    </p:tnLst>
+  </p:timing>
+</p:sld>
+</file>
+
+<file path=ppt/slides/slide16.xml><?xml version="1.0" encoding="utf-8"?>
+<p:sld xmlns:a="http://schemas.openxmlformats.org/drawingml/2006/main" xmlns:r="http://schemas.openxmlformats.org/officeDocument/2006/relationships" xmlns:p="http://schemas.openxmlformats.org/presentationml/2006/main">
+  <p:cSld>
+    <p:spTree>
+      <p:nvGrpSpPr>
+        <p:cNvPr id="1" name=""/>
+        <p:cNvGrpSpPr/>
+        <p:nvPr/>
+      </p:nvGrpSpPr>
+      <p:grpSpPr>
+        <a:xfrm>
+          <a:off x="0" y="0"/>
+          <a:ext cx="0" cy="0"/>
+          <a:chOff x="0" y="0"/>
+          <a:chExt cx="0" cy="0"/>
+        </a:xfrm>
+      </p:grpSpPr>
+      <p:sp>
+        <p:nvSpPr>
+          <p:cNvPr id="2" name="Заголовок 1"/>
+          <p:cNvSpPr>
+            <a:spLocks noGrp="1"/>
+          </p:cNvSpPr>
+          <p:nvPr>
+            <p:ph type="title"/>
+          </p:nvPr>
+        </p:nvSpPr>
+        <p:spPr>
+          <a:xfrm>
+            <a:off x="483769" y="346201"/>
+            <a:ext cx="8898355" cy="617220"/>
+          </a:xfrm>
+        </p:spPr>
+        <p:txBody>
+          <a:bodyPr>
+            <a:normAutofit fontScale="90000"/>
+          </a:bodyPr>
+          <a:lstStyle/>
+          <a:p>
+            <a:r>
+              <a:rPr lang="ru-RU" sz="3100" dirty="0">
+                <a:solidFill>
+                  <a:schemeClr val="tx1"/>
+                </a:solidFill>
+                <a:latin typeface="Arial" panose="020B0604020202020204" pitchFamily="34" charset="0"/>
+                <a:cs typeface="Arial" panose="020B0604020202020204" pitchFamily="34" charset="0"/>
+              </a:rPr>
+              <a:t>Разработка программного модуля серверной части</a:t>
+            </a:r>
+            <a:endParaRPr lang="ru-RU" sz="3100" dirty="0">
+              <a:solidFill>
+                <a:schemeClr val="tx1"/>
+              </a:solidFill>
+              <a:latin typeface="Arial" panose="020B0604020202020204" pitchFamily="34" charset="0"/>
+              <a:cs typeface="Arial" panose="020B0604020202020204" pitchFamily="34" charset="0"/>
+            </a:endParaRPr>
+          </a:p>
+        </p:txBody>
+      </p:sp>
+      <p:sp>
+        <p:nvSpPr>
+          <p:cNvPr id="6" name="Номер слайда 5"/>
+          <p:cNvSpPr>
+            <a:spLocks noGrp="1"/>
+          </p:cNvSpPr>
+          <p:nvPr>
+            <p:ph type="sldNum" sz="quarter" idx="12"/>
+          </p:nvPr>
+        </p:nvSpPr>
+        <p:spPr>
+          <a:xfrm>
+            <a:off x="11185301" y="6473558"/>
+            <a:ext cx="1006699" cy="365125"/>
+          </a:xfrm>
+        </p:spPr>
+        <p:txBody>
+          <a:bodyPr/>
+          <a:lstStyle/>
+          <a:p>
+            <a:fld id="{1B847153-A715-48D2-911A-C00A5EB4142D}" type="slidenum">
+              <a:rPr lang="ru-RU" sz="3600" smtClean="0">
+                <a:solidFill>
+                  <a:schemeClr val="tx1"/>
+                </a:solidFill>
+                <a:latin typeface="Arial" panose="020B0604020202020204" pitchFamily="34" charset="0"/>
+                <a:cs typeface="Arial" panose="020B0604020202020204" pitchFamily="34" charset="0"/>
+              </a:rPr>
+              <a:t>16</a:t>
+            </a:fld>
+            <a:endParaRPr lang="ru-RU" sz="3600" dirty="0">
+              <a:solidFill>
+                <a:schemeClr val="tx1"/>
+              </a:solidFill>
+              <a:latin typeface="Arial" panose="020B0604020202020204" pitchFamily="34" charset="0"/>
+              <a:cs typeface="Arial" panose="020B0604020202020204" pitchFamily="34" charset="0"/>
+            </a:endParaRPr>
+          </a:p>
+        </p:txBody>
+      </p:sp>
+      <p:pic>
+        <p:nvPicPr>
+          <p:cNvPr id="8" name="Рисунок 7"/>
+          <p:cNvPicPr/>
+          <p:nvPr/>
+        </p:nvPicPr>
+        <p:blipFill>
+          <a:blip r:embed="rId2"/>
+          <a:stretch>
+            <a:fillRect/>
+          </a:stretch>
+        </p:blipFill>
+        <p:spPr>
+          <a:xfrm>
+            <a:off x="483770" y="1291834"/>
+            <a:ext cx="4281413" cy="4561616"/>
+          </a:xfrm>
+          <a:prstGeom prst="rect">
+            <a:avLst/>
+          </a:prstGeom>
+        </p:spPr>
+      </p:pic>
+      <p:pic>
+        <p:nvPicPr>
+          <p:cNvPr id="9" name="Рисунок 8"/>
+          <p:cNvPicPr/>
+          <p:nvPr/>
+        </p:nvPicPr>
+        <p:blipFill>
+          <a:blip r:embed="rId3"/>
+          <a:stretch>
+            <a:fillRect/>
+          </a:stretch>
+        </p:blipFill>
+        <p:spPr>
+          <a:xfrm>
+            <a:off x="4953769" y="1291834"/>
+            <a:ext cx="4531521" cy="2204782"/>
+          </a:xfrm>
+          <a:prstGeom prst="rect">
+            <a:avLst/>
+          </a:prstGeom>
+        </p:spPr>
+      </p:pic>
+      <p:pic>
+        <p:nvPicPr>
+          <p:cNvPr id="10" name="Рисунок 9"/>
+          <p:cNvPicPr/>
+          <p:nvPr/>
+        </p:nvPicPr>
+        <p:blipFill>
+          <a:blip r:embed="rId4"/>
+          <a:stretch>
+            <a:fillRect/>
+          </a:stretch>
+        </p:blipFill>
+        <p:spPr>
+          <a:xfrm>
+            <a:off x="4953769" y="3640306"/>
+            <a:ext cx="4602355" cy="2213144"/>
+          </a:xfrm>
+          <a:prstGeom prst="rect">
+            <a:avLst/>
+          </a:prstGeom>
+        </p:spPr>
+      </p:pic>
+    </p:spTree>
+    <p:extLst>
+      <p:ext uri="{BB962C8B-B14F-4D97-AF65-F5344CB8AC3E}">
+        <p14:creationId xmlns:p14="http://schemas.microsoft.com/office/powerpoint/2010/main" val="2874934964"/>
+      </p:ext>
+    </p:extLst>
+  </p:cSld>
+  <p:clrMapOvr>
+    <a:masterClrMapping/>
+  </p:clrMapOvr>
+  <p:timing>
+    <p:tnLst>
+      <p:par>
+        <p:cTn id="1" dur="indefinite" restart="never" nodeType="tmRoot"/>
+      </p:par>
+    </p:tnLst>
+  </p:timing>
+</p:sld>
+</file>
+
+<file path=ppt/slides/slide17.xml><?xml version="1.0" encoding="utf-8"?>
+<p:sld xmlns:a="http://schemas.openxmlformats.org/drawingml/2006/main" xmlns:r="http://schemas.openxmlformats.org/officeDocument/2006/relationships" xmlns:p="http://schemas.openxmlformats.org/presentationml/2006/main">
+  <p:cSld>
+    <p:spTree>
+      <p:nvGrpSpPr>
+        <p:cNvPr id="1" name=""/>
+        <p:cNvGrpSpPr/>
+        <p:nvPr/>
+      </p:nvGrpSpPr>
+      <p:grpSpPr>
+        <a:xfrm>
+          <a:off x="0" y="0"/>
+          <a:ext cx="0" cy="0"/>
+          <a:chOff x="0" y="0"/>
+          <a:chExt cx="0" cy="0"/>
+        </a:xfrm>
+      </p:grpSpPr>
+      <p:sp>
+        <p:nvSpPr>
+          <p:cNvPr id="2" name="Заголовок 1"/>
+          <p:cNvSpPr>
+            <a:spLocks noGrp="1"/>
+          </p:cNvSpPr>
+          <p:nvPr>
+            <p:ph type="title"/>
+          </p:nvPr>
+        </p:nvSpPr>
+        <p:spPr>
+          <a:xfrm>
+            <a:off x="483769" y="346201"/>
+            <a:ext cx="9755606" cy="617220"/>
+          </a:xfrm>
+        </p:spPr>
+        <p:txBody>
+          <a:bodyPr>
+            <a:noAutofit/>
+          </a:bodyPr>
+          <a:lstStyle/>
+          <a:p>
+            <a:r>
+              <a:rPr lang="ru-RU" sz="3100" dirty="0" smtClean="0">
+                <a:solidFill>
+                  <a:schemeClr val="tx1"/>
+                </a:solidFill>
+                <a:latin typeface="Arial" panose="020B0604020202020204" pitchFamily="34" charset="0"/>
+                <a:cs typeface="Arial" panose="020B0604020202020204" pitchFamily="34" charset="0"/>
+              </a:rPr>
+              <a:t>Разработка программного модуля клиентской части</a:t>
+            </a:r>
+            <a:endParaRPr lang="ru-RU" sz="3100" dirty="0">
+              <a:solidFill>
+                <a:schemeClr val="tx1"/>
+              </a:solidFill>
+              <a:latin typeface="Arial" panose="020B0604020202020204" pitchFamily="34" charset="0"/>
+              <a:cs typeface="Arial" panose="020B0604020202020204" pitchFamily="34" charset="0"/>
+            </a:endParaRPr>
+          </a:p>
+        </p:txBody>
+      </p:sp>
+      <p:sp>
+        <p:nvSpPr>
+          <p:cNvPr id="6" name="Номер слайда 5"/>
+          <p:cNvSpPr>
+            <a:spLocks noGrp="1"/>
+          </p:cNvSpPr>
+          <p:nvPr>
+            <p:ph type="sldNum" sz="quarter" idx="12"/>
+          </p:nvPr>
+        </p:nvSpPr>
+        <p:spPr>
+          <a:xfrm>
+            <a:off x="11185301" y="6473558"/>
+            <a:ext cx="1006699" cy="365125"/>
+          </a:xfrm>
+        </p:spPr>
+        <p:txBody>
+          <a:bodyPr/>
+          <a:lstStyle/>
+          <a:p>
+            <a:fld id="{1B847153-A715-48D2-911A-C00A5EB4142D}" type="slidenum">
+              <a:rPr lang="ru-RU" sz="3600" smtClean="0">
+                <a:solidFill>
+                  <a:schemeClr val="tx1"/>
+                </a:solidFill>
+                <a:latin typeface="Arial" panose="020B0604020202020204" pitchFamily="34" charset="0"/>
+                <a:cs typeface="Arial" panose="020B0604020202020204" pitchFamily="34" charset="0"/>
+              </a:rPr>
+              <a:t>17</a:t>
+            </a:fld>
+            <a:endParaRPr lang="ru-RU" sz="3600" dirty="0">
+              <a:solidFill>
+                <a:schemeClr val="tx1"/>
+              </a:solidFill>
+              <a:latin typeface="Arial" panose="020B0604020202020204" pitchFamily="34" charset="0"/>
+              <a:cs typeface="Arial" panose="020B0604020202020204" pitchFamily="34" charset="0"/>
+            </a:endParaRPr>
+          </a:p>
+        </p:txBody>
+      </p:sp>
+      <p:pic>
+        <p:nvPicPr>
+          <p:cNvPr id="7" name="Рисунок 6"/>
+          <p:cNvPicPr/>
+          <p:nvPr/>
+        </p:nvPicPr>
+        <p:blipFill>
+          <a:blip r:embed="rId2"/>
+          <a:stretch>
+            <a:fillRect/>
+          </a:stretch>
+        </p:blipFill>
+        <p:spPr>
+          <a:xfrm>
+            <a:off x="7036969" y="1057020"/>
+            <a:ext cx="3914775" cy="2099310"/>
+          </a:xfrm>
+          <a:prstGeom prst="rect">
+            <a:avLst/>
+          </a:prstGeom>
+        </p:spPr>
+      </p:pic>
+      <p:pic>
+        <p:nvPicPr>
+          <p:cNvPr id="11" name="Рисунок 10"/>
+          <p:cNvPicPr/>
+          <p:nvPr/>
+        </p:nvPicPr>
+        <p:blipFill>
+          <a:blip r:embed="rId3"/>
+          <a:stretch>
+            <a:fillRect/>
+          </a:stretch>
+        </p:blipFill>
+        <p:spPr>
+          <a:xfrm>
+            <a:off x="235790" y="963421"/>
+            <a:ext cx="6412660" cy="5378959"/>
+          </a:xfrm>
+          <a:prstGeom prst="rect">
+            <a:avLst/>
+          </a:prstGeom>
+        </p:spPr>
+      </p:pic>
+      <p:pic>
+        <p:nvPicPr>
+          <p:cNvPr id="12" name="Рисунок 11"/>
+          <p:cNvPicPr/>
+          <p:nvPr/>
+        </p:nvPicPr>
+        <p:blipFill rotWithShape="1">
+          <a:blip r:embed="rId4"/>
+          <a:srcRect l="2833" t="6200" r="2164" b="5083"/>
+          <a:stretch/>
+        </p:blipFill>
+        <p:spPr bwMode="auto">
+          <a:xfrm>
+            <a:off x="6914619" y="3328783"/>
+            <a:ext cx="4774031" cy="3092450"/>
+          </a:xfrm>
+          <a:prstGeom prst="rect">
+            <a:avLst/>
+          </a:prstGeom>
+          <a:ln>
+            <a:noFill/>
+          </a:ln>
+          <a:extLst>
+            <a:ext uri="{53640926-AAD7-44D8-BBD7-CCE9431645EC}">
+              <a14:shadowObscured xmlns:a14="http://schemas.microsoft.com/office/drawing/2010/main"/>
+            </a:ext>
+          </a:extLst>
+        </p:spPr>
+      </p:pic>
+    </p:spTree>
+    <p:extLst>
+      <p:ext uri="{BB962C8B-B14F-4D97-AF65-F5344CB8AC3E}">
+        <p14:creationId xmlns:p14="http://schemas.microsoft.com/office/powerpoint/2010/main" val="800415644"/>
+      </p:ext>
+    </p:extLst>
+  </p:cSld>
+  <p:clrMapOvr>
+    <a:masterClrMapping/>
+  </p:clrMapOvr>
+  <p:timing>
+    <p:tnLst>
+      <p:par>
+        <p:cTn id="1" dur="indefinite" restart="never" nodeType="tmRoot"/>
+      </p:par>
+    </p:tnLst>
+  </p:timing>
+</p:sld>
+</file>
+
+<file path=ppt/slides/slide18.xml><?xml version="1.0" encoding="utf-8"?>
+<p:sld xmlns:a="http://schemas.openxmlformats.org/drawingml/2006/main" xmlns:r="http://schemas.openxmlformats.org/officeDocument/2006/relationships" xmlns:p="http://schemas.openxmlformats.org/presentationml/2006/main">
+  <p:cSld>
+    <p:spTree>
+      <p:nvGrpSpPr>
+        <p:cNvPr id="1" name=""/>
+        <p:cNvGrpSpPr/>
+        <p:nvPr/>
+      </p:nvGrpSpPr>
+      <p:grpSpPr>
+        <a:xfrm>
+          <a:off x="0" y="0"/>
+          <a:ext cx="0" cy="0"/>
+          <a:chOff x="0" y="0"/>
+          <a:chExt cx="0" cy="0"/>
+        </a:xfrm>
+      </p:grpSpPr>
+      <p:sp>
+        <p:nvSpPr>
+          <p:cNvPr id="2" name="Заголовок 1"/>
+          <p:cNvSpPr>
+            <a:spLocks noGrp="1"/>
+          </p:cNvSpPr>
+          <p:nvPr>
+            <p:ph type="title"/>
+          </p:nvPr>
+        </p:nvSpPr>
+        <p:spPr>
+          <a:xfrm>
+            <a:off x="483770" y="346201"/>
+            <a:ext cx="9898480" cy="617220"/>
+          </a:xfrm>
+        </p:spPr>
+        <p:txBody>
+          <a:bodyPr>
+            <a:normAutofit/>
+          </a:bodyPr>
+          <a:lstStyle/>
+          <a:p>
+            <a:r>
+              <a:rPr lang="ru-RU" sz="3100" dirty="0">
+                <a:solidFill>
+                  <a:schemeClr val="tx1"/>
+                </a:solidFill>
+                <a:latin typeface="Arial" panose="020B0604020202020204" pitchFamily="34" charset="0"/>
+                <a:cs typeface="Arial" panose="020B0604020202020204" pitchFamily="34" charset="0"/>
+              </a:rPr>
+              <a:t>Результаты </a:t>
+            </a:r>
+            <a:r>
+              <a:rPr lang="ru-RU" sz="3100" dirty="0" smtClean="0">
+                <a:solidFill>
+                  <a:schemeClr val="tx1"/>
+                </a:solidFill>
+                <a:latin typeface="Arial" panose="020B0604020202020204" pitchFamily="34" charset="0"/>
+                <a:cs typeface="Arial" panose="020B0604020202020204" pitchFamily="34" charset="0"/>
+              </a:rPr>
+              <a:t>выпускной квалификационной </a:t>
+            </a:r>
+            <a:r>
+              <a:rPr lang="ru-RU" sz="3100" dirty="0">
+                <a:solidFill>
+                  <a:schemeClr val="tx1"/>
+                </a:solidFill>
+                <a:latin typeface="Arial" panose="020B0604020202020204" pitchFamily="34" charset="0"/>
+                <a:cs typeface="Arial" panose="020B0604020202020204" pitchFamily="34" charset="0"/>
+              </a:rPr>
+              <a:t>работы</a:t>
+            </a:r>
+            <a:endParaRPr lang="ru-RU" sz="3100" dirty="0">
+              <a:solidFill>
+                <a:schemeClr val="tx1"/>
+              </a:solidFill>
+              <a:latin typeface="Arial" panose="020B0604020202020204" pitchFamily="34" charset="0"/>
+              <a:cs typeface="Arial" panose="020B0604020202020204" pitchFamily="34" charset="0"/>
+            </a:endParaRPr>
+          </a:p>
+        </p:txBody>
+      </p:sp>
+      <p:sp>
+        <p:nvSpPr>
+          <p:cNvPr id="3" name="Объект 2"/>
+          <p:cNvSpPr>
+            <a:spLocks noGrp="1"/>
+          </p:cNvSpPr>
+          <p:nvPr>
+            <p:ph idx="1"/>
+          </p:nvPr>
+        </p:nvSpPr>
+        <p:spPr>
+          <a:xfrm>
+            <a:off x="483770" y="1220231"/>
+            <a:ext cx="10346156" cy="4951702"/>
+          </a:xfrm>
+        </p:spPr>
+        <p:txBody>
+          <a:bodyPr>
+            <a:normAutofit/>
+          </a:bodyPr>
+          <a:lstStyle/>
+          <a:p>
+            <a:r>
+              <a:rPr lang="ru-RU" sz="2800" dirty="0" smtClean="0">
+                <a:solidFill>
+                  <a:schemeClr val="tx1"/>
+                </a:solidFill>
+                <a:latin typeface="Arial" panose="020B0604020202020204" pitchFamily="34" charset="0"/>
+                <a:cs typeface="Arial" panose="020B0604020202020204" pitchFamily="34" charset="0"/>
+              </a:rPr>
+              <a:t>проанализирована</a:t>
+            </a:r>
+            <a:r>
+              <a:rPr lang="en-US" sz="2800" dirty="0" smtClean="0">
+                <a:solidFill>
+                  <a:schemeClr val="tx1"/>
+                </a:solidFill>
+                <a:latin typeface="Arial" panose="020B0604020202020204" pitchFamily="34" charset="0"/>
+                <a:cs typeface="Arial" panose="020B0604020202020204" pitchFamily="34" charset="0"/>
+              </a:rPr>
+              <a:t> </a:t>
+            </a:r>
+            <a:r>
+              <a:rPr lang="ru-RU" sz="2800" dirty="0" smtClean="0">
+                <a:solidFill>
+                  <a:schemeClr val="tx1"/>
+                </a:solidFill>
+                <a:latin typeface="Arial" panose="020B0604020202020204" pitchFamily="34" charset="0"/>
+                <a:cs typeface="Arial" panose="020B0604020202020204" pitchFamily="34" charset="0"/>
+              </a:rPr>
+              <a:t>предметная </a:t>
+            </a:r>
+            <a:r>
+              <a:rPr lang="ru-RU" sz="2800" dirty="0">
+                <a:solidFill>
+                  <a:schemeClr val="tx1"/>
+                </a:solidFill>
+                <a:latin typeface="Arial" panose="020B0604020202020204" pitchFamily="34" charset="0"/>
+                <a:cs typeface="Arial" panose="020B0604020202020204" pitchFamily="34" charset="0"/>
+              </a:rPr>
+              <a:t>область.</a:t>
+            </a:r>
+            <a:endParaRPr lang="en-US" sz="2800" dirty="0">
+              <a:solidFill>
+                <a:schemeClr val="tx1"/>
+              </a:solidFill>
+              <a:latin typeface="Arial" panose="020B0604020202020204" pitchFamily="34" charset="0"/>
+              <a:cs typeface="Arial" panose="020B0604020202020204" pitchFamily="34" charset="0"/>
+            </a:endParaRPr>
+          </a:p>
+          <a:p>
+            <a:r>
+              <a:rPr lang="ru-RU" sz="2800" dirty="0" smtClean="0">
+                <a:solidFill>
+                  <a:schemeClr val="tx1"/>
+                </a:solidFill>
+                <a:latin typeface="Arial" panose="020B0604020202020204" pitchFamily="34" charset="0"/>
+                <a:cs typeface="Arial" panose="020B0604020202020204" pitchFamily="34" charset="0"/>
+              </a:rPr>
+              <a:t>определена </a:t>
+            </a:r>
+            <a:r>
+              <a:rPr lang="ru-RU" sz="2800" dirty="0">
+                <a:solidFill>
+                  <a:schemeClr val="tx1"/>
+                </a:solidFill>
+                <a:latin typeface="Arial" panose="020B0604020202020204" pitchFamily="34" charset="0"/>
+                <a:cs typeface="Arial" panose="020B0604020202020204" pitchFamily="34" charset="0"/>
+              </a:rPr>
+              <a:t>классификацию ПМ обратной связи.</a:t>
+            </a:r>
+            <a:endParaRPr lang="en-US" sz="2800" dirty="0">
+              <a:solidFill>
+                <a:schemeClr val="tx1"/>
+              </a:solidFill>
+              <a:latin typeface="Arial" panose="020B0604020202020204" pitchFamily="34" charset="0"/>
+              <a:cs typeface="Arial" panose="020B0604020202020204" pitchFamily="34" charset="0"/>
+            </a:endParaRPr>
+          </a:p>
+          <a:p>
+            <a:r>
+              <a:rPr lang="ru-RU" sz="2800" dirty="0" smtClean="0">
+                <a:solidFill>
+                  <a:schemeClr val="tx1"/>
+                </a:solidFill>
+                <a:latin typeface="Arial" panose="020B0604020202020204" pitchFamily="34" charset="0"/>
+                <a:cs typeface="Arial" panose="020B0604020202020204" pitchFamily="34" charset="0"/>
+              </a:rPr>
+              <a:t>разработано техническое </a:t>
+            </a:r>
+            <a:r>
+              <a:rPr lang="ru-RU" sz="2800" dirty="0">
+                <a:solidFill>
+                  <a:schemeClr val="tx1"/>
+                </a:solidFill>
+                <a:latin typeface="Arial" panose="020B0604020202020204" pitchFamily="34" charset="0"/>
+                <a:cs typeface="Arial" panose="020B0604020202020204" pitchFamily="34" charset="0"/>
+              </a:rPr>
+              <a:t>задание.</a:t>
+            </a:r>
+            <a:endParaRPr lang="en-US" sz="2800" dirty="0">
+              <a:solidFill>
+                <a:schemeClr val="tx1"/>
+              </a:solidFill>
+              <a:latin typeface="Arial" panose="020B0604020202020204" pitchFamily="34" charset="0"/>
+              <a:cs typeface="Arial" panose="020B0604020202020204" pitchFamily="34" charset="0"/>
+            </a:endParaRPr>
+          </a:p>
+          <a:p>
+            <a:r>
+              <a:rPr lang="ru-RU" sz="2800" dirty="0" smtClean="0">
+                <a:solidFill>
+                  <a:schemeClr val="tx1"/>
+                </a:solidFill>
+                <a:latin typeface="Arial" panose="020B0604020202020204" pitchFamily="34" charset="0"/>
+                <a:cs typeface="Arial" panose="020B0604020202020204" pitchFamily="34" charset="0"/>
+              </a:rPr>
+              <a:t>проведено </a:t>
+            </a:r>
+            <a:r>
+              <a:rPr lang="ru-RU" sz="2800" dirty="0">
+                <a:solidFill>
+                  <a:schemeClr val="tx1"/>
+                </a:solidFill>
+                <a:latin typeface="Arial" panose="020B0604020202020204" pitchFamily="34" charset="0"/>
+                <a:cs typeface="Arial" panose="020B0604020202020204" pitchFamily="34" charset="0"/>
+              </a:rPr>
+              <a:t>планирование и определение затрат на разработку ПМ.</a:t>
+            </a:r>
+          </a:p>
+          <a:p>
+            <a:r>
+              <a:rPr lang="ru-RU" sz="2800" dirty="0" smtClean="0">
+                <a:solidFill>
+                  <a:schemeClr val="tx1"/>
+                </a:solidFill>
+                <a:latin typeface="Arial" panose="020B0604020202020204" pitchFamily="34" charset="0"/>
+                <a:cs typeface="Arial" panose="020B0604020202020204" pitchFamily="34" charset="0"/>
+              </a:rPr>
+              <a:t>разработана объектно-ориентированная </a:t>
+            </a:r>
+            <a:r>
+              <a:rPr lang="ru-RU" sz="2800" dirty="0">
+                <a:solidFill>
+                  <a:schemeClr val="tx1"/>
+                </a:solidFill>
+                <a:latin typeface="Arial" panose="020B0604020202020204" pitchFamily="34" charset="0"/>
+                <a:cs typeface="Arial" panose="020B0604020202020204" pitchFamily="34" charset="0"/>
+              </a:rPr>
+              <a:t>модель.</a:t>
+            </a:r>
+          </a:p>
+          <a:p>
+            <a:r>
+              <a:rPr lang="ru-RU" sz="2800" dirty="0" smtClean="0">
+                <a:solidFill>
+                  <a:schemeClr val="tx1"/>
+                </a:solidFill>
+                <a:latin typeface="Arial" panose="020B0604020202020204" pitchFamily="34" charset="0"/>
+                <a:cs typeface="Arial" panose="020B0604020202020204" pitchFamily="34" charset="0"/>
+              </a:rPr>
+              <a:t>спроектирована навигационная структура </a:t>
+            </a:r>
+            <a:r>
+              <a:rPr lang="ru-RU" sz="2800" dirty="0">
+                <a:solidFill>
+                  <a:schemeClr val="tx1"/>
+                </a:solidFill>
+                <a:latin typeface="Arial" panose="020B0604020202020204" pitchFamily="34" charset="0"/>
+                <a:cs typeface="Arial" panose="020B0604020202020204" pitchFamily="34" charset="0"/>
+              </a:rPr>
+              <a:t>системы.</a:t>
+            </a:r>
+          </a:p>
+          <a:p>
+            <a:r>
+              <a:rPr lang="ru-RU" sz="2800" dirty="0" smtClean="0">
+                <a:solidFill>
+                  <a:schemeClr val="tx1"/>
+                </a:solidFill>
+                <a:latin typeface="Arial" panose="020B0604020202020204" pitchFamily="34" charset="0"/>
+                <a:cs typeface="Arial" panose="020B0604020202020204" pitchFamily="34" charset="0"/>
+              </a:rPr>
+              <a:t>разработан программный </a:t>
+            </a:r>
+            <a:r>
+              <a:rPr lang="ru-RU" sz="2800" dirty="0">
+                <a:solidFill>
+                  <a:schemeClr val="tx1"/>
+                </a:solidFill>
+                <a:latin typeface="Arial" panose="020B0604020202020204" pitchFamily="34" charset="0"/>
+                <a:cs typeface="Arial" panose="020B0604020202020204" pitchFamily="34" charset="0"/>
+              </a:rPr>
+              <a:t>модуль.</a:t>
+            </a:r>
+          </a:p>
+          <a:p>
+            <a:r>
+              <a:rPr lang="ru-RU" sz="2800" dirty="0" smtClean="0">
+                <a:solidFill>
+                  <a:schemeClr val="tx1"/>
+                </a:solidFill>
+                <a:latin typeface="Arial" panose="020B0604020202020204" pitchFamily="34" charset="0"/>
+                <a:cs typeface="Arial" panose="020B0604020202020204" pitchFamily="34" charset="0"/>
+              </a:rPr>
+              <a:t>протестирован </a:t>
+            </a:r>
+            <a:r>
+              <a:rPr lang="ru-RU" sz="2800" dirty="0">
+                <a:solidFill>
+                  <a:schemeClr val="tx1"/>
+                </a:solidFill>
+                <a:latin typeface="Arial" panose="020B0604020202020204" pitchFamily="34" charset="0"/>
+                <a:cs typeface="Arial" panose="020B0604020202020204" pitchFamily="34" charset="0"/>
+              </a:rPr>
+              <a:t>программный модуль.</a:t>
+            </a:r>
+            <a:endParaRPr lang="en-US" sz="2800" dirty="0">
+              <a:solidFill>
+                <a:schemeClr val="tx1"/>
+              </a:solidFill>
+              <a:latin typeface="Arial" panose="020B0604020202020204" pitchFamily="34" charset="0"/>
+              <a:cs typeface="Arial" panose="020B0604020202020204" pitchFamily="34" charset="0"/>
+            </a:endParaRPr>
+          </a:p>
+          <a:p>
+            <a:endParaRPr lang="ru-RU" sz="2800" dirty="0"/>
+          </a:p>
+        </p:txBody>
+      </p:sp>
+      <p:sp>
+        <p:nvSpPr>
+          <p:cNvPr id="6" name="Номер слайда 5"/>
+          <p:cNvSpPr>
+            <a:spLocks noGrp="1"/>
+          </p:cNvSpPr>
+          <p:nvPr>
+            <p:ph type="sldNum" sz="quarter" idx="12"/>
+          </p:nvPr>
+        </p:nvSpPr>
+        <p:spPr>
+          <a:xfrm>
+            <a:off x="11508661" y="6473558"/>
+            <a:ext cx="683339" cy="365125"/>
+          </a:xfrm>
+        </p:spPr>
+        <p:txBody>
+          <a:bodyPr/>
+          <a:lstStyle/>
+          <a:p>
+            <a:fld id="{1B847153-A715-48D2-911A-C00A5EB4142D}" type="slidenum">
+              <a:rPr lang="ru-RU" sz="3600" smtClean="0">
+                <a:solidFill>
+                  <a:schemeClr val="tx1"/>
+                </a:solidFill>
+                <a:latin typeface="Arial" panose="020B0604020202020204" pitchFamily="34" charset="0"/>
+                <a:cs typeface="Arial" panose="020B0604020202020204" pitchFamily="34" charset="0"/>
+              </a:rPr>
+              <a:t>18</a:t>
+            </a:fld>
+            <a:endParaRPr lang="ru-RU" sz="3600" dirty="0">
+              <a:solidFill>
+                <a:schemeClr val="tx1"/>
+              </a:solidFill>
+              <a:latin typeface="Arial" panose="020B0604020202020204" pitchFamily="34" charset="0"/>
+              <a:cs typeface="Arial" panose="020B0604020202020204" pitchFamily="34" charset="0"/>
+            </a:endParaRPr>
+          </a:p>
+        </p:txBody>
+      </p:sp>
+    </p:spTree>
+    <p:extLst>
+      <p:ext uri="{BB962C8B-B14F-4D97-AF65-F5344CB8AC3E}">
+        <p14:creationId xmlns:p14="http://schemas.microsoft.com/office/powerpoint/2010/main" val="3495576724"/>
       </p:ext>
     </p:extLst>
   </p:cSld>
@@ -6630,54 +11354,40 @@
             <p:ph type="sldNum" sz="quarter" idx="12"/>
           </p:nvPr>
         </p:nvSpPr>
-        <p:spPr/>
+        <p:spPr>
+          <a:xfrm>
+            <a:off x="11508661" y="6473558"/>
+            <a:ext cx="683339" cy="365125"/>
+          </a:xfrm>
+        </p:spPr>
         <p:txBody>
           <a:bodyPr/>
           <a:lstStyle/>
           <a:p>
             <a:fld id="{1B847153-A715-48D2-911A-C00A5EB4142D}" type="slidenum">
-              <a:rPr lang="ru-RU" sz="2000" smtClean="0">
-                <a:solidFill>
-                  <a:schemeClr val="bg1"/>
+              <a:rPr lang="ru-RU" sz="3600" smtClean="0">
+                <a:solidFill>
+                  <a:schemeClr val="tx1"/>
                 </a:solidFill>
                 <a:latin typeface="Arial" panose="020B0604020202020204" pitchFamily="34" charset="0"/>
                 <a:cs typeface="Arial" panose="020B0604020202020204" pitchFamily="34" charset="0"/>
               </a:rPr>
               <a:t>2</a:t>
             </a:fld>
-            <a:endParaRPr lang="ru-RU" sz="2000" dirty="0">
+            <a:endParaRPr lang="ru-RU" sz="3600" dirty="0">
               <a:solidFill>
-                <a:schemeClr val="bg1"/>
+                <a:schemeClr val="tx1"/>
               </a:solidFill>
               <a:latin typeface="Arial" panose="020B0604020202020204" pitchFamily="34" charset="0"/>
               <a:cs typeface="Arial" panose="020B0604020202020204" pitchFamily="34" charset="0"/>
             </a:endParaRPr>
-          </a:p>
-        </p:txBody>
-      </p:sp>
-      <p:sp>
-        <p:nvSpPr>
-          <p:cNvPr id="5" name="Нижний колонтитул 4"/>
-          <p:cNvSpPr>
-            <a:spLocks noGrp="1"/>
-          </p:cNvSpPr>
-          <p:nvPr>
-            <p:ph type="ftr" sz="quarter" idx="11"/>
-          </p:nvPr>
-        </p:nvSpPr>
-        <p:spPr/>
-        <p:txBody>
-          <a:bodyPr/>
-          <a:lstStyle/>
-          <a:p>
-            <a:endParaRPr lang="ru-RU"/>
           </a:p>
         </p:txBody>
       </p:sp>
     </p:spTree>
     <p:extLst>
       <p:ext uri="{BB962C8B-B14F-4D97-AF65-F5344CB8AC3E}">
-        <p14:creationId xmlns:p14="http://schemas.microsoft.com/office/powerpoint/2010/main" val="708022721"/>
+        <p14:creationId xmlns:p14="http://schemas.microsoft.com/office/powerpoint/2010/main" val="819397013"/>
       </p:ext>
     </p:extLst>
   </p:cSld>
@@ -6743,13 +11453,6 @@
               </a:rPr>
               <a:t>Цель выпускной квалификационной работы</a:t>
             </a:r>
-            <a:endParaRPr lang="ru-RU" sz="3100" dirty="0">
-              <a:solidFill>
-                <a:schemeClr val="tx1"/>
-              </a:solidFill>
-              <a:latin typeface="Arial" panose="020B0604020202020204" pitchFamily="34" charset="0"/>
-              <a:cs typeface="Arial" panose="020B0604020202020204" pitchFamily="34" charset="0"/>
-            </a:endParaRPr>
           </a:p>
         </p:txBody>
       </p:sp>
@@ -6763,24 +11466,29 @@
             <p:ph type="sldNum" sz="quarter" idx="12"/>
           </p:nvPr>
         </p:nvSpPr>
-        <p:spPr/>
+        <p:spPr>
+          <a:xfrm>
+            <a:off x="11508661" y="6473558"/>
+            <a:ext cx="683339" cy="365125"/>
+          </a:xfrm>
+        </p:spPr>
         <p:txBody>
           <a:bodyPr/>
           <a:lstStyle/>
           <a:p>
             <a:fld id="{1B847153-A715-48D2-911A-C00A5EB4142D}" type="slidenum">
-              <a:rPr lang="ru-RU" sz="2000" smtClean="0">
-                <a:solidFill>
-                  <a:schemeClr val="bg1"/>
+              <a:rPr lang="ru-RU" sz="3600" smtClean="0">
+                <a:solidFill>
+                  <a:schemeClr val="tx1"/>
                 </a:solidFill>
                 <a:latin typeface="Arial" panose="020B0604020202020204" pitchFamily="34" charset="0"/>
                 <a:cs typeface="Arial" panose="020B0604020202020204" pitchFamily="34" charset="0"/>
               </a:rPr>
               <a:t>3</a:t>
             </a:fld>
-            <a:endParaRPr lang="ru-RU" sz="2000" dirty="0">
+            <a:endParaRPr lang="ru-RU" sz="3600" dirty="0">
               <a:solidFill>
-                <a:schemeClr val="bg1"/>
+                <a:schemeClr val="tx1"/>
               </a:solidFill>
               <a:latin typeface="Arial" panose="020B0604020202020204" pitchFamily="34" charset="0"/>
               <a:cs typeface="Arial" panose="020B0604020202020204" pitchFamily="34" charset="0"/>
@@ -7049,8 +11757,47 @@
                 <a:latin typeface="Arial" panose="020B0604020202020204" pitchFamily="34" charset="0"/>
                 <a:cs typeface="Arial" panose="020B0604020202020204" pitchFamily="34" charset="0"/>
               </a:rPr>
-              <a:t>	Разработка программного модуля взаимодействия с клиентами в  медицинском центре.</a:t>
-            </a:r>
+              <a:t>Разработка </a:t>
+            </a:r>
+            <a:r>
+              <a:rPr lang="ru-RU" sz="2100" dirty="0" smtClean="0">
+                <a:solidFill>
+                  <a:schemeClr val="tx1"/>
+                </a:solidFill>
+                <a:latin typeface="Arial" panose="020B0604020202020204" pitchFamily="34" charset="0"/>
+                <a:cs typeface="Arial" panose="020B0604020202020204" pitchFamily="34" charset="0"/>
+              </a:rPr>
+              <a:t>программного модуля взаимодействия с клиентами в  медицинском центре</a:t>
+            </a:r>
+            <a:r>
+              <a:rPr lang="ru-RU" sz="2100" dirty="0" smtClean="0">
+                <a:solidFill>
+                  <a:schemeClr val="tx1"/>
+                </a:solidFill>
+                <a:latin typeface="Arial" panose="020B0604020202020204" pitchFamily="34" charset="0"/>
+                <a:cs typeface="Arial" panose="020B0604020202020204" pitchFamily="34" charset="0"/>
+              </a:rPr>
+              <a:t>.</a:t>
+            </a:r>
+          </a:p>
+          <a:p>
+            <a:pPr marL="0" indent="0" algn="just">
+              <a:buFont typeface="Wingdings 3" charset="2"/>
+              <a:buNone/>
+            </a:pPr>
+            <a:endParaRPr lang="ru-RU" sz="2100" dirty="0">
+              <a:solidFill>
+                <a:schemeClr val="tx1"/>
+              </a:solidFill>
+              <a:latin typeface="Arial" panose="020B0604020202020204" pitchFamily="34" charset="0"/>
+              <a:cs typeface="Arial" panose="020B0604020202020204" pitchFamily="34" charset="0"/>
+            </a:endParaRPr>
+          </a:p>
+          <a:p>
+            <a:pPr marL="0" indent="0" algn="just">
+              <a:buFont typeface="Wingdings 3" charset="2"/>
+              <a:buNone/>
+            </a:pPr>
             <a:endParaRPr lang="ru-RU" sz="2100" dirty="0">
               <a:solidFill>
                 <a:schemeClr val="tx1"/>
@@ -7071,7 +11818,7 @@
         </p:nvSpPr>
         <p:spPr>
           <a:xfrm>
-            <a:off x="483770" y="1702562"/>
+            <a:off x="548163" y="2256356"/>
             <a:ext cx="9731586" cy="624839"/>
           </a:xfrm>
           <a:prstGeom prst="rect">
@@ -7163,7 +11910,17 @@
                 <a:latin typeface="Arial" panose="020B0604020202020204" pitchFamily="34" charset="0"/>
                 <a:cs typeface="Arial" panose="020B0604020202020204" pitchFamily="34" charset="0"/>
               </a:rPr>
-              <a:t>Задачи выпускной квалификационной работы</a:t>
+              <a:t>Задачи </a:t>
+            </a:r>
+            <a:r>
+              <a:rPr lang="ru-RU" sz="3100" dirty="0" smtClean="0">
+                <a:solidFill>
+                  <a:schemeClr val="tx1"/>
+                </a:solidFill>
+                <a:latin typeface="Arial" panose="020B0604020202020204" pitchFamily="34" charset="0"/>
+                <a:cs typeface="Arial" panose="020B0604020202020204" pitchFamily="34" charset="0"/>
+              </a:rPr>
+              <a:t>выпускной квалификационной работы</a:t>
             </a:r>
             <a:endParaRPr lang="ru-RU" sz="3100" dirty="0">
               <a:solidFill>
@@ -7187,7 +11944,7 @@
         </p:nvSpPr>
         <p:spPr>
           <a:xfrm>
-            <a:off x="483769" y="2373609"/>
+            <a:off x="548163" y="2891523"/>
             <a:ext cx="9007686" cy="3947160"/>
           </a:xfrm>
         </p:spPr>
@@ -7534,7 +12291,7 @@
         </p:nvSpPr>
         <p:spPr>
           <a:xfrm>
-            <a:off x="483770" y="1026540"/>
+            <a:off x="483770" y="1309356"/>
             <a:ext cx="8596668" cy="4951702"/>
           </a:xfrm>
         </p:spPr>
@@ -7664,7 +12421,11 @@
             <a:pPr marL="0" indent="0">
               <a:buNone/>
             </a:pPr>
-            <a:endParaRPr lang="ru-RU" sz="2400" dirty="0"/>
+            <a:endParaRPr lang="ru-RU" sz="2400" dirty="0">
+              <a:solidFill>
+                <a:schemeClr val="tx1"/>
+              </a:solidFill>
+            </a:endParaRPr>
           </a:p>
         </p:txBody>
       </p:sp>
@@ -7678,24 +12439,29 @@
             <p:ph type="sldNum" sz="quarter" idx="12"/>
           </p:nvPr>
         </p:nvSpPr>
-        <p:spPr/>
+        <p:spPr>
+          <a:xfrm>
+            <a:off x="11508661" y="6460680"/>
+            <a:ext cx="683339" cy="365125"/>
+          </a:xfrm>
+        </p:spPr>
         <p:txBody>
           <a:bodyPr/>
           <a:lstStyle/>
           <a:p>
             <a:fld id="{1B847153-A715-48D2-911A-C00A5EB4142D}" type="slidenum">
-              <a:rPr lang="ru-RU" sz="2000" smtClean="0">
-                <a:solidFill>
-                  <a:schemeClr val="bg1"/>
+              <a:rPr lang="ru-RU" sz="3600" smtClean="0">
+                <a:solidFill>
+                  <a:schemeClr val="tx1"/>
                 </a:solidFill>
                 <a:latin typeface="Arial" panose="020B0604020202020204" pitchFamily="34" charset="0"/>
                 <a:cs typeface="Arial" panose="020B0604020202020204" pitchFamily="34" charset="0"/>
               </a:rPr>
               <a:t>4</a:t>
             </a:fld>
-            <a:endParaRPr lang="ru-RU" sz="2000" dirty="0">
+            <a:endParaRPr lang="ru-RU" sz="3600" dirty="0">
               <a:solidFill>
-                <a:schemeClr val="bg1"/>
+                <a:schemeClr val="tx1"/>
               </a:solidFill>
               <a:latin typeface="Arial" panose="020B0604020202020204" pitchFamily="34" charset="0"/>
               <a:cs typeface="Arial" panose="020B0604020202020204" pitchFamily="34" charset="0"/>
@@ -7785,24 +12551,29 @@
             <p:ph type="sldNum" sz="quarter" idx="12"/>
           </p:nvPr>
         </p:nvSpPr>
-        <p:spPr/>
+        <p:spPr>
+          <a:xfrm>
+            <a:off x="11508661" y="6473558"/>
+            <a:ext cx="683339" cy="365125"/>
+          </a:xfrm>
+        </p:spPr>
         <p:txBody>
           <a:bodyPr/>
           <a:lstStyle/>
           <a:p>
             <a:fld id="{1B847153-A715-48D2-911A-C00A5EB4142D}" type="slidenum">
-              <a:rPr lang="ru-RU" sz="2000" smtClean="0">
-                <a:solidFill>
-                  <a:schemeClr val="bg1"/>
+              <a:rPr lang="ru-RU" sz="3600" smtClean="0">
+                <a:solidFill>
+                  <a:schemeClr val="tx1"/>
                 </a:solidFill>
                 <a:latin typeface="Arial" panose="020B0604020202020204" pitchFamily="34" charset="0"/>
                 <a:cs typeface="Arial" panose="020B0604020202020204" pitchFamily="34" charset="0"/>
               </a:rPr>
               <a:t>5</a:t>
             </a:fld>
-            <a:endParaRPr lang="ru-RU" sz="2000" dirty="0">
+            <a:endParaRPr lang="ru-RU" sz="3600" dirty="0">
               <a:solidFill>
-                <a:schemeClr val="bg1"/>
+                <a:schemeClr val="tx1"/>
               </a:solidFill>
               <a:latin typeface="Arial" panose="020B0604020202020204" pitchFamily="34" charset="0"/>
               <a:cs typeface="Arial" panose="020B0604020202020204" pitchFamily="34" charset="0"/>
@@ -7840,7 +12611,7 @@
         </p:nvSpPr>
         <p:spPr>
           <a:xfrm>
-            <a:off x="483770" y="3890098"/>
+            <a:off x="483770" y="3976361"/>
             <a:ext cx="11696700" cy="2862322"/>
           </a:xfrm>
           <a:prstGeom prst="rect">
@@ -8137,24 +12908,29 @@
             <p:ph type="sldNum" sz="quarter" idx="12"/>
           </p:nvPr>
         </p:nvSpPr>
-        <p:spPr/>
+        <p:spPr>
+          <a:xfrm>
+            <a:off x="11508661" y="6473558"/>
+            <a:ext cx="683339" cy="365125"/>
+          </a:xfrm>
+        </p:spPr>
         <p:txBody>
           <a:bodyPr/>
           <a:lstStyle/>
           <a:p>
             <a:fld id="{1B847153-A715-48D2-911A-C00A5EB4142D}" type="slidenum">
-              <a:rPr lang="ru-RU" sz="2000" smtClean="0">
-                <a:solidFill>
-                  <a:schemeClr val="bg1"/>
+              <a:rPr lang="ru-RU" sz="3600" smtClean="0">
+                <a:solidFill>
+                  <a:schemeClr val="tx1"/>
                 </a:solidFill>
                 <a:latin typeface="Arial" panose="020B0604020202020204" pitchFamily="34" charset="0"/>
                 <a:cs typeface="Arial" panose="020B0604020202020204" pitchFamily="34" charset="0"/>
               </a:rPr>
               <a:t>6</a:t>
             </a:fld>
-            <a:endParaRPr lang="ru-RU" sz="2000" dirty="0">
+            <a:endParaRPr lang="ru-RU" sz="3600" dirty="0">
               <a:solidFill>
-                <a:schemeClr val="bg1"/>
+                <a:schemeClr val="tx1"/>
               </a:solidFill>
               <a:latin typeface="Arial" panose="020B0604020202020204" pitchFamily="34" charset="0"/>
               <a:cs typeface="Arial" panose="020B0604020202020204" pitchFamily="34" charset="0"/>
@@ -8257,7 +13033,7 @@
         </p:nvSpPr>
         <p:spPr>
           <a:xfrm>
-            <a:off x="483769" y="346201"/>
+            <a:off x="528845" y="378398"/>
             <a:ext cx="9329931" cy="617220"/>
           </a:xfrm>
         </p:spPr>
@@ -8290,15 +13066,20 @@
             <p:ph type="sldNum" sz="quarter" idx="12"/>
           </p:nvPr>
         </p:nvSpPr>
-        <p:spPr/>
+        <p:spPr>
+          <a:xfrm>
+            <a:off x="11508661" y="6473558"/>
+            <a:ext cx="683339" cy="365125"/>
+          </a:xfrm>
+        </p:spPr>
         <p:txBody>
           <a:bodyPr/>
           <a:lstStyle/>
           <a:p>
             <a:fld id="{1B847153-A715-48D2-911A-C00A5EB4142D}" type="slidenum">
-              <a:rPr lang="ru-RU" sz="2000" smtClean="0">
-                <a:solidFill>
-                  <a:schemeClr val="bg1"/>
+              <a:rPr lang="ru-RU" sz="3600" smtClean="0">
+                <a:solidFill>
+                  <a:schemeClr val="tx1"/>
                 </a:solidFill>
                 <a:latin typeface="Arial" panose="020B0604020202020204" pitchFamily="34" charset="0"/>
                 <a:cs typeface="Arial" panose="020B0604020202020204" pitchFamily="34" charset="0"/>
@@ -8307,7 +13088,7 @@
             </a:fld>
             <a:endParaRPr lang="ru-RU" sz="2000" dirty="0">
               <a:solidFill>
-                <a:schemeClr val="bg1"/>
+                <a:schemeClr val="tx1"/>
               </a:solidFill>
               <a:latin typeface="Arial" panose="020B0604020202020204" pitchFamily="34" charset="0"/>
               <a:cs typeface="Arial" panose="020B0604020202020204" pitchFamily="34" charset="0"/>
@@ -8329,7 +13110,7 @@
         </p:blipFill>
         <p:spPr>
           <a:xfrm>
-            <a:off x="4230711" y="1476025"/>
+            <a:off x="4275787" y="1448095"/>
             <a:ext cx="7656492" cy="4873257"/>
           </a:xfrm>
           <a:prstGeom prst="rect">
@@ -8351,7 +13132,7 @@
         </p:blipFill>
         <p:spPr>
           <a:xfrm>
-            <a:off x="356851" y="1476026"/>
+            <a:off x="401927" y="1448096"/>
             <a:ext cx="3873860" cy="4873257"/>
           </a:xfrm>
           <a:prstGeom prst="rect">
@@ -8441,24 +13222,29 @@
             <p:ph type="sldNum" sz="quarter" idx="12"/>
           </p:nvPr>
         </p:nvSpPr>
-        <p:spPr/>
+        <p:spPr>
+          <a:xfrm>
+            <a:off x="11508661" y="6473558"/>
+            <a:ext cx="683339" cy="365125"/>
+          </a:xfrm>
+        </p:spPr>
         <p:txBody>
           <a:bodyPr/>
           <a:lstStyle/>
           <a:p>
             <a:fld id="{1B847153-A715-48D2-911A-C00A5EB4142D}" type="slidenum">
-              <a:rPr lang="ru-RU" sz="2000" smtClean="0">
-                <a:solidFill>
-                  <a:schemeClr val="bg1"/>
+              <a:rPr lang="ru-RU" sz="3600" smtClean="0">
+                <a:solidFill>
+                  <a:schemeClr val="tx1"/>
                 </a:solidFill>
                 <a:latin typeface="Arial" panose="020B0604020202020204" pitchFamily="34" charset="0"/>
                 <a:cs typeface="Arial" panose="020B0604020202020204" pitchFamily="34" charset="0"/>
               </a:rPr>
               <a:t>8</a:t>
             </a:fld>
-            <a:endParaRPr lang="ru-RU" sz="2000" dirty="0">
+            <a:endParaRPr lang="ru-RU" sz="3600" dirty="0">
               <a:solidFill>
-                <a:schemeClr val="bg1"/>
+                <a:schemeClr val="tx1"/>
               </a:solidFill>
               <a:latin typeface="Arial" panose="020B0604020202020204" pitchFamily="34" charset="0"/>
               <a:cs typeface="Arial" panose="020B0604020202020204" pitchFamily="34" charset="0"/>
@@ -8475,58 +13261,58 @@
           <p:nvPr>
             <p:extLst>
               <p:ext uri="{D42A27DB-BD31-4B8C-83A1-F6EECF244321}">
-                <p14:modId xmlns:p14="http://schemas.microsoft.com/office/powerpoint/2010/main" val="590754071"/>
+                <p14:modId xmlns:p14="http://schemas.microsoft.com/office/powerpoint/2010/main" val="1113508466"/>
               </p:ext>
             </p:extLst>
           </p:nvPr>
         </p:nvGraphicFramePr>
         <p:xfrm>
-          <a:off x="872008" y="1148476"/>
-          <a:ext cx="8117445" cy="2284447"/>
+          <a:off x="635317" y="993888"/>
+          <a:ext cx="8869291" cy="2672473"/>
         </p:xfrm>
         <a:graphic>
           <a:graphicData uri="http://schemas.openxmlformats.org/drawingml/2006/table">
             <a:tbl>
               <a:tblPr firstRow="1" firstCol="1" bandRow="1">
-                <a:tableStyleId>{9D7B26C5-4107-4FEC-AEDC-1716B250A1EF}</a:tableStyleId>
+                <a:tableStyleId>{616DA210-FB5B-4158-B5E0-FEB733F419BA}</a:tableStyleId>
               </a:tblPr>
               <a:tblGrid>
-                <a:gridCol w="1382646">
+                <a:gridCol w="1367103">
                   <a:extLst>
                     <a:ext uri="{9D8B030D-6E8A-4147-A177-3AD203B41FA5}">
                       <a16:colId xmlns:a16="http://schemas.microsoft.com/office/drawing/2014/main" val="3959571459"/>
                     </a:ext>
                   </a:extLst>
                 </a:gridCol>
-                <a:gridCol w="1382646">
+                <a:gridCol w="1346087">
                   <a:extLst>
                     <a:ext uri="{9D8B030D-6E8A-4147-A177-3AD203B41FA5}">
                       <a16:colId xmlns:a16="http://schemas.microsoft.com/office/drawing/2014/main" val="2588252852"/>
                     </a:ext>
                   </a:extLst>
                 </a:gridCol>
-                <a:gridCol w="1382646">
+                <a:gridCol w="1081825">
                   <a:extLst>
                     <a:ext uri="{9D8B030D-6E8A-4147-A177-3AD203B41FA5}">
                       <a16:colId xmlns:a16="http://schemas.microsoft.com/office/drawing/2014/main" val="583626526"/>
                     </a:ext>
                   </a:extLst>
                 </a:gridCol>
-                <a:gridCol w="1296335">
+                <a:gridCol w="1551905">
                   <a:extLst>
                     <a:ext uri="{9D8B030D-6E8A-4147-A177-3AD203B41FA5}">
                       <a16:colId xmlns:a16="http://schemas.microsoft.com/office/drawing/2014/main" val="73681839"/>
                     </a:ext>
                   </a:extLst>
                 </a:gridCol>
-                <a:gridCol w="1629133">
+                <a:gridCol w="2054180">
                   <a:extLst>
                     <a:ext uri="{9D8B030D-6E8A-4147-A177-3AD203B41FA5}">
                       <a16:colId xmlns:a16="http://schemas.microsoft.com/office/drawing/2014/main" val="502894429"/>
                     </a:ext>
                   </a:extLst>
                 </a:gridCol>
-                <a:gridCol w="1044039">
+                <a:gridCol w="1468191">
                   <a:extLst>
                     <a:ext uri="{9D8B030D-6E8A-4147-A177-3AD203B41FA5}">
                       <a16:colId xmlns:a16="http://schemas.microsoft.com/office/drawing/2014/main" val="469887308"/>
@@ -8534,7 +13320,7 @@
                   </a:extLst>
                 </a:gridCol>
               </a:tblGrid>
-              <a:tr h="415288">
+              <a:tr h="485827">
                 <a:tc>
                   <a:txBody>
                     <a:bodyPr/>
@@ -8553,16 +13339,18 @@
                         </a:tabLst>
                       </a:pPr>
                       <a:r>
-                        <a:rPr lang="ru-RU" sz="1400" dirty="0">
+                        <a:rPr lang="ru-RU" sz="2000" dirty="0">
                           <a:effectLst/>
+                          <a:latin typeface="Arial" panose="020B0604020202020204" pitchFamily="34" charset="0"/>
+                          <a:cs typeface="Arial" panose="020B0604020202020204" pitchFamily="34" charset="0"/>
                         </a:rPr>
                         <a:t>Название</a:t>
                       </a:r>
-                      <a:endParaRPr lang="ru-RU" sz="1100" dirty="0">
+                      <a:endParaRPr lang="ru-RU" sz="1600" dirty="0">
                         <a:effectLst/>
-                        <a:latin typeface="Calibri" panose="020F0502020204030204" pitchFamily="34" charset="0"/>
+                        <a:latin typeface="Arial" panose="020B0604020202020204" pitchFamily="34" charset="0"/>
                         <a:ea typeface="Calibri" panose="020F0502020204030204" pitchFamily="34" charset="0"/>
-                        <a:cs typeface="Times New Roman" panose="02020603050405020304" pitchFamily="18" charset="0"/>
+                        <a:cs typeface="Arial" panose="020B0604020202020204" pitchFamily="34" charset="0"/>
                       </a:endParaRPr>
                     </a:p>
                   </a:txBody>
@@ -8586,16 +13374,18 @@
                         </a:tabLst>
                       </a:pPr>
                       <a:r>
-                        <a:rPr lang="ru-RU" sz="1400">
+                        <a:rPr lang="ru-RU" sz="2000" dirty="0">
                           <a:effectLst/>
+                          <a:latin typeface="Arial" panose="020B0604020202020204" pitchFamily="34" charset="0"/>
+                          <a:cs typeface="Arial" panose="020B0604020202020204" pitchFamily="34" charset="0"/>
                         </a:rPr>
                         <a:t>Удобство</a:t>
                       </a:r>
-                      <a:endParaRPr lang="ru-RU" sz="1100">
+                      <a:endParaRPr lang="ru-RU" sz="1600" dirty="0">
                         <a:effectLst/>
-                        <a:latin typeface="Calibri" panose="020F0502020204030204" pitchFamily="34" charset="0"/>
+                        <a:latin typeface="Arial" panose="020B0604020202020204" pitchFamily="34" charset="0"/>
                         <a:ea typeface="Calibri" panose="020F0502020204030204" pitchFamily="34" charset="0"/>
-                        <a:cs typeface="Times New Roman" panose="02020603050405020304" pitchFamily="18" charset="0"/>
+                        <a:cs typeface="Arial" panose="020B0604020202020204" pitchFamily="34" charset="0"/>
                       </a:endParaRPr>
                     </a:p>
                   </a:txBody>
@@ -8619,16 +13409,18 @@
                         </a:tabLst>
                       </a:pPr>
                       <a:r>
-                        <a:rPr lang="ru-RU" sz="1400">
+                        <a:rPr lang="ru-RU" sz="2000">
                           <a:effectLst/>
+                          <a:latin typeface="Arial" panose="020B0604020202020204" pitchFamily="34" charset="0"/>
+                          <a:cs typeface="Arial" panose="020B0604020202020204" pitchFamily="34" charset="0"/>
                         </a:rPr>
                         <a:t>Оплата</a:t>
                       </a:r>
-                      <a:endParaRPr lang="ru-RU" sz="1100">
+                      <a:endParaRPr lang="ru-RU" sz="1600">
                         <a:effectLst/>
-                        <a:latin typeface="Calibri" panose="020F0502020204030204" pitchFamily="34" charset="0"/>
+                        <a:latin typeface="Arial" panose="020B0604020202020204" pitchFamily="34" charset="0"/>
                         <a:ea typeface="Calibri" panose="020F0502020204030204" pitchFamily="34" charset="0"/>
-                        <a:cs typeface="Times New Roman" panose="02020603050405020304" pitchFamily="18" charset="0"/>
+                        <a:cs typeface="Arial" panose="020B0604020202020204" pitchFamily="34" charset="0"/>
                       </a:endParaRPr>
                     </a:p>
                   </a:txBody>
@@ -8652,16 +13444,18 @@
                         </a:tabLst>
                       </a:pPr>
                       <a:r>
-                        <a:rPr lang="ru-RU" sz="1400">
+                        <a:rPr lang="ru-RU" sz="2000">
                           <a:effectLst/>
+                          <a:latin typeface="Arial" panose="020B0604020202020204" pitchFamily="34" charset="0"/>
+                          <a:cs typeface="Arial" panose="020B0604020202020204" pitchFamily="34" charset="0"/>
                         </a:rPr>
                         <a:t>Поддержка</a:t>
                       </a:r>
-                      <a:endParaRPr lang="ru-RU" sz="1100">
+                      <a:endParaRPr lang="ru-RU" sz="1600">
                         <a:effectLst/>
-                        <a:latin typeface="Calibri" panose="020F0502020204030204" pitchFamily="34" charset="0"/>
+                        <a:latin typeface="Arial" panose="020B0604020202020204" pitchFamily="34" charset="0"/>
                         <a:ea typeface="Calibri" panose="020F0502020204030204" pitchFamily="34" charset="0"/>
-                        <a:cs typeface="Times New Roman" panose="02020603050405020304" pitchFamily="18" charset="0"/>
+                        <a:cs typeface="Arial" panose="020B0604020202020204" pitchFamily="34" charset="0"/>
                       </a:endParaRPr>
                     </a:p>
                   </a:txBody>
@@ -8685,16 +13479,18 @@
                         </a:tabLst>
                       </a:pPr>
                       <a:r>
-                        <a:rPr lang="ru-RU" sz="1400">
+                        <a:rPr lang="ru-RU" sz="2000" dirty="0">
                           <a:effectLst/>
+                          <a:latin typeface="Arial" panose="020B0604020202020204" pitchFamily="34" charset="0"/>
+                          <a:cs typeface="Arial" panose="020B0604020202020204" pitchFamily="34" charset="0"/>
                         </a:rPr>
                         <a:t>Безопасность</a:t>
                       </a:r>
-                      <a:endParaRPr lang="ru-RU" sz="1100">
+                      <a:endParaRPr lang="ru-RU" sz="1600" dirty="0">
                         <a:effectLst/>
-                        <a:latin typeface="Calibri" panose="020F0502020204030204" pitchFamily="34" charset="0"/>
+                        <a:latin typeface="Arial" panose="020B0604020202020204" pitchFamily="34" charset="0"/>
                         <a:ea typeface="Calibri" panose="020F0502020204030204" pitchFamily="34" charset="0"/>
-                        <a:cs typeface="Times New Roman" panose="02020603050405020304" pitchFamily="18" charset="0"/>
+                        <a:cs typeface="Arial" panose="020B0604020202020204" pitchFamily="34" charset="0"/>
                       </a:endParaRPr>
                     </a:p>
                   </a:txBody>
@@ -8718,16 +13514,18 @@
                         </a:tabLst>
                       </a:pPr>
                       <a:r>
-                        <a:rPr lang="ru-RU" sz="1400" dirty="0">
+                        <a:rPr lang="ru-RU" sz="2000" dirty="0">
                           <a:effectLst/>
+                          <a:latin typeface="Arial" panose="020B0604020202020204" pitchFamily="34" charset="0"/>
+                          <a:cs typeface="Arial" panose="020B0604020202020204" pitchFamily="34" charset="0"/>
                         </a:rPr>
                         <a:t>Простота</a:t>
                       </a:r>
-                      <a:endParaRPr lang="ru-RU" sz="1100" dirty="0">
+                      <a:endParaRPr lang="ru-RU" sz="1600" dirty="0">
                         <a:effectLst/>
-                        <a:latin typeface="Calibri" panose="020F0502020204030204" pitchFamily="34" charset="0"/>
+                        <a:latin typeface="Arial" panose="020B0604020202020204" pitchFamily="34" charset="0"/>
                         <a:ea typeface="Calibri" panose="020F0502020204030204" pitchFamily="34" charset="0"/>
-                        <a:cs typeface="Times New Roman" panose="02020603050405020304" pitchFamily="18" charset="0"/>
+                        <a:cs typeface="Arial" panose="020B0604020202020204" pitchFamily="34" charset="0"/>
                       </a:endParaRPr>
                     </a:p>
                   </a:txBody>
@@ -8739,7 +13537,7 @@
                   </a:ext>
                 </a:extLst>
               </a:tr>
-              <a:tr h="623053">
+              <a:tr h="728882">
                 <a:tc>
                   <a:txBody>
                     <a:bodyPr/>
@@ -8758,16 +13556,18 @@
                         </a:tabLst>
                       </a:pPr>
                       <a:r>
-                        <a:rPr lang="en-US" sz="1400">
+                        <a:rPr lang="en-US" sz="2000">
                           <a:effectLst/>
+                          <a:latin typeface="Arial" panose="020B0604020202020204" pitchFamily="34" charset="0"/>
+                          <a:cs typeface="Arial" panose="020B0604020202020204" pitchFamily="34" charset="0"/>
                         </a:rPr>
                         <a:t>Trello</a:t>
                       </a:r>
-                      <a:endParaRPr lang="ru-RU" sz="1100">
+                      <a:endParaRPr lang="ru-RU" sz="1600">
                         <a:effectLst/>
-                        <a:latin typeface="Calibri" panose="020F0502020204030204" pitchFamily="34" charset="0"/>
+                        <a:latin typeface="Arial" panose="020B0604020202020204" pitchFamily="34" charset="0"/>
                         <a:ea typeface="Calibri" panose="020F0502020204030204" pitchFamily="34" charset="0"/>
-                        <a:cs typeface="Times New Roman" panose="02020603050405020304" pitchFamily="18" charset="0"/>
+                        <a:cs typeface="Arial" panose="020B0604020202020204" pitchFamily="34" charset="0"/>
                       </a:endParaRPr>
                     </a:p>
                   </a:txBody>
@@ -8791,16 +13591,18 @@
                         </a:tabLst>
                       </a:pPr>
                       <a:r>
-                        <a:rPr lang="ru-RU" sz="1400" dirty="0">
+                        <a:rPr lang="ru-RU" sz="2000" dirty="0">
                           <a:effectLst/>
+                          <a:latin typeface="Arial" panose="020B0604020202020204" pitchFamily="34" charset="0"/>
+                          <a:cs typeface="Arial" panose="020B0604020202020204" pitchFamily="34" charset="0"/>
                         </a:rPr>
                         <a:t>-</a:t>
                       </a:r>
-                      <a:endParaRPr lang="ru-RU" sz="1100" dirty="0">
+                      <a:endParaRPr lang="ru-RU" sz="1600" dirty="0">
                         <a:effectLst/>
-                        <a:latin typeface="Calibri" panose="020F0502020204030204" pitchFamily="34" charset="0"/>
+                        <a:latin typeface="Arial" panose="020B0604020202020204" pitchFamily="34" charset="0"/>
                         <a:ea typeface="Calibri" panose="020F0502020204030204" pitchFamily="34" charset="0"/>
-                        <a:cs typeface="Times New Roman" panose="02020603050405020304" pitchFamily="18" charset="0"/>
+                        <a:cs typeface="Arial" panose="020B0604020202020204" pitchFamily="34" charset="0"/>
                       </a:endParaRPr>
                     </a:p>
                   </a:txBody>
@@ -8824,16 +13626,18 @@
                         </a:tabLst>
                       </a:pPr>
                       <a:r>
-                        <a:rPr lang="ru-RU" sz="1400">
+                        <a:rPr lang="ru-RU" sz="2000" dirty="0">
                           <a:effectLst/>
+                          <a:latin typeface="Arial" panose="020B0604020202020204" pitchFamily="34" charset="0"/>
+                          <a:cs typeface="Arial" panose="020B0604020202020204" pitchFamily="34" charset="0"/>
                         </a:rPr>
                         <a:t>-</a:t>
                       </a:r>
-                      <a:endParaRPr lang="ru-RU" sz="1100">
+                      <a:endParaRPr lang="ru-RU" sz="1600" dirty="0">
                         <a:effectLst/>
-                        <a:latin typeface="Calibri" panose="020F0502020204030204" pitchFamily="34" charset="0"/>
+                        <a:latin typeface="Arial" panose="020B0604020202020204" pitchFamily="34" charset="0"/>
                         <a:ea typeface="Calibri" panose="020F0502020204030204" pitchFamily="34" charset="0"/>
-                        <a:cs typeface="Times New Roman" panose="02020603050405020304" pitchFamily="18" charset="0"/>
+                        <a:cs typeface="Arial" panose="020B0604020202020204" pitchFamily="34" charset="0"/>
                       </a:endParaRPr>
                     </a:p>
                   </a:txBody>
@@ -8857,16 +13661,18 @@
                         </a:tabLst>
                       </a:pPr>
                       <a:r>
-                        <a:rPr lang="ru-RU" sz="1400">
+                        <a:rPr lang="ru-RU" sz="2000">
                           <a:effectLst/>
+                          <a:latin typeface="Arial" panose="020B0604020202020204" pitchFamily="34" charset="0"/>
+                          <a:cs typeface="Arial" panose="020B0604020202020204" pitchFamily="34" charset="0"/>
                         </a:rPr>
                         <a:t>-</a:t>
                       </a:r>
-                      <a:endParaRPr lang="ru-RU" sz="1100">
+                      <a:endParaRPr lang="ru-RU" sz="1600">
                         <a:effectLst/>
-                        <a:latin typeface="Calibri" panose="020F0502020204030204" pitchFamily="34" charset="0"/>
+                        <a:latin typeface="Arial" panose="020B0604020202020204" pitchFamily="34" charset="0"/>
                         <a:ea typeface="Calibri" panose="020F0502020204030204" pitchFamily="34" charset="0"/>
-                        <a:cs typeface="Times New Roman" panose="02020603050405020304" pitchFamily="18" charset="0"/>
+                        <a:cs typeface="Arial" panose="020B0604020202020204" pitchFamily="34" charset="0"/>
                       </a:endParaRPr>
                     </a:p>
                   </a:txBody>
@@ -8890,16 +13696,18 @@
                         </a:tabLst>
                       </a:pPr>
                       <a:r>
-                        <a:rPr lang="ru-RU" sz="1400">
+                        <a:rPr lang="ru-RU" sz="2000">
                           <a:effectLst/>
+                          <a:latin typeface="Arial" panose="020B0604020202020204" pitchFamily="34" charset="0"/>
+                          <a:cs typeface="Arial" panose="020B0604020202020204" pitchFamily="34" charset="0"/>
                         </a:rPr>
                         <a:t>+</a:t>
                       </a:r>
-                      <a:endParaRPr lang="ru-RU" sz="1100">
+                      <a:endParaRPr lang="ru-RU" sz="1600">
                         <a:effectLst/>
-                        <a:latin typeface="Calibri" panose="020F0502020204030204" pitchFamily="34" charset="0"/>
+                        <a:latin typeface="Arial" panose="020B0604020202020204" pitchFamily="34" charset="0"/>
                         <a:ea typeface="Calibri" panose="020F0502020204030204" pitchFamily="34" charset="0"/>
-                        <a:cs typeface="Times New Roman" panose="02020603050405020304" pitchFamily="18" charset="0"/>
+                        <a:cs typeface="Arial" panose="020B0604020202020204" pitchFamily="34" charset="0"/>
                       </a:endParaRPr>
                     </a:p>
                   </a:txBody>
@@ -8923,16 +13731,18 @@
                         </a:tabLst>
                       </a:pPr>
                       <a:r>
-                        <a:rPr lang="ru-RU" sz="1400">
+                        <a:rPr lang="ru-RU" sz="2000" dirty="0">
                           <a:effectLst/>
+                          <a:latin typeface="Arial" panose="020B0604020202020204" pitchFamily="34" charset="0"/>
+                          <a:cs typeface="Arial" panose="020B0604020202020204" pitchFamily="34" charset="0"/>
                         </a:rPr>
                         <a:t>+</a:t>
                       </a:r>
-                      <a:endParaRPr lang="ru-RU" sz="1100">
+                      <a:endParaRPr lang="ru-RU" sz="1600" dirty="0">
                         <a:effectLst/>
-                        <a:latin typeface="Calibri" panose="020F0502020204030204" pitchFamily="34" charset="0"/>
+                        <a:latin typeface="Arial" panose="020B0604020202020204" pitchFamily="34" charset="0"/>
                         <a:ea typeface="Calibri" panose="020F0502020204030204" pitchFamily="34" charset="0"/>
-                        <a:cs typeface="Times New Roman" panose="02020603050405020304" pitchFamily="18" charset="0"/>
+                        <a:cs typeface="Arial" panose="020B0604020202020204" pitchFamily="34" charset="0"/>
                       </a:endParaRPr>
                     </a:p>
                   </a:txBody>
@@ -8944,7 +13754,7 @@
                   </a:ext>
                 </a:extLst>
               </a:tr>
-              <a:tr h="623053">
+              <a:tr h="728882">
                 <a:tc>
                   <a:txBody>
                     <a:bodyPr/>
@@ -8963,16 +13773,18 @@
                         </a:tabLst>
                       </a:pPr>
                       <a:r>
-                        <a:rPr lang="en-US" sz="1400">
+                        <a:rPr lang="en-US" sz="2000">
                           <a:effectLst/>
+                          <a:latin typeface="Arial" panose="020B0604020202020204" pitchFamily="34" charset="0"/>
+                          <a:cs typeface="Arial" panose="020B0604020202020204" pitchFamily="34" charset="0"/>
                         </a:rPr>
                         <a:t>YouTrack</a:t>
                       </a:r>
-                      <a:endParaRPr lang="ru-RU" sz="1100">
+                      <a:endParaRPr lang="ru-RU" sz="1600">
                         <a:effectLst/>
-                        <a:latin typeface="Calibri" panose="020F0502020204030204" pitchFamily="34" charset="0"/>
+                        <a:latin typeface="Arial" panose="020B0604020202020204" pitchFamily="34" charset="0"/>
                         <a:ea typeface="Calibri" panose="020F0502020204030204" pitchFamily="34" charset="0"/>
-                        <a:cs typeface="Times New Roman" panose="02020603050405020304" pitchFamily="18" charset="0"/>
+                        <a:cs typeface="Arial" panose="020B0604020202020204" pitchFamily="34" charset="0"/>
                       </a:endParaRPr>
                     </a:p>
                   </a:txBody>
@@ -8996,16 +13808,18 @@
                         </a:tabLst>
                       </a:pPr>
                       <a:r>
-                        <a:rPr lang="ru-RU" sz="1400">
+                        <a:rPr lang="ru-RU" sz="2000">
                           <a:effectLst/>
+                          <a:latin typeface="Arial" panose="020B0604020202020204" pitchFamily="34" charset="0"/>
+                          <a:cs typeface="Arial" panose="020B0604020202020204" pitchFamily="34" charset="0"/>
                         </a:rPr>
                         <a:t>+</a:t>
                       </a:r>
-                      <a:endParaRPr lang="ru-RU" sz="1100">
+                      <a:endParaRPr lang="ru-RU" sz="1600">
                         <a:effectLst/>
-                        <a:latin typeface="Calibri" panose="020F0502020204030204" pitchFamily="34" charset="0"/>
+                        <a:latin typeface="Arial" panose="020B0604020202020204" pitchFamily="34" charset="0"/>
                         <a:ea typeface="Calibri" panose="020F0502020204030204" pitchFamily="34" charset="0"/>
-                        <a:cs typeface="Times New Roman" panose="02020603050405020304" pitchFamily="18" charset="0"/>
+                        <a:cs typeface="Arial" panose="020B0604020202020204" pitchFamily="34" charset="0"/>
                       </a:endParaRPr>
                     </a:p>
                   </a:txBody>
@@ -9029,16 +13843,18 @@
                         </a:tabLst>
                       </a:pPr>
                       <a:r>
-                        <a:rPr lang="ru-RU" sz="1400">
+                        <a:rPr lang="ru-RU" sz="2000" dirty="0">
                           <a:effectLst/>
+                          <a:latin typeface="Arial" panose="020B0604020202020204" pitchFamily="34" charset="0"/>
+                          <a:cs typeface="Arial" panose="020B0604020202020204" pitchFamily="34" charset="0"/>
                         </a:rPr>
                         <a:t>+</a:t>
                       </a:r>
-                      <a:endParaRPr lang="ru-RU" sz="1100">
+                      <a:endParaRPr lang="ru-RU" sz="1600" dirty="0">
                         <a:effectLst/>
-                        <a:latin typeface="Calibri" panose="020F0502020204030204" pitchFamily="34" charset="0"/>
+                        <a:latin typeface="Arial" panose="020B0604020202020204" pitchFamily="34" charset="0"/>
                         <a:ea typeface="Calibri" panose="020F0502020204030204" pitchFamily="34" charset="0"/>
-                        <a:cs typeface="Times New Roman" panose="02020603050405020304" pitchFamily="18" charset="0"/>
+                        <a:cs typeface="Arial" panose="020B0604020202020204" pitchFamily="34" charset="0"/>
                       </a:endParaRPr>
                     </a:p>
                   </a:txBody>
@@ -9062,16 +13878,18 @@
                         </a:tabLst>
                       </a:pPr>
                       <a:r>
-                        <a:rPr lang="ru-RU" sz="1400">
+                        <a:rPr lang="ru-RU" sz="2000" dirty="0">
                           <a:effectLst/>
+                          <a:latin typeface="Arial" panose="020B0604020202020204" pitchFamily="34" charset="0"/>
+                          <a:cs typeface="Arial" panose="020B0604020202020204" pitchFamily="34" charset="0"/>
                         </a:rPr>
                         <a:t>+</a:t>
                       </a:r>
-                      <a:endParaRPr lang="ru-RU" sz="1100">
+                      <a:endParaRPr lang="ru-RU" sz="1600" dirty="0">
                         <a:effectLst/>
-                        <a:latin typeface="Calibri" panose="020F0502020204030204" pitchFamily="34" charset="0"/>
+                        <a:latin typeface="Arial" panose="020B0604020202020204" pitchFamily="34" charset="0"/>
                         <a:ea typeface="Calibri" panose="020F0502020204030204" pitchFamily="34" charset="0"/>
-                        <a:cs typeface="Times New Roman" panose="02020603050405020304" pitchFamily="18" charset="0"/>
+                        <a:cs typeface="Arial" panose="020B0604020202020204" pitchFamily="34" charset="0"/>
                       </a:endParaRPr>
                     </a:p>
                   </a:txBody>
@@ -9095,16 +13913,18 @@
                         </a:tabLst>
                       </a:pPr>
                       <a:r>
-                        <a:rPr lang="ru-RU" sz="1400">
+                        <a:rPr lang="ru-RU" sz="2000">
                           <a:effectLst/>
+                          <a:latin typeface="Arial" panose="020B0604020202020204" pitchFamily="34" charset="0"/>
+                          <a:cs typeface="Arial" panose="020B0604020202020204" pitchFamily="34" charset="0"/>
                         </a:rPr>
                         <a:t>+</a:t>
                       </a:r>
-                      <a:endParaRPr lang="ru-RU" sz="1100">
+                      <a:endParaRPr lang="ru-RU" sz="1600">
                         <a:effectLst/>
-                        <a:latin typeface="Calibri" panose="020F0502020204030204" pitchFamily="34" charset="0"/>
+                        <a:latin typeface="Arial" panose="020B0604020202020204" pitchFamily="34" charset="0"/>
                         <a:ea typeface="Calibri" panose="020F0502020204030204" pitchFamily="34" charset="0"/>
-                        <a:cs typeface="Times New Roman" panose="02020603050405020304" pitchFamily="18" charset="0"/>
+                        <a:cs typeface="Arial" panose="020B0604020202020204" pitchFamily="34" charset="0"/>
                       </a:endParaRPr>
                     </a:p>
                   </a:txBody>
@@ -9128,16 +13948,18 @@
                         </a:tabLst>
                       </a:pPr>
                       <a:r>
-                        <a:rPr lang="ru-RU" sz="1400" dirty="0">
+                        <a:rPr lang="ru-RU" sz="2000" dirty="0">
                           <a:effectLst/>
+                          <a:latin typeface="Arial" panose="020B0604020202020204" pitchFamily="34" charset="0"/>
+                          <a:cs typeface="Arial" panose="020B0604020202020204" pitchFamily="34" charset="0"/>
                         </a:rPr>
                         <a:t>-</a:t>
                       </a:r>
-                      <a:endParaRPr lang="ru-RU" sz="1100" dirty="0">
+                      <a:endParaRPr lang="ru-RU" sz="1600" dirty="0">
                         <a:effectLst/>
-                        <a:latin typeface="Calibri" panose="020F0502020204030204" pitchFamily="34" charset="0"/>
+                        <a:latin typeface="Arial" panose="020B0604020202020204" pitchFamily="34" charset="0"/>
                         <a:ea typeface="Calibri" panose="020F0502020204030204" pitchFamily="34" charset="0"/>
-                        <a:cs typeface="Times New Roman" panose="02020603050405020304" pitchFamily="18" charset="0"/>
+                        <a:cs typeface="Arial" panose="020B0604020202020204" pitchFamily="34" charset="0"/>
                       </a:endParaRPr>
                     </a:p>
                   </a:txBody>
@@ -9149,7 +13971,7 @@
                   </a:ext>
                 </a:extLst>
               </a:tr>
-              <a:tr h="623053">
+              <a:tr h="728882">
                 <a:tc>
                   <a:txBody>
                     <a:bodyPr/>
@@ -9168,16 +13990,18 @@
                         </a:tabLst>
                       </a:pPr>
                       <a:r>
-                        <a:rPr lang="en-US" sz="1400">
+                        <a:rPr lang="en-US" sz="2000">
                           <a:effectLst/>
+                          <a:latin typeface="Arial" panose="020B0604020202020204" pitchFamily="34" charset="0"/>
+                          <a:cs typeface="Arial" panose="020B0604020202020204" pitchFamily="34" charset="0"/>
                         </a:rPr>
                         <a:t>Jira</a:t>
                       </a:r>
-                      <a:endParaRPr lang="ru-RU" sz="1100">
+                      <a:endParaRPr lang="ru-RU" sz="1600">
                         <a:effectLst/>
-                        <a:latin typeface="Calibri" panose="020F0502020204030204" pitchFamily="34" charset="0"/>
+                        <a:latin typeface="Arial" panose="020B0604020202020204" pitchFamily="34" charset="0"/>
                         <a:ea typeface="Calibri" panose="020F0502020204030204" pitchFamily="34" charset="0"/>
-                        <a:cs typeface="Times New Roman" panose="02020603050405020304" pitchFamily="18" charset="0"/>
+                        <a:cs typeface="Arial" panose="020B0604020202020204" pitchFamily="34" charset="0"/>
                       </a:endParaRPr>
                     </a:p>
                   </a:txBody>
@@ -9201,16 +14025,18 @@
                         </a:tabLst>
                       </a:pPr>
                       <a:r>
-                        <a:rPr lang="en-US" sz="1400" dirty="0">
+                        <a:rPr lang="en-US" sz="2000" dirty="0">
                           <a:effectLst/>
+                          <a:latin typeface="Arial" panose="020B0604020202020204" pitchFamily="34" charset="0"/>
+                          <a:cs typeface="Arial" panose="020B0604020202020204" pitchFamily="34" charset="0"/>
                         </a:rPr>
                         <a:t>+</a:t>
                       </a:r>
-                      <a:endParaRPr lang="ru-RU" sz="1100" dirty="0">
+                      <a:endParaRPr lang="ru-RU" sz="1600" dirty="0">
                         <a:effectLst/>
-                        <a:latin typeface="Calibri" panose="020F0502020204030204" pitchFamily="34" charset="0"/>
+                        <a:latin typeface="Arial" panose="020B0604020202020204" pitchFamily="34" charset="0"/>
                         <a:ea typeface="Calibri" panose="020F0502020204030204" pitchFamily="34" charset="0"/>
-                        <a:cs typeface="Times New Roman" panose="02020603050405020304" pitchFamily="18" charset="0"/>
+                        <a:cs typeface="Arial" panose="020B0604020202020204" pitchFamily="34" charset="0"/>
                       </a:endParaRPr>
                     </a:p>
                   </a:txBody>
@@ -9234,16 +14060,18 @@
                         </a:tabLst>
                       </a:pPr>
                       <a:r>
-                        <a:rPr lang="ru-RU" sz="1400">
+                        <a:rPr lang="ru-RU" sz="2000" dirty="0">
                           <a:effectLst/>
+                          <a:latin typeface="Arial" panose="020B0604020202020204" pitchFamily="34" charset="0"/>
+                          <a:cs typeface="Arial" panose="020B0604020202020204" pitchFamily="34" charset="0"/>
                         </a:rPr>
                         <a:t>+</a:t>
                       </a:r>
-                      <a:endParaRPr lang="ru-RU" sz="1100">
+                      <a:endParaRPr lang="ru-RU" sz="1600" dirty="0">
                         <a:effectLst/>
-                        <a:latin typeface="Calibri" panose="020F0502020204030204" pitchFamily="34" charset="0"/>
+                        <a:latin typeface="Arial" panose="020B0604020202020204" pitchFamily="34" charset="0"/>
                         <a:ea typeface="Calibri" panose="020F0502020204030204" pitchFamily="34" charset="0"/>
-                        <a:cs typeface="Times New Roman" panose="02020603050405020304" pitchFamily="18" charset="0"/>
+                        <a:cs typeface="Arial" panose="020B0604020202020204" pitchFamily="34" charset="0"/>
                       </a:endParaRPr>
                     </a:p>
                   </a:txBody>
@@ -9267,16 +14095,18 @@
                         </a:tabLst>
                       </a:pPr>
                       <a:r>
-                        <a:rPr lang="en-US" sz="1400">
+                        <a:rPr lang="en-US" sz="2000">
                           <a:effectLst/>
+                          <a:latin typeface="Arial" panose="020B0604020202020204" pitchFamily="34" charset="0"/>
+                          <a:cs typeface="Arial" panose="020B0604020202020204" pitchFamily="34" charset="0"/>
                         </a:rPr>
                         <a:t>-</a:t>
                       </a:r>
-                      <a:endParaRPr lang="ru-RU" sz="1100">
+                      <a:endParaRPr lang="ru-RU" sz="1600">
                         <a:effectLst/>
-                        <a:latin typeface="Calibri" panose="020F0502020204030204" pitchFamily="34" charset="0"/>
+                        <a:latin typeface="Arial" panose="020B0604020202020204" pitchFamily="34" charset="0"/>
                         <a:ea typeface="Calibri" panose="020F0502020204030204" pitchFamily="34" charset="0"/>
-                        <a:cs typeface="Times New Roman" panose="02020603050405020304" pitchFamily="18" charset="0"/>
+                        <a:cs typeface="Arial" panose="020B0604020202020204" pitchFamily="34" charset="0"/>
                       </a:endParaRPr>
                     </a:p>
                   </a:txBody>
@@ -9300,16 +14130,18 @@
                         </a:tabLst>
                       </a:pPr>
                       <a:r>
-                        <a:rPr lang="ru-RU" sz="1400">
+                        <a:rPr lang="ru-RU" sz="2000" dirty="0">
                           <a:effectLst/>
+                          <a:latin typeface="Arial" panose="020B0604020202020204" pitchFamily="34" charset="0"/>
+                          <a:cs typeface="Arial" panose="020B0604020202020204" pitchFamily="34" charset="0"/>
                         </a:rPr>
                         <a:t>+</a:t>
                       </a:r>
-                      <a:endParaRPr lang="ru-RU" sz="1100">
+                      <a:endParaRPr lang="ru-RU" sz="1600" dirty="0">
                         <a:effectLst/>
-                        <a:latin typeface="Calibri" panose="020F0502020204030204" pitchFamily="34" charset="0"/>
+                        <a:latin typeface="Arial" panose="020B0604020202020204" pitchFamily="34" charset="0"/>
                         <a:ea typeface="Calibri" panose="020F0502020204030204" pitchFamily="34" charset="0"/>
-                        <a:cs typeface="Times New Roman" panose="02020603050405020304" pitchFamily="18" charset="0"/>
+                        <a:cs typeface="Arial" panose="020B0604020202020204" pitchFamily="34" charset="0"/>
                       </a:endParaRPr>
                     </a:p>
                   </a:txBody>
@@ -9333,16 +14165,18 @@
                         </a:tabLst>
                       </a:pPr>
                       <a:r>
-                        <a:rPr lang="ru-RU" sz="1400" dirty="0">
+                        <a:rPr lang="ru-RU" sz="2000" dirty="0">
                           <a:effectLst/>
+                          <a:latin typeface="Arial" panose="020B0604020202020204" pitchFamily="34" charset="0"/>
+                          <a:cs typeface="Arial" panose="020B0604020202020204" pitchFamily="34" charset="0"/>
                         </a:rPr>
                         <a:t>+</a:t>
                       </a:r>
-                      <a:endParaRPr lang="ru-RU" sz="1100" dirty="0">
+                      <a:endParaRPr lang="ru-RU" sz="1600" dirty="0">
                         <a:effectLst/>
-                        <a:latin typeface="Calibri" panose="020F0502020204030204" pitchFamily="34" charset="0"/>
+                        <a:latin typeface="Arial" panose="020B0604020202020204" pitchFamily="34" charset="0"/>
                         <a:ea typeface="Calibri" panose="020F0502020204030204" pitchFamily="34" charset="0"/>
-                        <a:cs typeface="Times New Roman" panose="02020603050405020304" pitchFamily="18" charset="0"/>
+                        <a:cs typeface="Arial" panose="020B0604020202020204" pitchFamily="34" charset="0"/>
                       </a:endParaRPr>
                     </a:p>
                   </a:txBody>
@@ -9366,8 +14200,8 @@
         </p:nvSpPr>
         <p:spPr>
           <a:xfrm>
-            <a:off x="277709" y="3733038"/>
-            <a:ext cx="10941283" cy="2308324"/>
+            <a:off x="483770" y="3867940"/>
+            <a:ext cx="10941283" cy="646331"/>
           </a:xfrm>
           <a:prstGeom prst="rect">
             <a:avLst/>
@@ -9382,104 +14216,71 @@
           <a:p>
             <a:pPr indent="269875"/>
             <a:r>
-              <a:rPr lang="ru-RU" dirty="0" smtClean="0"/>
+              <a:rPr lang="ru-RU" dirty="0" smtClean="0">
+                <a:latin typeface="Arial" panose="020B0604020202020204" pitchFamily="34" charset="0"/>
+                <a:cs typeface="Arial" panose="020B0604020202020204" pitchFamily="34" charset="0"/>
+              </a:rPr>
               <a:t>У </a:t>
             </a:r>
             <a:r>
-              <a:rPr lang="ru-RU" dirty="0"/>
-              <a:t>каждого варианта есть свои недостатки и следующие ограничения</a:t>
-            </a:r>
-            <a:r>
-              <a:rPr lang="ru-RU" dirty="0" smtClean="0"/>
-              <a:t>:</a:t>
-            </a:r>
-          </a:p>
-          <a:p>
-            <a:pPr marL="0" lvl="1" indent="269875">
-              <a:buFont typeface="Arial" panose="020B0604020202020204" pitchFamily="34" charset="0"/>
-              <a:buChar char="•"/>
-            </a:pPr>
-            <a:r>
-              <a:rPr lang="ru-RU" dirty="0" smtClean="0"/>
-              <a:t>нет </a:t>
-            </a:r>
-            <a:r>
-              <a:rPr lang="ru-RU" dirty="0"/>
-              <a:t>возможности изменять ПМ под свои </a:t>
-            </a:r>
-            <a:r>
-              <a:rPr lang="ru-RU" dirty="0" smtClean="0"/>
-              <a:t>нужды;</a:t>
-            </a:r>
-          </a:p>
-          <a:p>
-            <a:pPr marL="0" lvl="1" indent="269875">
-              <a:buFont typeface="Arial" panose="020B0604020202020204" pitchFamily="34" charset="0"/>
-              <a:buChar char="•"/>
-            </a:pPr>
-            <a:r>
-              <a:rPr lang="ru-RU" dirty="0" smtClean="0"/>
-              <a:t>существует </a:t>
-            </a:r>
-            <a:r>
-              <a:rPr lang="ru-RU" dirty="0"/>
-              <a:t>зависимость от сторонних </a:t>
-            </a:r>
-            <a:r>
-              <a:rPr lang="ru-RU" dirty="0" smtClean="0"/>
-              <a:t>поставщиков;</a:t>
-            </a:r>
-          </a:p>
-          <a:p>
-            <a:pPr marL="0" lvl="1" indent="269875" defTabSz="450850">
-              <a:buFont typeface="Arial" panose="020B0604020202020204" pitchFamily="34" charset="0"/>
-              <a:buChar char="•"/>
-            </a:pPr>
-            <a:r>
-              <a:rPr lang="ru-RU" dirty="0" smtClean="0"/>
-              <a:t>отсутствует </a:t>
-            </a:r>
-            <a:r>
-              <a:rPr lang="ru-RU" dirty="0"/>
-              <a:t>полный контроль над данными и безопасностью, данные могут хранится </a:t>
-            </a:r>
-            <a:r>
-              <a:rPr lang="ru-RU" dirty="0" smtClean="0"/>
-              <a:t>или  передаваться </a:t>
-            </a:r>
-            <a:r>
-              <a:rPr lang="ru-RU" dirty="0"/>
-              <a:t>на сторонние </a:t>
-            </a:r>
-            <a:r>
-              <a:rPr lang="ru-RU" dirty="0" smtClean="0"/>
-              <a:t>сервисы;</a:t>
-            </a:r>
-          </a:p>
-          <a:p>
-            <a:pPr marL="0" lvl="1" indent="269875">
-              <a:buFont typeface="Arial" panose="020B0604020202020204" pitchFamily="34" charset="0"/>
-              <a:buChar char="•"/>
-            </a:pPr>
-            <a:r>
-              <a:rPr lang="ru-RU" dirty="0" smtClean="0"/>
-              <a:t>отсутствует </a:t>
-            </a:r>
-            <a:r>
-              <a:rPr lang="ru-RU" dirty="0"/>
-              <a:t>возможности интеграции с другими системами.</a:t>
-            </a:r>
-          </a:p>
-          <a:p>
-            <a:pPr indent="269875"/>
-            <a:r>
-              <a:rPr lang="ru-RU" dirty="0" smtClean="0"/>
-              <a:t>	Вследствие </a:t>
-            </a:r>
-            <a:r>
-              <a:rPr lang="ru-RU" dirty="0"/>
-              <a:t>выше описанных проблем и с перспективой на будущее лучшим решением является разработка собственного программного продукта.</a:t>
-            </a:r>
+              <a:rPr lang="ru-RU" dirty="0">
+                <a:latin typeface="Arial" panose="020B0604020202020204" pitchFamily="34" charset="0"/>
+                <a:cs typeface="Arial" panose="020B0604020202020204" pitchFamily="34" charset="0"/>
+              </a:rPr>
+              <a:t>каждого варианта есть свои недостатки </a:t>
+            </a:r>
+            <a:r>
+              <a:rPr lang="ru-RU" dirty="0" smtClean="0">
+                <a:latin typeface="Arial" panose="020B0604020202020204" pitchFamily="34" charset="0"/>
+                <a:cs typeface="Arial" panose="020B0604020202020204" pitchFamily="34" charset="0"/>
+              </a:rPr>
+              <a:t>и проблемы с </a:t>
+            </a:r>
+            <a:r>
+              <a:rPr lang="ru-RU" dirty="0">
+                <a:latin typeface="Arial" panose="020B0604020202020204" pitchFamily="34" charset="0"/>
+                <a:cs typeface="Arial" panose="020B0604020202020204" pitchFamily="34" charset="0"/>
+              </a:rPr>
+              <a:t>перспективой на </a:t>
+            </a:r>
+            <a:r>
+              <a:rPr lang="ru-RU" dirty="0" smtClean="0">
+                <a:latin typeface="Arial" panose="020B0604020202020204" pitchFamily="34" charset="0"/>
+                <a:cs typeface="Arial" panose="020B0604020202020204" pitchFamily="34" charset="0"/>
+              </a:rPr>
+              <a:t>будущее</a:t>
+            </a:r>
+            <a:r>
+              <a:rPr lang="en-US" dirty="0">
+                <a:latin typeface="Arial" panose="020B0604020202020204" pitchFamily="34" charset="0"/>
+                <a:cs typeface="Arial" panose="020B0604020202020204" pitchFamily="34" charset="0"/>
+              </a:rPr>
+              <a:t>,</a:t>
+            </a:r>
+            <a:r>
+              <a:rPr lang="ru-RU" dirty="0" smtClean="0">
+                <a:latin typeface="Arial" panose="020B0604020202020204" pitchFamily="34" charset="0"/>
+                <a:cs typeface="Arial" panose="020B0604020202020204" pitchFamily="34" charset="0"/>
+              </a:rPr>
+              <a:t> </a:t>
+            </a:r>
+            <a:br>
+              <a:rPr lang="ru-RU" dirty="0" smtClean="0">
+                <a:latin typeface="Arial" panose="020B0604020202020204" pitchFamily="34" charset="0"/>
+                <a:cs typeface="Arial" panose="020B0604020202020204" pitchFamily="34" charset="0"/>
+              </a:rPr>
+            </a:br>
+            <a:r>
+              <a:rPr lang="ru-RU" dirty="0" smtClean="0">
+                <a:latin typeface="Arial" panose="020B0604020202020204" pitchFamily="34" charset="0"/>
+                <a:cs typeface="Arial" panose="020B0604020202020204" pitchFamily="34" charset="0"/>
+              </a:rPr>
+              <a:t>поэтому было принято решение разработать собственный программный продукт.</a:t>
+            </a:r>
+            <a:endParaRPr lang="ru-RU" dirty="0">
+              <a:latin typeface="Arial" panose="020B0604020202020204" pitchFamily="34" charset="0"/>
+              <a:cs typeface="Arial" panose="020B0604020202020204" pitchFamily="34" charset="0"/>
+            </a:endParaRPr>
           </a:p>
         </p:txBody>
       </p:sp>
@@ -9487,6 +14288,207 @@
     <p:extLst>
       <p:ext uri="{BB962C8B-B14F-4D97-AF65-F5344CB8AC3E}">
         <p14:creationId xmlns:p14="http://schemas.microsoft.com/office/powerpoint/2010/main" val="206079947"/>
+      </p:ext>
+    </p:extLst>
+  </p:cSld>
+  <p:clrMapOvr>
+    <a:masterClrMapping/>
+  </p:clrMapOvr>
+  <p:timing>
+    <p:tnLst>
+      <p:par>
+        <p:cTn id="1" dur="indefinite" restart="never" nodeType="tmRoot"/>
+      </p:par>
+    </p:tnLst>
+  </p:timing>
+</p:sld>
+</file>
+
+<file path=ppt/slides/slide9.xml><?xml version="1.0" encoding="utf-8"?>
+<p:sld xmlns:a="http://schemas.openxmlformats.org/drawingml/2006/main" xmlns:r="http://schemas.openxmlformats.org/officeDocument/2006/relationships" xmlns:p="http://schemas.openxmlformats.org/presentationml/2006/main">
+  <p:cSld>
+    <p:spTree>
+      <p:nvGrpSpPr>
+        <p:cNvPr id="1" name=""/>
+        <p:cNvGrpSpPr/>
+        <p:nvPr/>
+      </p:nvGrpSpPr>
+      <p:grpSpPr>
+        <a:xfrm>
+          <a:off x="0" y="0"/>
+          <a:ext cx="0" cy="0"/>
+          <a:chOff x="0" y="0"/>
+          <a:chExt cx="0" cy="0"/>
+        </a:xfrm>
+      </p:grpSpPr>
+      <p:sp>
+        <p:nvSpPr>
+          <p:cNvPr id="2" name="Заголовок 1"/>
+          <p:cNvSpPr>
+            <a:spLocks noGrp="1"/>
+          </p:cNvSpPr>
+          <p:nvPr>
+            <p:ph type="title"/>
+          </p:nvPr>
+        </p:nvSpPr>
+        <p:spPr>
+          <a:xfrm>
+            <a:off x="483769" y="346201"/>
+            <a:ext cx="10044710" cy="617220"/>
+          </a:xfrm>
+        </p:spPr>
+        <p:txBody>
+          <a:bodyPr>
+            <a:normAutofit fontScale="90000"/>
+          </a:bodyPr>
+          <a:lstStyle/>
+          <a:p>
+            <a:r>
+              <a:rPr lang="ru-RU" sz="3400" dirty="0">
+                <a:solidFill>
+                  <a:schemeClr val="tx1"/>
+                </a:solidFill>
+                <a:latin typeface="Arial" panose="020B0604020202020204" pitchFamily="34" charset="0"/>
+                <a:cs typeface="Arial" panose="020B0604020202020204" pitchFamily="34" charset="0"/>
+              </a:rPr>
+              <a:t>Планирование</a:t>
+            </a:r>
+            <a:r>
+              <a:rPr lang="ru-RU" sz="3100" dirty="0">
+                <a:solidFill>
+                  <a:schemeClr val="tx1"/>
+                </a:solidFill>
+                <a:latin typeface="Arial" panose="020B0604020202020204" pitchFamily="34" charset="0"/>
+                <a:cs typeface="Arial" panose="020B0604020202020204" pitchFamily="34" charset="0"/>
+              </a:rPr>
+              <a:t> и определение затрат на разработку  ПМ</a:t>
+            </a:r>
+            <a:endParaRPr lang="ru-RU" sz="3100" dirty="0">
+              <a:solidFill>
+                <a:schemeClr val="tx1"/>
+              </a:solidFill>
+              <a:latin typeface="Arial" panose="020B0604020202020204" pitchFamily="34" charset="0"/>
+              <a:cs typeface="Arial" panose="020B0604020202020204" pitchFamily="34" charset="0"/>
+            </a:endParaRPr>
+          </a:p>
+        </p:txBody>
+      </p:sp>
+      <p:pic>
+        <p:nvPicPr>
+          <p:cNvPr id="4" name="Объект 3"/>
+          <p:cNvPicPr>
+            <a:picLocks noGrp="1" noChangeAspect="1"/>
+          </p:cNvPicPr>
+          <p:nvPr>
+            <p:ph idx="1"/>
+          </p:nvPr>
+        </p:nvPicPr>
+        <p:blipFill rotWithShape="1">
+          <a:blip r:embed="rId2"/>
+          <a:srcRect r="4194"/>
+          <a:stretch/>
+        </p:blipFill>
+        <p:spPr>
+          <a:xfrm>
+            <a:off x="483769" y="1257099"/>
+            <a:ext cx="5665893" cy="4557712"/>
+          </a:xfrm>
+          <a:prstGeom prst="rect">
+            <a:avLst/>
+          </a:prstGeom>
+        </p:spPr>
+      </p:pic>
+      <p:sp>
+        <p:nvSpPr>
+          <p:cNvPr id="6" name="Номер слайда 5"/>
+          <p:cNvSpPr>
+            <a:spLocks noGrp="1"/>
+          </p:cNvSpPr>
+          <p:nvPr>
+            <p:ph type="sldNum" sz="quarter" idx="12"/>
+          </p:nvPr>
+        </p:nvSpPr>
+        <p:spPr>
+          <a:xfrm>
+            <a:off x="11508661" y="6473558"/>
+            <a:ext cx="683339" cy="365125"/>
+          </a:xfrm>
+        </p:spPr>
+        <p:txBody>
+          <a:bodyPr/>
+          <a:lstStyle/>
+          <a:p>
+            <a:fld id="{1B847153-A715-48D2-911A-C00A5EB4142D}" type="slidenum">
+              <a:rPr lang="ru-RU" sz="3600" smtClean="0">
+                <a:solidFill>
+                  <a:schemeClr val="tx1"/>
+                </a:solidFill>
+                <a:latin typeface="Arial" panose="020B0604020202020204" pitchFamily="34" charset="0"/>
+                <a:cs typeface="Arial" panose="020B0604020202020204" pitchFamily="34" charset="0"/>
+              </a:rPr>
+              <a:t>9</a:t>
+            </a:fld>
+            <a:endParaRPr lang="ru-RU" sz="3600" dirty="0">
+              <a:solidFill>
+                <a:schemeClr val="tx1"/>
+              </a:solidFill>
+              <a:latin typeface="Arial" panose="020B0604020202020204" pitchFamily="34" charset="0"/>
+              <a:cs typeface="Arial" panose="020B0604020202020204" pitchFamily="34" charset="0"/>
+            </a:endParaRPr>
+          </a:p>
+        </p:txBody>
+      </p:sp>
+      <p:pic>
+        <p:nvPicPr>
+          <p:cNvPr id="5" name="Рисунок 4"/>
+          <p:cNvPicPr>
+            <a:picLocks noChangeAspect="1"/>
+          </p:cNvPicPr>
+          <p:nvPr/>
+        </p:nvPicPr>
+        <p:blipFill>
+          <a:blip r:embed="rId3"/>
+          <a:stretch>
+            <a:fillRect/>
+          </a:stretch>
+        </p:blipFill>
+        <p:spPr>
+          <a:xfrm>
+            <a:off x="6597359" y="1257099"/>
+            <a:ext cx="5143500" cy="2152650"/>
+          </a:xfrm>
+          <a:prstGeom prst="rect">
+            <a:avLst/>
+          </a:prstGeom>
+        </p:spPr>
+      </p:pic>
+      <p:pic>
+        <p:nvPicPr>
+          <p:cNvPr id="8" name="Рисунок 7"/>
+          <p:cNvPicPr>
+            <a:picLocks noChangeAspect="1"/>
+          </p:cNvPicPr>
+          <p:nvPr/>
+        </p:nvPicPr>
+        <p:blipFill rotWithShape="1">
+          <a:blip r:embed="rId4"/>
+          <a:srcRect l="1" t="1664" r="1147" b="1"/>
+          <a:stretch/>
+        </p:blipFill>
+        <p:spPr>
+          <a:xfrm>
+            <a:off x="6597359" y="3651161"/>
+            <a:ext cx="4613700" cy="2163650"/>
+          </a:xfrm>
+          <a:prstGeom prst="rect">
+            <a:avLst/>
+          </a:prstGeom>
+        </p:spPr>
+      </p:pic>
+    </p:spTree>
+    <p:extLst>
+      <p:ext uri="{BB962C8B-B14F-4D97-AF65-F5344CB8AC3E}">
+        <p14:creationId xmlns:p14="http://schemas.microsoft.com/office/powerpoint/2010/main" val="897301564"/>
       </p:ext>
     </p:extLst>
   </p:cSld>
@@ -10019,4 +15021,265 @@
     </a:ext>
   </a:extLst>
 </a:theme>
+</file>
+
+<file path=ppt/theme/theme3.xml><?xml version="1.0" encoding="utf-8"?>
+<a:theme xmlns:a="http://schemas.openxmlformats.org/drawingml/2006/main" name="Тема Office">
+  <a:themeElements>
+    <a:clrScheme name="Стандартная">
+      <a:dk1>
+        <a:sysClr val="windowText" lastClr="000000"/>
+      </a:dk1>
+      <a:lt1>
+        <a:sysClr val="window" lastClr="FFFFFF"/>
+      </a:lt1>
+      <a:dk2>
+        <a:srgbClr val="44546A"/>
+      </a:dk2>
+      <a:lt2>
+        <a:srgbClr val="E7E6E6"/>
+      </a:lt2>
+      <a:accent1>
+        <a:srgbClr val="5B9BD5"/>
+      </a:accent1>
+      <a:accent2>
+        <a:srgbClr val="ED7D31"/>
+      </a:accent2>
+      <a:accent3>
+        <a:srgbClr val="A5A5A5"/>
+      </a:accent3>
+      <a:accent4>
+        <a:srgbClr val="FFC000"/>
+      </a:accent4>
+      <a:accent5>
+        <a:srgbClr val="4472C4"/>
+      </a:accent5>
+      <a:accent6>
+        <a:srgbClr val="70AD47"/>
+      </a:accent6>
+      <a:hlink>
+        <a:srgbClr val="0563C1"/>
+      </a:hlink>
+      <a:folHlink>
+        <a:srgbClr val="954F72"/>
+      </a:folHlink>
+    </a:clrScheme>
+    <a:fontScheme name="Стандартная">
+      <a:majorFont>
+        <a:latin typeface="Calibri Light" panose="020F0302020204030204"/>
+        <a:ea typeface=""/>
+        <a:cs typeface=""/>
+        <a:font script="Jpan" typeface="游ゴシック Light"/>
+        <a:font script="Hang" typeface="맑은 고딕"/>
+        <a:font script="Hans" typeface="等线 Light"/>
+        <a:font script="Hant" typeface="新細明體"/>
+        <a:font script="Arab" typeface="Times New Roman"/>
+        <a:font script="Hebr" typeface="Times New Roman"/>
+        <a:font script="Thai" typeface="Angsana New"/>
+        <a:font script="Ethi" typeface="Nyala"/>
+        <a:font script="Beng" typeface="Vrinda"/>
+        <a:font script="Gujr" typeface="Shruti"/>
+        <a:font script="Khmr" typeface="MoolBoran"/>
+        <a:font script="Knda" typeface="Tunga"/>
+        <a:font script="Guru" typeface="Raavi"/>
+        <a:font script="Cans" typeface="Euphemia"/>
+        <a:font script="Cher" typeface="Plantagenet Cherokee"/>
+        <a:font script="Yiii" typeface="Microsoft Yi Baiti"/>
+        <a:font script="Tibt" typeface="Microsoft Himalaya"/>
+        <a:font script="Thaa" typeface="MV Boli"/>
+        <a:font script="Deva" typeface="Mangal"/>
+        <a:font script="Telu" typeface="Gautami"/>
+        <a:font script="Taml" typeface="Latha"/>
+        <a:font script="Syrc" typeface="Estrangelo Edessa"/>
+        <a:font script="Orya" typeface="Kalinga"/>
+        <a:font script="Mlym" typeface="Kartika"/>
+        <a:font script="Laoo" typeface="DokChampa"/>
+        <a:font script="Sinh" typeface="Iskoola Pota"/>
+        <a:font script="Mong" typeface="Mongolian Baiti"/>
+        <a:font script="Viet" typeface="Times New Roman"/>
+        <a:font script="Uigh" typeface="Microsoft Uighur"/>
+        <a:font script="Geor" typeface="Sylfaen"/>
+      </a:majorFont>
+      <a:minorFont>
+        <a:latin typeface="Calibri" panose="020F0502020204030204"/>
+        <a:ea typeface=""/>
+        <a:cs typeface=""/>
+        <a:font script="Jpan" typeface="游ゴシック"/>
+        <a:font script="Hang" typeface="맑은 고딕"/>
+        <a:font script="Hans" typeface="等线"/>
+        <a:font script="Hant" typeface="新細明體"/>
+        <a:font script="Arab" typeface="Arial"/>
+        <a:font script="Hebr" typeface="Arial"/>
+        <a:font script="Thai" typeface="Cordia New"/>
+        <a:font script="Ethi" typeface="Nyala"/>
+        <a:font script="Beng" typeface="Vrinda"/>
+        <a:font script="Gujr" typeface="Shruti"/>
+        <a:font script="Khmr" typeface="DaunPenh"/>
+        <a:font script="Knda" typeface="Tunga"/>
+        <a:font script="Guru" typeface="Raavi"/>
+        <a:font script="Cans" typeface="Euphemia"/>
+        <a:font script="Cher" typeface="Plantagenet Cherokee"/>
+        <a:font script="Yiii" typeface="Microsoft Yi Baiti"/>
+        <a:font script="Tibt" typeface="Microsoft Himalaya"/>
+        <a:font script="Thaa" typeface="MV Boli"/>
+        <a:font script="Deva" typeface="Mangal"/>
+        <a:font script="Telu" typeface="Gautami"/>
+        <a:font script="Taml" typeface="Latha"/>
+        <a:font script="Syrc" typeface="Estrangelo Edessa"/>
+        <a:font script="Orya" typeface="Kalinga"/>
+        <a:font script="Mlym" typeface="Kartika"/>
+        <a:font script="Laoo" typeface="DokChampa"/>
+        <a:font script="Sinh" typeface="Iskoola Pota"/>
+        <a:font script="Mong" typeface="Mongolian Baiti"/>
+        <a:font script="Viet" typeface="Arial"/>
+        <a:font script="Uigh" typeface="Microsoft Uighur"/>
+        <a:font script="Geor" typeface="Sylfaen"/>
+      </a:minorFont>
+    </a:fontScheme>
+    <a:fmtScheme name="Стандартная">
+      <a:fillStyleLst>
+        <a:solidFill>
+          <a:schemeClr val="phClr"/>
+        </a:solidFill>
+        <a:gradFill rotWithShape="1">
+          <a:gsLst>
+            <a:gs pos="0">
+              <a:schemeClr val="phClr">
+                <a:lumMod val="110000"/>
+                <a:satMod val="105000"/>
+                <a:tint val="67000"/>
+              </a:schemeClr>
+            </a:gs>
+            <a:gs pos="50000">
+              <a:schemeClr val="phClr">
+                <a:lumMod val="105000"/>
+                <a:satMod val="103000"/>
+                <a:tint val="73000"/>
+              </a:schemeClr>
+            </a:gs>
+            <a:gs pos="100000">
+              <a:schemeClr val="phClr">
+                <a:lumMod val="105000"/>
+                <a:satMod val="109000"/>
+                <a:tint val="81000"/>
+              </a:schemeClr>
+            </a:gs>
+          </a:gsLst>
+          <a:lin ang="5400000" scaled="0"/>
+        </a:gradFill>
+        <a:gradFill rotWithShape="1">
+          <a:gsLst>
+            <a:gs pos="0">
+              <a:schemeClr val="phClr">
+                <a:satMod val="103000"/>
+                <a:lumMod val="102000"/>
+                <a:tint val="94000"/>
+              </a:schemeClr>
+            </a:gs>
+            <a:gs pos="50000">
+              <a:schemeClr val="phClr">
+                <a:satMod val="110000"/>
+                <a:lumMod val="100000"/>
+                <a:shade val="100000"/>
+              </a:schemeClr>
+            </a:gs>
+            <a:gs pos="100000">
+              <a:schemeClr val="phClr">
+                <a:lumMod val="99000"/>
+                <a:satMod val="120000"/>
+                <a:shade val="78000"/>
+              </a:schemeClr>
+            </a:gs>
+          </a:gsLst>
+          <a:lin ang="5400000" scaled="0"/>
+        </a:gradFill>
+      </a:fillStyleLst>
+      <a:lnStyleLst>
+        <a:ln w="6350" cap="flat" cmpd="sng" algn="ctr">
+          <a:solidFill>
+            <a:schemeClr val="phClr"/>
+          </a:solidFill>
+          <a:prstDash val="solid"/>
+          <a:miter lim="800000"/>
+        </a:ln>
+        <a:ln w="12700" cap="flat" cmpd="sng" algn="ctr">
+          <a:solidFill>
+            <a:schemeClr val="phClr"/>
+          </a:solidFill>
+          <a:prstDash val="solid"/>
+          <a:miter lim="800000"/>
+        </a:ln>
+        <a:ln w="19050" cap="flat" cmpd="sng" algn="ctr">
+          <a:solidFill>
+            <a:schemeClr val="phClr"/>
+          </a:solidFill>
+          <a:prstDash val="solid"/>
+          <a:miter lim="800000"/>
+        </a:ln>
+      </a:lnStyleLst>
+      <a:effectStyleLst>
+        <a:effectStyle>
+          <a:effectLst/>
+        </a:effectStyle>
+        <a:effectStyle>
+          <a:effectLst/>
+        </a:effectStyle>
+        <a:effectStyle>
+          <a:effectLst>
+            <a:outerShdw blurRad="57150" dist="19050" dir="5400000" algn="ctr" rotWithShape="0">
+              <a:srgbClr val="000000">
+                <a:alpha val="63000"/>
+              </a:srgbClr>
+            </a:outerShdw>
+          </a:effectLst>
+        </a:effectStyle>
+      </a:effectStyleLst>
+      <a:bgFillStyleLst>
+        <a:solidFill>
+          <a:schemeClr val="phClr"/>
+        </a:solidFill>
+        <a:solidFill>
+          <a:schemeClr val="phClr">
+            <a:tint val="95000"/>
+            <a:satMod val="170000"/>
+          </a:schemeClr>
+        </a:solidFill>
+        <a:gradFill rotWithShape="1">
+          <a:gsLst>
+            <a:gs pos="0">
+              <a:schemeClr val="phClr">
+                <a:tint val="93000"/>
+                <a:satMod val="150000"/>
+                <a:shade val="98000"/>
+                <a:lumMod val="102000"/>
+              </a:schemeClr>
+            </a:gs>
+            <a:gs pos="50000">
+              <a:schemeClr val="phClr">
+                <a:tint val="98000"/>
+                <a:satMod val="130000"/>
+                <a:shade val="90000"/>
+                <a:lumMod val="103000"/>
+              </a:schemeClr>
+            </a:gs>
+            <a:gs pos="100000">
+              <a:schemeClr val="phClr">
+                <a:shade val="63000"/>
+                <a:satMod val="120000"/>
+              </a:schemeClr>
+            </a:gs>
+          </a:gsLst>
+          <a:lin ang="5400000" scaled="0"/>
+        </a:gradFill>
+      </a:bgFillStyleLst>
+    </a:fmtScheme>
+  </a:themeElements>
+  <a:objectDefaults/>
+  <a:extraClrSchemeLst/>
+  <a:extLst>
+    <a:ext uri="{05A4C25C-085E-4340-85A3-A5531E510DB2}">
+      <thm15:themeFamily xmlns:thm15="http://schemas.microsoft.com/office/thememl/2012/main" name="Office Theme" id="{62F939B6-93AF-4DB8-9C6B-D6C7DFDC589F}" vid="{4A3C46E8-61CC-4603-A589-7422A47A8E4A}"/>
+    </a:ext>
+  </a:extLst>
+</a:theme>
 </file>
--- a/ДИПЛОМ/ДИПЛОМ.2.0/Призентация.pptx
+++ b/ДИПЛОМ/ДИПЛОМ.2.0/Призентация.pptx
@@ -16,8 +16,8 @@
     <p:sldId id="257" r:id="rId4"/>
     <p:sldId id="266" r:id="rId5"/>
     <p:sldId id="267" r:id="rId6"/>
-    <p:sldId id="268" r:id="rId7"/>
-    <p:sldId id="269" r:id="rId8"/>
+    <p:sldId id="269" r:id="rId7"/>
+    <p:sldId id="282" r:id="rId8"/>
     <p:sldId id="270" r:id="rId9"/>
     <p:sldId id="272" r:id="rId10"/>
     <p:sldId id="273" r:id="rId11"/>
@@ -217,7 +217,7 @@
           <a:p>
             <a:fld id="{4532BAFA-1DAA-49DA-9140-552917FE4CA4}" type="datetimeFigureOut">
               <a:rPr lang="ru-RU" smtClean="0"/>
-              <a:t>01.06.2025</a:t>
+              <a:t>04.06.2025</a:t>
             </a:fld>
             <a:endParaRPr lang="ru-RU"/>
           </a:p>
@@ -383,7 +383,7 @@
           <a:p>
             <a:fld id="{BDAE258F-1897-40AE-9501-6B429F8AE164}" type="datetimeFigureOut">
               <a:rPr lang="ru-RU" smtClean="0"/>
-              <a:t>01.06.2025</a:t>
+              <a:t>04.06.2025</a:t>
             </a:fld>
             <a:endParaRPr lang="ru-RU"/>
           </a:p>
@@ -1374,7 +1374,7 @@
           <a:p>
             <a:fld id="{EB206AE8-C309-4DAC-9F3D-A218AFED9DE0}" type="datetime1">
               <a:rPr lang="ru-RU" smtClean="0"/>
-              <a:t>01.06.2025</a:t>
+              <a:t>04.06.2025</a:t>
             </a:fld>
             <a:endParaRPr lang="ru-RU"/>
           </a:p>
@@ -1625,7 +1625,7 @@
           <a:p>
             <a:fld id="{425FB888-68D7-4033-98BB-03E5784BE9BB}" type="datetime1">
               <a:rPr lang="ru-RU" smtClean="0"/>
-              <a:t>01.06.2025</a:t>
+              <a:t>04.06.2025</a:t>
             </a:fld>
             <a:endParaRPr lang="ru-RU"/>
           </a:p>
@@ -1939,7 +1939,7 @@
           <a:p>
             <a:fld id="{A654AADF-09C0-4E37-A643-87A6465DA60B}" type="datetime1">
               <a:rPr lang="ru-RU" smtClean="0"/>
-              <a:t>01.06.2025</a:t>
+              <a:t>04.06.2025</a:t>
             </a:fld>
             <a:endParaRPr lang="ru-RU"/>
           </a:p>
@@ -2280,7 +2280,7 @@
           <a:p>
             <a:fld id="{416B175A-C788-4510-AA2B-F3FE3E09126F}" type="datetime1">
               <a:rPr lang="ru-RU" smtClean="0"/>
-              <a:t>01.06.2025</a:t>
+              <a:t>04.06.2025</a:t>
             </a:fld>
             <a:endParaRPr lang="ru-RU"/>
           </a:p>
@@ -2594,7 +2594,7 @@
           <a:p>
             <a:fld id="{6626988E-7373-4151-B851-18622468C051}" type="datetime1">
               <a:rPr lang="ru-RU" smtClean="0"/>
-              <a:t>01.06.2025</a:t>
+              <a:t>04.06.2025</a:t>
             </a:fld>
             <a:endParaRPr lang="ru-RU"/>
           </a:p>
@@ -2987,7 +2987,7 @@
           <a:p>
             <a:fld id="{54F4833F-E8E4-4BEC-A4EA-B63E60277170}" type="datetime1">
               <a:rPr lang="ru-RU" smtClean="0"/>
-              <a:t>01.06.2025</a:t>
+              <a:t>04.06.2025</a:t>
             </a:fld>
             <a:endParaRPr lang="ru-RU"/>
           </a:p>
@@ -3157,7 +3157,7 @@
           <a:p>
             <a:fld id="{925A5439-378A-4628-88E5-44B1A5115612}" type="datetime1">
               <a:rPr lang="ru-RU" smtClean="0"/>
-              <a:t>01.06.2025</a:t>
+              <a:t>04.06.2025</a:t>
             </a:fld>
             <a:endParaRPr lang="ru-RU"/>
           </a:p>
@@ -3337,7 +3337,7 @@
           <a:p>
             <a:fld id="{2422FE69-8F1A-46D4-B4A7-3B7E0DD3F4E3}" type="datetime1">
               <a:rPr lang="ru-RU" smtClean="0"/>
-              <a:t>01.06.2025</a:t>
+              <a:t>04.06.2025</a:t>
             </a:fld>
             <a:endParaRPr lang="ru-RU"/>
           </a:p>
@@ -3513,7 +3513,7 @@
           <a:p>
             <a:fld id="{BABB0E76-6DE3-4AA8-813D-7308F720DA07}" type="datetime1">
               <a:rPr lang="ru-RU" smtClean="0"/>
-              <a:t>01.06.2025</a:t>
+              <a:t>04.06.2025</a:t>
             </a:fld>
             <a:endParaRPr lang="ru-RU"/>
           </a:p>
@@ -3760,7 +3760,7 @@
           <a:p>
             <a:fld id="{13A67319-6A7F-45B3-BD38-B765779075DA}" type="datetime1">
               <a:rPr lang="ru-RU" smtClean="0"/>
-              <a:t>01.06.2025</a:t>
+              <a:t>04.06.2025</a:t>
             </a:fld>
             <a:endParaRPr lang="ru-RU"/>
           </a:p>
@@ -3992,7 +3992,7 @@
           <a:p>
             <a:fld id="{95D73D04-339B-4023-8424-2C00CBDAA72B}" type="datetime1">
               <a:rPr lang="ru-RU" smtClean="0"/>
-              <a:t>01.06.2025</a:t>
+              <a:t>04.06.2025</a:t>
             </a:fld>
             <a:endParaRPr lang="ru-RU"/>
           </a:p>
@@ -4366,7 +4366,7 @@
           <a:p>
             <a:fld id="{0410C500-70BD-405A-BDC7-56560974F08A}" type="datetime1">
               <a:rPr lang="ru-RU" smtClean="0"/>
-              <a:t>01.06.2025</a:t>
+              <a:t>04.06.2025</a:t>
             </a:fld>
             <a:endParaRPr lang="ru-RU"/>
           </a:p>
@@ -4489,7 +4489,7 @@
           <a:p>
             <a:fld id="{4035226A-01DE-4644-8BAA-CB0CEACD6CC0}" type="datetime1">
               <a:rPr lang="ru-RU" smtClean="0"/>
-              <a:t>01.06.2025</a:t>
+              <a:t>04.06.2025</a:t>
             </a:fld>
             <a:endParaRPr lang="ru-RU"/>
           </a:p>
@@ -4584,7 +4584,7 @@
           <a:p>
             <a:fld id="{4CFB8BF8-1809-4739-A18F-918E82ADEAFA}" type="datetime1">
               <a:rPr lang="ru-RU" smtClean="0"/>
-              <a:t>01.06.2025</a:t>
+              <a:t>04.06.2025</a:t>
             </a:fld>
             <a:endParaRPr lang="ru-RU"/>
           </a:p>
@@ -4839,7 +4839,7 @@
           <a:p>
             <a:fld id="{CAC87BEF-3478-4FA3-AA8A-3432938AE95F}" type="datetime1">
               <a:rPr lang="ru-RU" smtClean="0"/>
-              <a:t>01.06.2025</a:t>
+              <a:t>04.06.2025</a:t>
             </a:fld>
             <a:endParaRPr lang="ru-RU"/>
           </a:p>
@@ -5102,7 +5102,7 @@
           <a:p>
             <a:fld id="{74FD49E8-B7A6-47F0-A3CD-D60CDE7EA765}" type="datetime1">
               <a:rPr lang="ru-RU" smtClean="0"/>
-              <a:t>01.06.2025</a:t>
+              <a:t>04.06.2025</a:t>
             </a:fld>
             <a:endParaRPr lang="ru-RU"/>
           </a:p>
@@ -5845,7 +5845,7 @@
           <a:p>
             <a:fld id="{04B4D975-EFF1-4168-BCFC-6BDD817C2AD8}" type="datetime1">
               <a:rPr lang="ru-RU" smtClean="0"/>
-              <a:t>01.06.2025</a:t>
+              <a:t>04.06.2025</a:t>
             </a:fld>
             <a:endParaRPr lang="ru-RU"/>
           </a:p>
@@ -7470,8 +7470,8 @@
         </p:blipFill>
         <p:spPr>
           <a:xfrm>
-            <a:off x="926775" y="1423453"/>
-            <a:ext cx="6828263" cy="1609115"/>
+            <a:off x="926775" y="1417013"/>
+            <a:ext cx="8346014" cy="1899297"/>
           </a:xfrm>
           <a:prstGeom prst="rect">
             <a:avLst/>
@@ -7491,8 +7491,8 @@
         </p:blipFill>
         <p:spPr bwMode="auto">
           <a:xfrm>
-            <a:off x="926775" y="3677794"/>
-            <a:ext cx="7175504" cy="1449792"/>
+            <a:off x="926775" y="3664915"/>
+            <a:ext cx="8346014" cy="1757091"/>
           </a:xfrm>
           <a:prstGeom prst="rect">
             <a:avLst/>
@@ -7667,13 +7667,13 @@
           <p:nvPr>
             <p:extLst>
               <p:ext uri="{D42A27DB-BD31-4B8C-83A1-F6EECF244321}">
-                <p14:modId xmlns:p14="http://schemas.microsoft.com/office/powerpoint/2010/main" val="3935201303"/>
+                <p14:modId xmlns:p14="http://schemas.microsoft.com/office/powerpoint/2010/main" val="3231926155"/>
               </p:ext>
             </p:extLst>
           </p:nvPr>
         </p:nvGraphicFramePr>
         <p:xfrm>
-          <a:off x="483769" y="1462608"/>
+          <a:off x="483769" y="1436852"/>
           <a:ext cx="5672332" cy="1600200"/>
         </p:xfrm>
         <a:graphic>
@@ -8380,13 +8380,13 @@
           <p:nvPr>
             <p:extLst>
               <p:ext uri="{D42A27DB-BD31-4B8C-83A1-F6EECF244321}">
-                <p14:modId xmlns:p14="http://schemas.microsoft.com/office/powerpoint/2010/main" val="240374313"/>
+                <p14:modId xmlns:p14="http://schemas.microsoft.com/office/powerpoint/2010/main" val="4189976747"/>
               </p:ext>
             </p:extLst>
           </p:nvPr>
         </p:nvGraphicFramePr>
         <p:xfrm>
-          <a:off x="6600423" y="2478329"/>
+          <a:off x="6569164" y="1436852"/>
           <a:ext cx="4357337" cy="1403248"/>
         </p:xfrm>
         <a:graphic>
@@ -9761,13 +9761,13 @@
           <p:nvPr>
             <p:extLst>
               <p:ext uri="{D42A27DB-BD31-4B8C-83A1-F6EECF244321}">
-                <p14:modId xmlns:p14="http://schemas.microsoft.com/office/powerpoint/2010/main" val="2270681067"/>
+                <p14:modId xmlns:p14="http://schemas.microsoft.com/office/powerpoint/2010/main" val="2255064371"/>
               </p:ext>
             </p:extLst>
           </p:nvPr>
         </p:nvGraphicFramePr>
         <p:xfrm>
-          <a:off x="483769" y="3069298"/>
+          <a:off x="483769" y="3120810"/>
           <a:ext cx="5806210" cy="1412008"/>
         </p:xfrm>
         <a:graphic>
@@ -10467,8 +10467,8 @@
         </p:blipFill>
         <p:spPr>
           <a:xfrm>
-            <a:off x="1972811" y="1091933"/>
-            <a:ext cx="6910869" cy="4327792"/>
+            <a:off x="1032654" y="1588046"/>
+            <a:ext cx="7724980" cy="4471740"/>
           </a:xfrm>
           <a:prstGeom prst="rect">
             <a:avLst/>
@@ -10544,13 +10544,6 @@
               </a:rPr>
               <a:t>Разработка программного модуля серверной части</a:t>
             </a:r>
-            <a:endParaRPr lang="ru-RU" sz="3100" dirty="0">
-              <a:solidFill>
-                <a:schemeClr val="tx1"/>
-              </a:solidFill>
-              <a:latin typeface="Arial" panose="020B0604020202020204" pitchFamily="34" charset="0"/>
-              <a:cs typeface="Arial" panose="020B0604020202020204" pitchFamily="34" charset="0"/>
-            </a:endParaRPr>
           </a:p>
         </p:txBody>
       </p:sp>
@@ -10941,13 +10934,6 @@
               </a:rPr>
               <a:t>работы</a:t>
             </a:r>
-            <a:endParaRPr lang="ru-RU" sz="3100" dirty="0">
-              <a:solidFill>
-                <a:schemeClr val="tx1"/>
-              </a:solidFill>
-              <a:latin typeface="Arial" panose="020B0604020202020204" pitchFamily="34" charset="0"/>
-              <a:cs typeface="Arial" panose="020B0604020202020204" pitchFamily="34" charset="0"/>
-            </a:endParaRPr>
           </a:p>
         </p:txBody>
       </p:sp>
@@ -11757,27 +11743,7 @@
                 <a:latin typeface="Arial" panose="020B0604020202020204" pitchFamily="34" charset="0"/>
                 <a:cs typeface="Arial" panose="020B0604020202020204" pitchFamily="34" charset="0"/>
               </a:rPr>
-              <a:t>Разработка </a:t>
-            </a:r>
-            <a:r>
-              <a:rPr lang="ru-RU" sz="2100" dirty="0" smtClean="0">
-                <a:solidFill>
-                  <a:schemeClr val="tx1"/>
-                </a:solidFill>
-                <a:latin typeface="Arial" panose="020B0604020202020204" pitchFamily="34" charset="0"/>
-                <a:cs typeface="Arial" panose="020B0604020202020204" pitchFamily="34" charset="0"/>
-              </a:rPr>
-              <a:t>программного модуля взаимодействия с клиентами в  медицинском центре</a:t>
-            </a:r>
-            <a:r>
-              <a:rPr lang="ru-RU" sz="2100" dirty="0" smtClean="0">
-                <a:solidFill>
-                  <a:schemeClr val="tx1"/>
-                </a:solidFill>
-                <a:latin typeface="Arial" panose="020B0604020202020204" pitchFamily="34" charset="0"/>
-                <a:cs typeface="Arial" panose="020B0604020202020204" pitchFamily="34" charset="0"/>
-              </a:rPr>
-              <a:t>.</a:t>
+              <a:t>Разработка программного модуля взаимодействия с клиентами в  медицинском центре.</a:t>
             </a:r>
           </a:p>
           <a:p>
@@ -11910,17 +11876,7 @@
                 <a:latin typeface="Arial" panose="020B0604020202020204" pitchFamily="34" charset="0"/>
                 <a:cs typeface="Arial" panose="020B0604020202020204" pitchFamily="34" charset="0"/>
               </a:rPr>
-              <a:t>Задачи </a:t>
-            </a:r>
-            <a:r>
-              <a:rPr lang="ru-RU" sz="3100" dirty="0" smtClean="0">
-                <a:solidFill>
-                  <a:schemeClr val="tx1"/>
-                </a:solidFill>
-                <a:latin typeface="Arial" panose="020B0604020202020204" pitchFamily="34" charset="0"/>
-                <a:cs typeface="Arial" panose="020B0604020202020204" pitchFamily="34" charset="0"/>
-              </a:rPr>
-              <a:t>выпускной квалификационной работы</a:t>
+              <a:t>Задачи выпускной квалификационной работы</a:t>
             </a:r>
             <a:endParaRPr lang="ru-RU" sz="3100" dirty="0">
               <a:solidFill>
@@ -12863,6 +12819,30 @@
           <a:chExt cx="0" cy="0"/>
         </a:xfrm>
       </p:grpSpPr>
+      <p:pic>
+        <p:nvPicPr>
+          <p:cNvPr id="8" name="Объект 7"/>
+          <p:cNvPicPr>
+            <a:picLocks/>
+          </p:cNvPicPr>
+          <p:nvPr/>
+        </p:nvPicPr>
+        <p:blipFill>
+          <a:blip r:embed="rId2"/>
+          <a:stretch>
+            <a:fillRect/>
+          </a:stretch>
+        </p:blipFill>
+        <p:spPr>
+          <a:xfrm>
+            <a:off x="4715433" y="1834461"/>
+            <a:ext cx="7371389" cy="4373155"/>
+          </a:xfrm>
+          <a:prstGeom prst="rect">
+            <a:avLst/>
+          </a:prstGeom>
+        </p:spPr>
+      </p:pic>
       <p:sp>
         <p:nvSpPr>
           <p:cNvPr id="2" name="Заголовок 1"/>
@@ -12875,7 +12855,7 @@
         </p:nvSpPr>
         <p:spPr>
           <a:xfrm>
-            <a:off x="483769" y="346201"/>
+            <a:off x="528845" y="378398"/>
             <a:ext cx="9329931" cy="617220"/>
           </a:xfrm>
         </p:spPr>
@@ -12895,6 +12875,13 @@
               </a:rPr>
               <a:t>Диаграмма процесса обработки обращения клиентов </a:t>
             </a:r>
+            <a:endParaRPr lang="ru-RU" sz="3100" dirty="0">
+              <a:solidFill>
+                <a:schemeClr val="tx1"/>
+              </a:solidFill>
+              <a:latin typeface="Arial" panose="020B0604020202020204" pitchFamily="34" charset="0"/>
+              <a:cs typeface="Arial" panose="020B0604020202020204" pitchFamily="34" charset="0"/>
+            </a:endParaRPr>
           </a:p>
         </p:txBody>
       </p:sp>
@@ -12928,7 +12915,7 @@
               </a:rPr>
               <a:t>6</a:t>
             </a:fld>
-            <a:endParaRPr lang="ru-RU" sz="3600" dirty="0">
+            <a:endParaRPr lang="ru-RU" sz="2000" dirty="0">
               <a:solidFill>
                 <a:schemeClr val="tx1"/>
               </a:solidFill>
@@ -12940,22 +12927,20 @@
       </p:sp>
       <p:pic>
         <p:nvPicPr>
-          <p:cNvPr id="5" name="Объект 7"/>
-          <p:cNvPicPr>
-            <a:picLocks/>
-          </p:cNvPicPr>
+          <p:cNvPr id="10" name="Рисунок 9"/>
+          <p:cNvPicPr/>
           <p:nvPr/>
         </p:nvPicPr>
         <p:blipFill>
-          <a:blip r:embed="rId2"/>
+          <a:blip r:embed="rId3"/>
           <a:stretch>
             <a:fillRect/>
           </a:stretch>
         </p:blipFill>
         <p:spPr>
           <a:xfrm>
-            <a:off x="4172756" y="1168104"/>
-            <a:ext cx="7720884" cy="4873257"/>
+            <a:off x="361420" y="1834462"/>
+            <a:ext cx="4152626" cy="3117465"/>
           </a:xfrm>
           <a:prstGeom prst="rect">
             <a:avLst/>
@@ -12969,15 +12954,15 @@
           <p:nvPr/>
         </p:nvPicPr>
         <p:blipFill>
-          <a:blip r:embed="rId3"/>
+          <a:blip r:embed="rId4"/>
           <a:stretch>
             <a:fillRect/>
           </a:stretch>
         </p:blipFill>
         <p:spPr>
           <a:xfrm>
-            <a:off x="483769" y="1168105"/>
-            <a:ext cx="3873860" cy="4873257"/>
+            <a:off x="361420" y="1834461"/>
+            <a:ext cx="4152626" cy="3117465"/>
           </a:xfrm>
           <a:prstGeom prst="rect">
             <a:avLst/>
@@ -12987,7 +12972,7 @@
     </p:spTree>
     <p:extLst>
       <p:ext uri="{BB962C8B-B14F-4D97-AF65-F5344CB8AC3E}">
-        <p14:creationId xmlns:p14="http://schemas.microsoft.com/office/powerpoint/2010/main" val="1845645072"/>
+        <p14:creationId xmlns:p14="http://schemas.microsoft.com/office/powerpoint/2010/main" val="4289718560"/>
       </p:ext>
     </p:extLst>
   </p:cSld>
@@ -13110,8 +13095,8 @@
         </p:blipFill>
         <p:spPr>
           <a:xfrm>
-            <a:off x="4275787" y="1448095"/>
-            <a:ext cx="7656492" cy="4873257"/>
+            <a:off x="4681471" y="1834462"/>
+            <a:ext cx="7405352" cy="4373154"/>
           </a:xfrm>
           <a:prstGeom prst="rect">
             <a:avLst/>
@@ -13132,8 +13117,8 @@
         </p:blipFill>
         <p:spPr>
           <a:xfrm>
-            <a:off x="401927" y="1448096"/>
-            <a:ext cx="3873860" cy="4873257"/>
+            <a:off x="361420" y="1834462"/>
+            <a:ext cx="4152626" cy="3117465"/>
           </a:xfrm>
           <a:prstGeom prst="rect">
             <a:avLst/>
@@ -13143,7 +13128,7 @@
     </p:spTree>
     <p:extLst>
       <p:ext uri="{BB962C8B-B14F-4D97-AF65-F5344CB8AC3E}">
-        <p14:creationId xmlns:p14="http://schemas.microsoft.com/office/powerpoint/2010/main" val="4289718560"/>
+        <p14:creationId xmlns:p14="http://schemas.microsoft.com/office/powerpoint/2010/main" val="105203950"/>
       </p:ext>
     </p:extLst>
   </p:cSld>
@@ -14363,13 +14348,6 @@
               </a:rPr>
               <a:t> и определение затрат на разработку  ПМ</a:t>
             </a:r>
-            <a:endParaRPr lang="ru-RU" sz="3100" dirty="0">
-              <a:solidFill>
-                <a:schemeClr val="tx1"/>
-              </a:solidFill>
-              <a:latin typeface="Arial" panose="020B0604020202020204" pitchFamily="34" charset="0"/>
-              <a:cs typeface="Arial" panose="020B0604020202020204" pitchFamily="34" charset="0"/>
-            </a:endParaRPr>
           </a:p>
         </p:txBody>
       </p:sp>
@@ -14454,8 +14432,8 @@
         </p:blipFill>
         <p:spPr>
           <a:xfrm>
-            <a:off x="6597359" y="1257099"/>
-            <a:ext cx="5143500" cy="2152650"/>
+            <a:off x="6449252" y="1257099"/>
+            <a:ext cx="4948551" cy="2071060"/>
           </a:xfrm>
           <a:prstGeom prst="rect">
             <a:avLst/>
@@ -14477,8 +14455,8 @@
         </p:blipFill>
         <p:spPr>
           <a:xfrm>
-            <a:off x="6597359" y="3651161"/>
-            <a:ext cx="4613700" cy="2163650"/>
+            <a:off x="6449252" y="3494129"/>
+            <a:ext cx="4948551" cy="2320682"/>
           </a:xfrm>
           <a:prstGeom prst="rect">
             <a:avLst/>

--- a/ДИПЛОМ/ДИПЛОМ.2.0/Призентация.pptx
+++ b/ДИПЛОМ/ДИПЛОМ.2.0/Призентация.pptx
@@ -6818,6 +6818,16 @@
               <a:buNone/>
             </a:pPr>
             <a:r>
+              <a:rPr lang="ru-RU" sz="2400" dirty="0" smtClean="0">
+                <a:solidFill>
+                  <a:schemeClr val="tx1"/>
+                </a:solidFill>
+                <a:latin typeface="Arial" panose="020B0604020202020204" pitchFamily="34" charset="0"/>
+                <a:cs typeface="Arial" panose="020B0604020202020204" pitchFamily="34" charset="0"/>
+              </a:rPr>
+              <a:t>Цель </a:t>
+            </a:r>
+            <a:r>
               <a:rPr lang="ru-RU" sz="2400" dirty="0">
                 <a:solidFill>
                   <a:schemeClr val="tx1"/>
@@ -6825,7 +6835,7 @@
                 <a:latin typeface="Arial" panose="020B0604020202020204" pitchFamily="34" charset="0"/>
                 <a:cs typeface="Arial" panose="020B0604020202020204" pitchFamily="34" charset="0"/>
               </a:rPr>
-              <a:t>Задача программного модуля - систематизировать поступающие обращения клиентов и оптимизировать процесс их обработки.</a:t>
+              <a:t>программного модуля - систематизировать поступающие обращения клиентов и оптимизировать процесс их обработки.</a:t>
             </a:r>
           </a:p>
           <a:p>
@@ -7470,7 +7480,7 @@
         </p:blipFill>
         <p:spPr>
           <a:xfrm>
-            <a:off x="926775" y="1417013"/>
+            <a:off x="929059" y="3354732"/>
             <a:ext cx="8346014" cy="1899297"/>
           </a:xfrm>
           <a:prstGeom prst="rect">
@@ -7491,7 +7501,7 @@
         </p:blipFill>
         <p:spPr bwMode="auto">
           <a:xfrm>
-            <a:off x="926775" y="3664915"/>
+            <a:off x="936031" y="1280531"/>
             <a:ext cx="8346014" cy="1757091"/>
           </a:xfrm>
           <a:prstGeom prst="rect">
@@ -7674,7 +7684,7 @@
         </p:nvGraphicFramePr>
         <p:xfrm>
           <a:off x="483769" y="1436852"/>
-          <a:ext cx="5672332" cy="1600200"/>
+          <a:ext cx="5672332" cy="1402400"/>
         </p:xfrm>
         <a:graphic>
           <a:graphicData uri="http://schemas.openxmlformats.org/drawingml/2006/table">
@@ -8936,14 +8946,14 @@
           <p:nvPr>
             <p:extLst>
               <p:ext uri="{D42A27DB-BD31-4B8C-83A1-F6EECF244321}">
-                <p14:modId xmlns:p14="http://schemas.microsoft.com/office/powerpoint/2010/main" val="2711658405"/>
+                <p14:modId xmlns:p14="http://schemas.microsoft.com/office/powerpoint/2010/main" val="1132307707"/>
               </p:ext>
             </p:extLst>
           </p:nvPr>
         </p:nvGraphicFramePr>
         <p:xfrm>
-          <a:off x="483769" y="4663964"/>
-          <a:ext cx="6116654" cy="2240280"/>
+          <a:off x="483769" y="4652389"/>
+          <a:ext cx="6116654" cy="2047875"/>
         </p:xfrm>
         <a:graphic>
           <a:graphicData uri="http://schemas.openxmlformats.org/drawingml/2006/table">
@@ -11318,15 +11328,125 @@
         </p:nvSpPr>
         <p:spPr>
           <a:xfrm>
-            <a:off x="483770" y="1385876"/>
-            <a:ext cx="8596668" cy="4951702"/>
+            <a:off x="483770" y="1386553"/>
+            <a:ext cx="9447308" cy="5269567"/>
           </a:xfrm>
         </p:spPr>
         <p:txBody>
-          <a:bodyPr/>
+          <a:bodyPr>
+            <a:noAutofit/>
+          </a:bodyPr>
           <a:lstStyle/>
           <a:p>
-            <a:endParaRPr lang="ru-RU" dirty="0"/>
+            <a:pPr>
+              <a:lnSpc>
+                <a:spcPct val="150000"/>
+              </a:lnSpc>
+            </a:pPr>
+            <a:r>
+              <a:rPr lang="ru-RU" sz="2000" dirty="0">
+                <a:solidFill>
+                  <a:schemeClr val="tx1"/>
+                </a:solidFill>
+                <a:latin typeface="Arial" panose="020B0604020202020204" pitchFamily="34" charset="0"/>
+                <a:cs typeface="Arial" panose="020B0604020202020204" pitchFamily="34" charset="0"/>
+              </a:rPr>
+              <a:t>В настоящее время медицинская отрасль активно внедряет информационные технологии, переходя к </a:t>
+            </a:r>
+            <a:r>
+              <a:rPr lang="ru-RU" sz="2000" dirty="0" err="1">
+                <a:solidFill>
+                  <a:schemeClr val="tx1"/>
+                </a:solidFill>
+                <a:latin typeface="Arial" panose="020B0604020202020204" pitchFamily="34" charset="0"/>
+                <a:cs typeface="Arial" panose="020B0604020202020204" pitchFamily="34" charset="0"/>
+              </a:rPr>
+              <a:t>цифровизации</a:t>
+            </a:r>
+            <a:r>
+              <a:rPr lang="ru-RU" sz="2000" dirty="0">
+                <a:solidFill>
+                  <a:schemeClr val="tx1"/>
+                </a:solidFill>
+                <a:latin typeface="Arial" panose="020B0604020202020204" pitchFamily="34" charset="0"/>
+                <a:cs typeface="Arial" panose="020B0604020202020204" pitchFamily="34" charset="0"/>
+              </a:rPr>
+              <a:t> рутинных и управленческих процессов. Это позволяет ускорить и упростить обмен информацией между сотрудниками, повысить прозрачность и эффективность работы </a:t>
+            </a:r>
+            <a:r>
+              <a:rPr lang="ru-RU" sz="2000" dirty="0" smtClean="0">
+                <a:solidFill>
+                  <a:schemeClr val="tx1"/>
+                </a:solidFill>
+                <a:latin typeface="Arial" panose="020B0604020202020204" pitchFamily="34" charset="0"/>
+                <a:cs typeface="Arial" panose="020B0604020202020204" pitchFamily="34" charset="0"/>
+              </a:rPr>
+              <a:t>медицинских центров</a:t>
+            </a:r>
+          </a:p>
+          <a:p>
+            <a:pPr>
+              <a:lnSpc>
+                <a:spcPct val="150000"/>
+              </a:lnSpc>
+            </a:pPr>
+            <a:r>
+              <a:rPr lang="ru-RU" sz="2000" dirty="0" smtClean="0">
+                <a:solidFill>
+                  <a:schemeClr val="tx1"/>
+                </a:solidFill>
+                <a:latin typeface="Arial" panose="020B0604020202020204" pitchFamily="34" charset="0"/>
+                <a:cs typeface="Arial" panose="020B0604020202020204" pitchFamily="34" charset="0"/>
+              </a:rPr>
+              <a:t>В 2025 году медицинские центры сталкиваются с необходимостью выстраивания эффективной, структурированной системы взаимодействия с клиентами. </a:t>
+            </a:r>
+          </a:p>
+          <a:p>
+            <a:pPr>
+              <a:lnSpc>
+                <a:spcPct val="150000"/>
+              </a:lnSpc>
+            </a:pPr>
+            <a:r>
+              <a:rPr lang="ru-RU" sz="2000" dirty="0" smtClean="0">
+                <a:solidFill>
+                  <a:schemeClr val="tx1"/>
+                </a:solidFill>
+                <a:latin typeface="Arial" panose="020B0604020202020204" pitchFamily="34" charset="0"/>
+                <a:cs typeface="Arial" panose="020B0604020202020204" pitchFamily="34" charset="0"/>
+              </a:rPr>
+              <a:t>Введение программного модуля, совершенствующего коммуникацию с клиентами в медицинском центре</a:t>
+            </a:r>
+            <a:r>
+              <a:rPr lang="en-US" sz="2000" dirty="0" smtClean="0">
+                <a:solidFill>
+                  <a:schemeClr val="tx1"/>
+                </a:solidFill>
+                <a:latin typeface="Arial" panose="020B0604020202020204" pitchFamily="34" charset="0"/>
+                <a:cs typeface="Arial" panose="020B0604020202020204" pitchFamily="34" charset="0"/>
+              </a:rPr>
+              <a:t>, </a:t>
+            </a:r>
+            <a:r>
+              <a:rPr lang="ru-RU" sz="2000" dirty="0" smtClean="0">
+                <a:solidFill>
+                  <a:schemeClr val="tx1"/>
+                </a:solidFill>
+                <a:latin typeface="Arial" panose="020B0604020202020204" pitchFamily="34" charset="0"/>
+                <a:cs typeface="Arial" panose="020B0604020202020204" pitchFamily="34" charset="0"/>
+              </a:rPr>
+              <a:t>оптимизирует бизнес процессы </a:t>
+            </a:r>
+            <a:r>
+              <a:rPr lang="ru-RU" sz="2000" dirty="0">
+                <a:solidFill>
+                  <a:schemeClr val="tx1"/>
+                </a:solidFill>
+                <a:latin typeface="Arial" panose="020B0604020202020204" pitchFamily="34" charset="0"/>
+                <a:cs typeface="Arial" panose="020B0604020202020204" pitchFamily="34" charset="0"/>
+              </a:rPr>
+              <a:t>и улучшить эффективность работы.</a:t>
+            </a:r>
           </a:p>
         </p:txBody>
       </p:sp>
@@ -12875,13 +12995,6 @@
               </a:rPr>
               <a:t>Диаграмма процесса обработки обращения клиентов </a:t>
             </a:r>
-            <a:endParaRPr lang="ru-RU" sz="3100" dirty="0">
-              <a:solidFill>
-                <a:schemeClr val="tx1"/>
-              </a:solidFill>
-              <a:latin typeface="Arial" panose="020B0604020202020204" pitchFamily="34" charset="0"/>
-              <a:cs typeface="Arial" panose="020B0604020202020204" pitchFamily="34" charset="0"/>
-            </a:endParaRPr>
           </a:p>
         </p:txBody>
       </p:sp>
